--- a/Netejat.pptx
+++ b/Netejat.pptx
@@ -2,7 +2,7 @@
 <file path=ppt/presentation.xml><?xml version="1.0" encoding="utf-8"?>
 <p:presentation xmlns:a="http://schemas.openxmlformats.org/drawingml/2006/main" xmlns:r="http://schemas.openxmlformats.org/officeDocument/2006/relationships" xmlns:p="http://schemas.openxmlformats.org/presentationml/2006/main" saveSubsetFonts="1">
   <p:sldMasterIdLst>
-    <p:sldMasterId id="2147483732" r:id="rId1"/>
+    <p:sldMasterId id="2147483744" r:id="rId1"/>
   </p:sldMasterIdLst>
   <p:sldIdLst>
     <p:sldId id="256" r:id="rId2"/>
@@ -16,9 +16,9 @@
   <p:notesSz cx="6858000" cy="9144000"/>
   <p:defaultTextStyle>
     <a:defPPr>
-      <a:defRPr lang="es-ES"/>
+      <a:defRPr lang="en-US"/>
     </a:defPPr>
-    <a:lvl1pPr marL="0" algn="l" defTabSz="914400" rtl="0" eaLnBrk="1" latinLnBrk="0" hangingPunct="1">
+    <a:lvl1pPr marL="0" algn="l" defTabSz="457200" rtl="0" eaLnBrk="1" latinLnBrk="0" hangingPunct="1">
       <a:defRPr sz="1800" kern="1200">
         <a:solidFill>
           <a:schemeClr val="tx1"/>
@@ -28,7 +28,7 @@
         <a:cs typeface="+mn-cs"/>
       </a:defRPr>
     </a:lvl1pPr>
-    <a:lvl2pPr marL="457200" algn="l" defTabSz="914400" rtl="0" eaLnBrk="1" latinLnBrk="0" hangingPunct="1">
+    <a:lvl2pPr marL="457200" algn="l" defTabSz="457200" rtl="0" eaLnBrk="1" latinLnBrk="0" hangingPunct="1">
       <a:defRPr sz="1800" kern="1200">
         <a:solidFill>
           <a:schemeClr val="tx1"/>
@@ -38,7 +38,7 @@
         <a:cs typeface="+mn-cs"/>
       </a:defRPr>
     </a:lvl2pPr>
-    <a:lvl3pPr marL="914400" algn="l" defTabSz="914400" rtl="0" eaLnBrk="1" latinLnBrk="0" hangingPunct="1">
+    <a:lvl3pPr marL="914400" algn="l" defTabSz="457200" rtl="0" eaLnBrk="1" latinLnBrk="0" hangingPunct="1">
       <a:defRPr sz="1800" kern="1200">
         <a:solidFill>
           <a:schemeClr val="tx1"/>
@@ -48,7 +48,7 @@
         <a:cs typeface="+mn-cs"/>
       </a:defRPr>
     </a:lvl3pPr>
-    <a:lvl4pPr marL="1371600" algn="l" defTabSz="914400" rtl="0" eaLnBrk="1" latinLnBrk="0" hangingPunct="1">
+    <a:lvl4pPr marL="1371600" algn="l" defTabSz="457200" rtl="0" eaLnBrk="1" latinLnBrk="0" hangingPunct="1">
       <a:defRPr sz="1800" kern="1200">
         <a:solidFill>
           <a:schemeClr val="tx1"/>
@@ -58,7 +58,7 @@
         <a:cs typeface="+mn-cs"/>
       </a:defRPr>
     </a:lvl4pPr>
-    <a:lvl5pPr marL="1828800" algn="l" defTabSz="914400" rtl="0" eaLnBrk="1" latinLnBrk="0" hangingPunct="1">
+    <a:lvl5pPr marL="1828800" algn="l" defTabSz="457200" rtl="0" eaLnBrk="1" latinLnBrk="0" hangingPunct="1">
       <a:defRPr sz="1800" kern="1200">
         <a:solidFill>
           <a:schemeClr val="tx1"/>
@@ -68,7 +68,7 @@
         <a:cs typeface="+mn-cs"/>
       </a:defRPr>
     </a:lvl5pPr>
-    <a:lvl6pPr marL="2286000" algn="l" defTabSz="914400" rtl="0" eaLnBrk="1" latinLnBrk="0" hangingPunct="1">
+    <a:lvl6pPr marL="2286000" algn="l" defTabSz="457200" rtl="0" eaLnBrk="1" latinLnBrk="0" hangingPunct="1">
       <a:defRPr sz="1800" kern="1200">
         <a:solidFill>
           <a:schemeClr val="tx1"/>
@@ -78,7 +78,7 @@
         <a:cs typeface="+mn-cs"/>
       </a:defRPr>
     </a:lvl6pPr>
-    <a:lvl7pPr marL="2743200" algn="l" defTabSz="914400" rtl="0" eaLnBrk="1" latinLnBrk="0" hangingPunct="1">
+    <a:lvl7pPr marL="2743200" algn="l" defTabSz="457200" rtl="0" eaLnBrk="1" latinLnBrk="0" hangingPunct="1">
       <a:defRPr sz="1800" kern="1200">
         <a:solidFill>
           <a:schemeClr val="tx1"/>
@@ -88,7 +88,7 @@
         <a:cs typeface="+mn-cs"/>
       </a:defRPr>
     </a:lvl7pPr>
-    <a:lvl8pPr marL="3200400" algn="l" defTabSz="914400" rtl="0" eaLnBrk="1" latinLnBrk="0" hangingPunct="1">
+    <a:lvl8pPr marL="3200400" algn="l" defTabSz="457200" rtl="0" eaLnBrk="1" latinLnBrk="0" hangingPunct="1">
       <a:defRPr sz="1800" kern="1200">
         <a:solidFill>
           <a:schemeClr val="tx1"/>
@@ -98,7 +98,7 @@
         <a:cs typeface="+mn-cs"/>
       </a:defRPr>
     </a:lvl8pPr>
-    <a:lvl9pPr marL="3657600" algn="l" defTabSz="914400" rtl="0" eaLnBrk="1" latinLnBrk="0" hangingPunct="1">
+    <a:lvl9pPr marL="3657600" algn="l" defTabSz="457200" rtl="0" eaLnBrk="1" latinLnBrk="0" hangingPunct="1">
       <a:defRPr sz="1800" kern="1200">
         <a:solidFill>
           <a:schemeClr val="tx1"/>
@@ -109,17 +109,28 @@
       </a:defRPr>
     </a:lvl9pPr>
   </p:defaultTextStyle>
+  <p:extLst>
+    <p:ext uri="{EFAFB233-063F-42B5-8137-9DF3F51BA10A}">
+      <p15:sldGuideLst xmlns:p15="http://schemas.microsoft.com/office/powerpoint/2012/main">
+        <p15:guide id="1" orient="horz" pos="2160">
+          <p15:clr>
+            <a:srgbClr val="A4A3A4"/>
+          </p15:clr>
+        </p15:guide>
+        <p15:guide id="2" pos="2880">
+          <p15:clr>
+            <a:srgbClr val="A4A3A4"/>
+          </p15:clr>
+        </p15:guide>
+      </p15:sldGuideLst>
+    </p:ext>
+  </p:extLst>
 </p:presentation>
 </file>
 
 <file path=ppt/slideLayouts/slideLayout1.xml><?xml version="1.0" encoding="utf-8"?>
-<p:sldLayout xmlns:a="http://schemas.openxmlformats.org/drawingml/2006/main" xmlns:r="http://schemas.openxmlformats.org/officeDocument/2006/relationships" xmlns:p="http://schemas.openxmlformats.org/presentationml/2006/main" showMasterSp="0" type="title" preserve="1">
+<p:sldLayout xmlns:a="http://schemas.openxmlformats.org/drawingml/2006/main" xmlns:r="http://schemas.openxmlformats.org/officeDocument/2006/relationships" xmlns:p="http://schemas.openxmlformats.org/presentationml/2006/main" type="title" preserve="1">
   <p:cSld name="Diapositiva de título">
-    <p:bg>
-      <p:bgRef idx="1002">
-        <a:schemeClr val="bg2"/>
-      </p:bgRef>
-    </p:bg>
     <p:spTree>
       <p:nvGrpSpPr>
         <p:cNvPr id="1" name=""/>
@@ -136,54 +147,111 @@
       </p:grpSpPr>
       <p:sp>
         <p:nvSpPr>
-          <p:cNvPr id="9" name="8 Rectángulo"/>
+          <p:cNvPr id="11" name="Freeform 6"/>
           <p:cNvSpPr/>
           <p:nvPr/>
         </p:nvSpPr>
-        <p:spPr bwMode="ltGray">
+        <p:spPr bwMode="auto">
           <a:xfrm>
-            <a:off x="0" y="0"/>
-            <a:ext cx="9143999" cy="5135430"/>
+            <a:off x="0" y="-3175"/>
+            <a:ext cx="9144000" cy="5203825"/>
           </a:xfrm>
-          <a:prstGeom prst="rect">
+          <a:custGeom>
             <a:avLst/>
-          </a:prstGeom>
-          <a:solidFill>
-            <a:srgbClr val="000000"/>
-          </a:solidFill>
-          <a:ln w="48000" cap="flat" cmpd="thickThin" algn="ctr">
-            <a:noFill/>
-            <a:prstDash val="solid"/>
-          </a:ln>
+            <a:gdLst/>
+            <a:ahLst/>
+            <a:cxnLst/>
+            <a:rect l="0" t="0" r="r" b="b"/>
+            <a:pathLst>
+              <a:path w="5760" h="3278">
+                <a:moveTo>
+                  <a:pt x="5760" y="0"/>
+                </a:moveTo>
+                <a:lnTo>
+                  <a:pt x="0" y="0"/>
+                </a:lnTo>
+                <a:lnTo>
+                  <a:pt x="0" y="3090"/>
+                </a:lnTo>
+                <a:lnTo>
+                  <a:pt x="943" y="3090"/>
+                </a:lnTo>
+                <a:lnTo>
+                  <a:pt x="1123" y="3270"/>
+                </a:lnTo>
+                <a:lnTo>
+                  <a:pt x="1123" y="3270"/>
+                </a:lnTo>
+                <a:lnTo>
+                  <a:pt x="1127" y="3272"/>
+                </a:lnTo>
+                <a:lnTo>
+                  <a:pt x="1133" y="3275"/>
+                </a:lnTo>
+                <a:lnTo>
+                  <a:pt x="1139" y="3278"/>
+                </a:lnTo>
+                <a:lnTo>
+                  <a:pt x="1144" y="3278"/>
+                </a:lnTo>
+                <a:lnTo>
+                  <a:pt x="1150" y="3278"/>
+                </a:lnTo>
+                <a:lnTo>
+                  <a:pt x="1155" y="3275"/>
+                </a:lnTo>
+                <a:lnTo>
+                  <a:pt x="1161" y="3272"/>
+                </a:lnTo>
+                <a:lnTo>
+                  <a:pt x="1165" y="3270"/>
+                </a:lnTo>
+                <a:lnTo>
+                  <a:pt x="1345" y="3090"/>
+                </a:lnTo>
+                <a:lnTo>
+                  <a:pt x="5760" y="3090"/>
+                </a:lnTo>
+                <a:lnTo>
+                  <a:pt x="5760" y="0"/>
+                </a:lnTo>
+                <a:close/>
+              </a:path>
+            </a:pathLst>
+          </a:custGeom>
+          <a:ln/>
+          <a:effectLst/>
+          <a:extLst>
+            <a:ext uri="{91240B29-F687-4F45-9708-019B960494DF}">
+              <a14:hiddenLine xmlns:a14="http://schemas.microsoft.com/office/drawing/2010/main" w="9525">
+                <a:solidFill>
+                  <a:srgbClr val="000000"/>
+                </a:solidFill>
+                <a:round/>
+                <a:headEnd/>
+                <a:tailEnd/>
+              </a14:hiddenLine>
+            </a:ext>
+          </a:extLst>
         </p:spPr>
         <p:style>
-          <a:lnRef idx="2">
+          <a:lnRef idx="1">
             <a:schemeClr val="accent1"/>
           </a:lnRef>
-          <a:fillRef idx="1">
+          <a:fillRef idx="3">
             <a:schemeClr val="accent1"/>
           </a:fillRef>
-          <a:effectRef idx="0">
+          <a:effectRef idx="2">
             <a:schemeClr val="accent1"/>
           </a:effectRef>
           <a:fontRef idx="minor">
             <a:schemeClr val="lt1"/>
           </a:fontRef>
         </p:style>
-        <p:txBody>
-          <a:bodyPr rtlCol="0" anchor="ctr"/>
-          <a:lstStyle>
-            <a:extLst/>
-          </a:lstStyle>
-          <a:p>
-            <a:pPr algn="ctr" eaLnBrk="1" latinLnBrk="0" hangingPunct="1"/>
-            <a:endParaRPr kumimoji="0" lang="en-US"/>
-          </a:p>
-        </p:txBody>
-      </p:sp>
-      <p:sp>
-        <p:nvSpPr>
-          <p:cNvPr id="2" name="1 Título"/>
+      </p:sp>
+      <p:sp>
+        <p:nvSpPr>
+          <p:cNvPr id="2" name="Title 1"/>
           <p:cNvSpPr>
             <a:spLocks noGrp="1"/>
           </p:cNvSpPr>
@@ -193,41 +261,29 @@
         </p:nvSpPr>
         <p:spPr>
           <a:xfrm>
-            <a:off x="685800" y="3355848"/>
-            <a:ext cx="8077200" cy="1673352"/>
+            <a:off x="808831" y="1449146"/>
+            <a:ext cx="7526338" cy="2971051"/>
           </a:xfrm>
         </p:spPr>
         <p:txBody>
-          <a:bodyPr vert="horz" lIns="91440" tIns="0" rIns="45720" bIns="0" rtlCol="0" anchor="t">
-            <a:normAutofit/>
-            <a:scene3d>
-              <a:camera prst="orthographicFront"/>
-              <a:lightRig rig="threePt" dir="t">
-                <a:rot lat="0" lon="0" rev="4800000"/>
-              </a:lightRig>
-            </a:scene3d>
-            <a:sp3d prstMaterial="matte">
-              <a:bevelT w="50800" h="10160"/>
-            </a:sp3d>
-          </a:bodyPr>
+          <a:bodyPr/>
           <a:lstStyle>
-            <a:lvl1pPr algn="l">
-              <a:defRPr sz="4700" b="1"/>
+            <a:lvl1pPr>
+              <a:defRPr sz="5400"/>
             </a:lvl1pPr>
-            <a:extLst/>
           </a:lstStyle>
           <a:p>
             <a:r>
-              <a:rPr kumimoji="0" lang="es-ES" smtClean="0"/>
+              <a:rPr lang="es-ES" smtClean="0"/>
               <a:t>Haga clic para modificar el estilo de título del patrón</a:t>
             </a:r>
-            <a:endParaRPr kumimoji="0" lang="en-US"/>
-          </a:p>
-        </p:txBody>
-      </p:sp>
-      <p:sp>
-        <p:nvSpPr>
-          <p:cNvPr id="3" name="2 Subtítulo"/>
+            <a:endParaRPr lang="en-US" dirty="0"/>
+          </a:p>
+        </p:txBody>
+      </p:sp>
+      <p:sp>
+        <p:nvSpPr>
+          <p:cNvPr id="3" name="Subtitle 2"/>
           <p:cNvSpPr>
             <a:spLocks noGrp="1"/>
           </p:cNvSpPr>
@@ -237,18 +293,18 @@
         </p:nvSpPr>
         <p:spPr>
           <a:xfrm>
-            <a:off x="685800" y="1828800"/>
-            <a:ext cx="8077200" cy="1499616"/>
+            <a:off x="808831" y="5280847"/>
+            <a:ext cx="7526338" cy="434974"/>
           </a:xfrm>
         </p:spPr>
         <p:txBody>
-          <a:bodyPr lIns="118872" tIns="0" rIns="45720" bIns="0" anchor="b"/>
+          <a:bodyPr anchor="t"/>
           <a:lstStyle>
             <a:lvl1pPr marL="0" indent="0" algn="l">
               <a:buNone/>
-              <a:defRPr sz="2000">
+              <a:defRPr>
                 <a:solidFill>
-                  <a:srgbClr val="FFFFFF"/>
+                  <a:schemeClr val="tx1"/>
                 </a:solidFill>
               </a:defRPr>
             </a:lvl1pPr>
@@ -332,20 +388,19 @@
                 </a:solidFill>
               </a:defRPr>
             </a:lvl9pPr>
-            <a:extLst/>
           </a:lstStyle>
           <a:p>
             <a:r>
-              <a:rPr kumimoji="0" lang="es-ES" smtClean="0"/>
-              <a:t>Haga clic para modificar el estilo de subtítulo del patrón</a:t>
-            </a:r>
-            <a:endParaRPr kumimoji="0" lang="en-US"/>
-          </a:p>
-        </p:txBody>
-      </p:sp>
-      <p:sp>
-        <p:nvSpPr>
-          <p:cNvPr id="4" name="3 Marcador de fecha"/>
+              <a:rPr lang="es-ES" smtClean="0"/>
+              <a:t>Haga clic para editar el estilo de subtítulo del patrón</a:t>
+            </a:r>
+            <a:endParaRPr lang="en-US" dirty="0"/>
+          </a:p>
+        </p:txBody>
+      </p:sp>
+      <p:sp>
+        <p:nvSpPr>
+          <p:cNvPr id="4" name="Date Placeholder 3"/>
           <p:cNvSpPr>
             <a:spLocks noGrp="1"/>
           </p:cNvSpPr>
@@ -369,7 +424,7 @@
       </p:sp>
       <p:sp>
         <p:nvSpPr>
-          <p:cNvPr id="5" name="4 Marcador de pie de página"/>
+          <p:cNvPr id="5" name="Footer Placeholder 4"/>
           <p:cNvSpPr>
             <a:spLocks noGrp="1"/>
           </p:cNvSpPr>
@@ -388,7 +443,7 @@
       </p:sp>
       <p:sp>
         <p:nvSpPr>
-          <p:cNvPr id="6" name="5 Marcador de número de diapositiva"/>
+          <p:cNvPr id="6" name="Slide Number Placeholder 5"/>
           <p:cNvSpPr>
             <a:spLocks noGrp="1"/>
           </p:cNvSpPr>
@@ -410,43 +465,163 @@
           </a:p>
         </p:txBody>
       </p:sp>
-      <p:sp>
-        <p:nvSpPr>
-          <p:cNvPr id="10" name="9 Rectángulo"/>
-          <p:cNvSpPr/>
-          <p:nvPr/>
-        </p:nvSpPr>
-        <p:spPr bwMode="invGray">
+    </p:spTree>
+    <p:extLst>
+      <p:ext uri="{BB962C8B-B14F-4D97-AF65-F5344CB8AC3E}">
+        <p14:creationId xmlns:p14="http://schemas.microsoft.com/office/powerpoint/2010/main" val="3691359470"/>
+      </p:ext>
+    </p:extLst>
+  </p:cSld>
+  <p:clrMapOvr>
+    <a:masterClrMapping/>
+  </p:clrMapOvr>
+</p:sldLayout>
+</file>
+
+<file path=ppt/slideLayouts/slideLayout10.xml><?xml version="1.0" encoding="utf-8"?>
+<p:sldLayout xmlns:a="http://schemas.openxmlformats.org/drawingml/2006/main" xmlns:r="http://schemas.openxmlformats.org/officeDocument/2006/relationships" xmlns:p="http://schemas.openxmlformats.org/presentationml/2006/main" preserve="1">
+  <p:cSld name="Imagen panorámica con descripción">
+    <p:spTree>
+      <p:nvGrpSpPr>
+        <p:cNvPr id="1" name=""/>
+        <p:cNvGrpSpPr/>
+        <p:nvPr/>
+      </p:nvGrpSpPr>
+      <p:grpSpPr>
+        <a:xfrm>
+          <a:off x="0" y="0"/>
+          <a:ext cx="0" cy="0"/>
+          <a:chOff x="0" y="0"/>
+          <a:chExt cx="0" cy="0"/>
+        </a:xfrm>
+      </p:grpSpPr>
+      <p:sp>
+        <p:nvSpPr>
+          <p:cNvPr id="2" name="Title 1"/>
+          <p:cNvSpPr>
+            <a:spLocks noGrp="1"/>
+          </p:cNvSpPr>
+          <p:nvPr>
+            <p:ph type="title"/>
+          </p:nvPr>
+        </p:nvSpPr>
+        <p:spPr>
           <a:xfrm>
-            <a:off x="0" y="5128334"/>
-            <a:ext cx="9144000" cy="45720"/>
+            <a:off x="804863" y="4800600"/>
+            <a:ext cx="7526337" cy="566738"/>
           </a:xfrm>
-          <a:prstGeom prst="rect">
+        </p:spPr>
+        <p:txBody>
+          <a:bodyPr anchor="b">
+            <a:normAutofit/>
+          </a:bodyPr>
+          <a:lstStyle>
+            <a:lvl1pPr algn="l">
+              <a:defRPr sz="2400" b="0"/>
+            </a:lvl1pPr>
+          </a:lstStyle>
+          <a:p>
+            <a:r>
+              <a:rPr lang="es-ES" smtClean="0"/>
+              <a:t>Haga clic para modificar el estilo de título del patrón</a:t>
+            </a:r>
+            <a:endParaRPr lang="en-US" dirty="0"/>
+          </a:p>
+        </p:txBody>
+      </p:sp>
+      <p:sp>
+        <p:nvSpPr>
+          <p:cNvPr id="15" name="Picture Placeholder 14"/>
+          <p:cNvSpPr>
+            <a:spLocks noGrp="1" noChangeAspect="1"/>
+          </p:cNvSpPr>
+          <p:nvPr>
+            <p:ph type="pic" sz="quarter" idx="13"/>
+          </p:nvPr>
+        </p:nvSpPr>
+        <p:spPr bwMode="auto">
+          <a:xfrm>
+            <a:off x="0" y="0"/>
+            <a:ext cx="9144000" cy="4800600"/>
+          </a:xfrm>
+          <a:custGeom>
             <a:avLst/>
-          </a:prstGeom>
-          <a:solidFill>
-            <a:srgbClr val="FFFFFF"/>
-          </a:solidFill>
-          <a:ln w="48000" cap="flat" cmpd="thickThin" algn="ctr">
-            <a:noFill/>
-            <a:prstDash val="solid"/>
+            <a:gdLst/>
+            <a:ahLst/>
+            <a:cxnLst/>
+            <a:rect l="0" t="0" r="r" b="b"/>
+            <a:pathLst>
+              <a:path w="5760" h="3289">
+                <a:moveTo>
+                  <a:pt x="5760" y="0"/>
+                </a:moveTo>
+                <a:lnTo>
+                  <a:pt x="0" y="0"/>
+                </a:lnTo>
+                <a:lnTo>
+                  <a:pt x="0" y="3100"/>
+                </a:lnTo>
+                <a:lnTo>
+                  <a:pt x="943" y="3100"/>
+                </a:lnTo>
+                <a:lnTo>
+                  <a:pt x="1123" y="3281"/>
+                </a:lnTo>
+                <a:lnTo>
+                  <a:pt x="1123" y="3281"/>
+                </a:lnTo>
+                <a:lnTo>
+                  <a:pt x="1127" y="3283"/>
+                </a:lnTo>
+                <a:lnTo>
+                  <a:pt x="1133" y="3286"/>
+                </a:lnTo>
+                <a:lnTo>
+                  <a:pt x="1139" y="3289"/>
+                </a:lnTo>
+                <a:lnTo>
+                  <a:pt x="1144" y="3289"/>
+                </a:lnTo>
+                <a:lnTo>
+                  <a:pt x="1150" y="3289"/>
+                </a:lnTo>
+                <a:lnTo>
+                  <a:pt x="1155" y="3286"/>
+                </a:lnTo>
+                <a:lnTo>
+                  <a:pt x="1161" y="3283"/>
+                </a:lnTo>
+                <a:lnTo>
+                  <a:pt x="1165" y="3281"/>
+                </a:lnTo>
+                <a:lnTo>
+                  <a:pt x="1345" y="3100"/>
+                </a:lnTo>
+                <a:lnTo>
+                  <a:pt x="5760" y="3100"/>
+                </a:lnTo>
+                <a:lnTo>
+                  <a:pt x="5760" y="0"/>
+                </a:lnTo>
+                <a:close/>
+              </a:path>
+            </a:pathLst>
+          </a:custGeom>
+          <a:noFill/>
+          <a:ln>
+            <a:solidFill>
+              <a:schemeClr val="tx2"/>
+            </a:solidFill>
           </a:ln>
-          <a:effectLst>
-            <a:outerShdw blurRad="31750" dist="10160" dir="5400000" algn="tl" rotWithShape="0">
-              <a:srgbClr val="000000">
-                <a:alpha val="60000"/>
-              </a:srgbClr>
-            </a:outerShdw>
-          </a:effectLst>
         </p:spPr>
         <p:style>
-          <a:lnRef idx="2">
+          <a:lnRef idx="1">
             <a:schemeClr val="accent1"/>
           </a:lnRef>
-          <a:fillRef idx="1">
+          <a:fillRef idx="3">
             <a:schemeClr val="accent1"/>
           </a:fillRef>
-          <a:effectRef idx="0">
+          <a:effectRef idx="2">
             <a:schemeClr val="accent1"/>
           </a:effectRef>
           <a:fontRef idx="minor">
@@ -454,25 +629,1037 @@
           </a:fontRef>
         </p:style>
         <p:txBody>
-          <a:bodyPr rtlCol="0" anchor="ctr"/>
+          <a:bodyPr wrap="square" numCol="1" anchor="t" anchorCtr="0" compatLnSpc="1">
+            <a:prstTxWarp prst="textNoShape">
+              <a:avLst/>
+            </a:prstTxWarp>
+            <a:normAutofit/>
+          </a:bodyPr>
           <a:lstStyle>
-            <a:extLst/>
+            <a:lvl1pPr marL="0" indent="0" algn="ctr">
+              <a:buFontTx/>
+              <a:buNone/>
+              <a:defRPr sz="1600"/>
+            </a:lvl1pPr>
           </a:lstStyle>
           <a:p>
-            <a:pPr algn="ctr" eaLnBrk="1" latinLnBrk="0" hangingPunct="1"/>
-            <a:endParaRPr kumimoji="0" lang="en-US"/>
+            <a:r>
+              <a:rPr lang="es-ES" smtClean="0"/>
+              <a:t>Haga clic en el icono para agregar una imagen</a:t>
+            </a:r>
+            <a:endParaRPr lang="en-US" dirty="0"/>
+          </a:p>
+        </p:txBody>
+      </p:sp>
+      <p:sp>
+        <p:nvSpPr>
+          <p:cNvPr id="4" name="Text Placeholder 3"/>
+          <p:cNvSpPr>
+            <a:spLocks noGrp="1"/>
+          </p:cNvSpPr>
+          <p:nvPr>
+            <p:ph type="body" sz="half" idx="2"/>
+          </p:nvPr>
+        </p:nvSpPr>
+        <p:spPr>
+          <a:xfrm>
+            <a:off x="804863" y="5367338"/>
+            <a:ext cx="7526337" cy="493712"/>
+          </a:xfrm>
+        </p:spPr>
+        <p:txBody>
+          <a:bodyPr>
+            <a:normAutofit/>
+          </a:bodyPr>
+          <a:lstStyle>
+            <a:lvl1pPr marL="0" indent="0">
+              <a:buNone/>
+              <a:defRPr sz="1200"/>
+            </a:lvl1pPr>
+            <a:lvl2pPr marL="457200" indent="0">
+              <a:buNone/>
+              <a:defRPr sz="1200"/>
+            </a:lvl2pPr>
+            <a:lvl3pPr marL="914400" indent="0">
+              <a:buNone/>
+              <a:defRPr sz="1000"/>
+            </a:lvl3pPr>
+            <a:lvl4pPr marL="1371600" indent="0">
+              <a:buNone/>
+              <a:defRPr sz="900"/>
+            </a:lvl4pPr>
+            <a:lvl5pPr marL="1828800" indent="0">
+              <a:buNone/>
+              <a:defRPr sz="900"/>
+            </a:lvl5pPr>
+            <a:lvl6pPr marL="2286000" indent="0">
+              <a:buNone/>
+              <a:defRPr sz="900"/>
+            </a:lvl6pPr>
+            <a:lvl7pPr marL="2743200" indent="0">
+              <a:buNone/>
+              <a:defRPr sz="900"/>
+            </a:lvl7pPr>
+            <a:lvl8pPr marL="3200400" indent="0">
+              <a:buNone/>
+              <a:defRPr sz="900"/>
+            </a:lvl8pPr>
+            <a:lvl9pPr marL="3657600" indent="0">
+              <a:buNone/>
+              <a:defRPr sz="900"/>
+            </a:lvl9pPr>
+          </a:lstStyle>
+          <a:p>
+            <a:pPr lvl="0"/>
+            <a:r>
+              <a:rPr lang="es-ES" smtClean="0"/>
+              <a:t>Editar el estilo de texto del patrón</a:t>
+            </a:r>
+          </a:p>
+        </p:txBody>
+      </p:sp>
+      <p:sp>
+        <p:nvSpPr>
+          <p:cNvPr id="5" name="Date Placeholder 4"/>
+          <p:cNvSpPr>
+            <a:spLocks noGrp="1"/>
+          </p:cNvSpPr>
+          <p:nvPr>
+            <p:ph type="dt" sz="half" idx="10"/>
+          </p:nvPr>
+        </p:nvSpPr>
+        <p:spPr/>
+        <p:txBody>
+          <a:bodyPr/>
+          <a:lstStyle/>
+          <a:p>
+            <a:fld id="{593D2309-033C-4A43-918B-33F93F9CAC7F}" type="datetimeFigureOut">
+              <a:rPr lang="es-ES" smtClean="0"/>
+              <a:pPr/>
+              <a:t>10/02/2019</a:t>
+            </a:fld>
+            <a:endParaRPr lang="es-ES"/>
+          </a:p>
+        </p:txBody>
+      </p:sp>
+      <p:sp>
+        <p:nvSpPr>
+          <p:cNvPr id="6" name="Footer Placeholder 5"/>
+          <p:cNvSpPr>
+            <a:spLocks noGrp="1"/>
+          </p:cNvSpPr>
+          <p:nvPr>
+            <p:ph type="ftr" sz="quarter" idx="11"/>
+          </p:nvPr>
+        </p:nvSpPr>
+        <p:spPr/>
+        <p:txBody>
+          <a:bodyPr/>
+          <a:lstStyle/>
+          <a:p>
+            <a:endParaRPr lang="es-ES"/>
+          </a:p>
+        </p:txBody>
+      </p:sp>
+      <p:sp>
+        <p:nvSpPr>
+          <p:cNvPr id="7" name="Slide Number Placeholder 6"/>
+          <p:cNvSpPr>
+            <a:spLocks noGrp="1"/>
+          </p:cNvSpPr>
+          <p:nvPr>
+            <p:ph type="sldNum" sz="quarter" idx="12"/>
+          </p:nvPr>
+        </p:nvSpPr>
+        <p:spPr/>
+        <p:txBody>
+          <a:bodyPr/>
+          <a:lstStyle/>
+          <a:p>
+            <a:fld id="{225972F6-3437-45F7-9AF0-D730FCD10A9C}" type="slidenum">
+              <a:rPr lang="es-ES" smtClean="0"/>
+              <a:pPr/>
+              <a:t>‹Nº›</a:t>
+            </a:fld>
+            <a:endParaRPr lang="es-ES"/>
           </a:p>
         </p:txBody>
       </p:sp>
     </p:spTree>
+    <p:extLst>
+      <p:ext uri="{BB962C8B-B14F-4D97-AF65-F5344CB8AC3E}">
+        <p14:creationId xmlns:p14="http://schemas.microsoft.com/office/powerpoint/2010/main" val="3233327767"/>
+      </p:ext>
+    </p:extLst>
   </p:cSld>
   <p:clrMapOvr>
-    <a:overrideClrMapping bg1="dk1" tx1="lt1" bg2="dk2" tx2="lt2" accent1="accent1" accent2="accent2" accent3="accent3" accent4="accent4" accent5="accent5" accent6="accent6" hlink="hlink" folHlink="folHlink"/>
+    <a:masterClrMapping/>
   </p:clrMapOvr>
 </p:sldLayout>
 </file>
 
-<file path=ppt/slideLayouts/slideLayout10.xml><?xml version="1.0" encoding="utf-8"?>
+<file path=ppt/slideLayouts/slideLayout11.xml><?xml version="1.0" encoding="utf-8"?>
+<p:sldLayout xmlns:a="http://schemas.openxmlformats.org/drawingml/2006/main" xmlns:r="http://schemas.openxmlformats.org/officeDocument/2006/relationships" xmlns:p="http://schemas.openxmlformats.org/presentationml/2006/main" preserve="1">
+  <p:cSld name="Cita con descripción">
+    <p:spTree>
+      <p:nvGrpSpPr>
+        <p:cNvPr id="1" name=""/>
+        <p:cNvGrpSpPr/>
+        <p:nvPr/>
+      </p:nvGrpSpPr>
+      <p:grpSpPr>
+        <a:xfrm>
+          <a:off x="0" y="0"/>
+          <a:ext cx="0" cy="0"/>
+          <a:chOff x="0" y="0"/>
+          <a:chExt cx="0" cy="0"/>
+        </a:xfrm>
+      </p:grpSpPr>
+      <p:sp>
+        <p:nvSpPr>
+          <p:cNvPr id="8" name="Freeform 6"/>
+          <p:cNvSpPr>
+            <a:spLocks noChangeAspect="1"/>
+          </p:cNvSpPr>
+          <p:nvPr/>
+        </p:nvSpPr>
+        <p:spPr bwMode="auto">
+          <a:xfrm>
+            <a:off x="485107" y="1338479"/>
+            <a:ext cx="4749312" cy="3239188"/>
+          </a:xfrm>
+          <a:custGeom>
+            <a:avLst/>
+            <a:gdLst/>
+            <a:ahLst/>
+            <a:cxnLst/>
+            <a:rect l="0" t="0" r="r" b="b"/>
+            <a:pathLst>
+              <a:path w="3384" h="2308">
+                <a:moveTo>
+                  <a:pt x="3340" y="0"/>
+                </a:moveTo>
+                <a:lnTo>
+                  <a:pt x="44" y="0"/>
+                </a:lnTo>
+                <a:lnTo>
+                  <a:pt x="44" y="0"/>
+                </a:lnTo>
+                <a:lnTo>
+                  <a:pt x="34" y="0"/>
+                </a:lnTo>
+                <a:lnTo>
+                  <a:pt x="26" y="4"/>
+                </a:lnTo>
+                <a:lnTo>
+                  <a:pt x="20" y="8"/>
+                </a:lnTo>
+                <a:lnTo>
+                  <a:pt x="12" y="12"/>
+                </a:lnTo>
+                <a:lnTo>
+                  <a:pt x="8" y="20"/>
+                </a:lnTo>
+                <a:lnTo>
+                  <a:pt x="4" y="26"/>
+                </a:lnTo>
+                <a:lnTo>
+                  <a:pt x="0" y="34"/>
+                </a:lnTo>
+                <a:lnTo>
+                  <a:pt x="0" y="44"/>
+                </a:lnTo>
+                <a:lnTo>
+                  <a:pt x="0" y="2076"/>
+                </a:lnTo>
+                <a:lnTo>
+                  <a:pt x="0" y="2076"/>
+                </a:lnTo>
+                <a:lnTo>
+                  <a:pt x="0" y="2086"/>
+                </a:lnTo>
+                <a:lnTo>
+                  <a:pt x="4" y="2094"/>
+                </a:lnTo>
+                <a:lnTo>
+                  <a:pt x="8" y="2100"/>
+                </a:lnTo>
+                <a:lnTo>
+                  <a:pt x="12" y="2108"/>
+                </a:lnTo>
+                <a:lnTo>
+                  <a:pt x="20" y="2112"/>
+                </a:lnTo>
+                <a:lnTo>
+                  <a:pt x="26" y="2116"/>
+                </a:lnTo>
+                <a:lnTo>
+                  <a:pt x="34" y="2120"/>
+                </a:lnTo>
+                <a:lnTo>
+                  <a:pt x="44" y="2120"/>
+                </a:lnTo>
+                <a:lnTo>
+                  <a:pt x="474" y="2120"/>
+                </a:lnTo>
+                <a:lnTo>
+                  <a:pt x="650" y="2296"/>
+                </a:lnTo>
+                <a:lnTo>
+                  <a:pt x="650" y="2296"/>
+                </a:lnTo>
+                <a:lnTo>
+                  <a:pt x="656" y="2300"/>
+                </a:lnTo>
+                <a:lnTo>
+                  <a:pt x="664" y="2304"/>
+                </a:lnTo>
+                <a:lnTo>
+                  <a:pt x="672" y="2308"/>
+                </a:lnTo>
+                <a:lnTo>
+                  <a:pt x="680" y="2308"/>
+                </a:lnTo>
+                <a:lnTo>
+                  <a:pt x="688" y="2308"/>
+                </a:lnTo>
+                <a:lnTo>
+                  <a:pt x="696" y="2304"/>
+                </a:lnTo>
+                <a:lnTo>
+                  <a:pt x="704" y="2300"/>
+                </a:lnTo>
+                <a:lnTo>
+                  <a:pt x="710" y="2296"/>
+                </a:lnTo>
+                <a:lnTo>
+                  <a:pt x="886" y="2120"/>
+                </a:lnTo>
+                <a:lnTo>
+                  <a:pt x="3340" y="2120"/>
+                </a:lnTo>
+                <a:lnTo>
+                  <a:pt x="3340" y="2120"/>
+                </a:lnTo>
+                <a:lnTo>
+                  <a:pt x="3350" y="2120"/>
+                </a:lnTo>
+                <a:lnTo>
+                  <a:pt x="3358" y="2116"/>
+                </a:lnTo>
+                <a:lnTo>
+                  <a:pt x="3364" y="2112"/>
+                </a:lnTo>
+                <a:lnTo>
+                  <a:pt x="3372" y="2108"/>
+                </a:lnTo>
+                <a:lnTo>
+                  <a:pt x="3376" y="2100"/>
+                </a:lnTo>
+                <a:lnTo>
+                  <a:pt x="3380" y="2094"/>
+                </a:lnTo>
+                <a:lnTo>
+                  <a:pt x="3384" y="2086"/>
+                </a:lnTo>
+                <a:lnTo>
+                  <a:pt x="3384" y="2076"/>
+                </a:lnTo>
+                <a:lnTo>
+                  <a:pt x="3384" y="44"/>
+                </a:lnTo>
+                <a:lnTo>
+                  <a:pt x="3384" y="44"/>
+                </a:lnTo>
+                <a:lnTo>
+                  <a:pt x="3384" y="34"/>
+                </a:lnTo>
+                <a:lnTo>
+                  <a:pt x="3380" y="26"/>
+                </a:lnTo>
+                <a:lnTo>
+                  <a:pt x="3376" y="20"/>
+                </a:lnTo>
+                <a:lnTo>
+                  <a:pt x="3372" y="12"/>
+                </a:lnTo>
+                <a:lnTo>
+                  <a:pt x="3364" y="8"/>
+                </a:lnTo>
+                <a:lnTo>
+                  <a:pt x="3358" y="4"/>
+                </a:lnTo>
+                <a:lnTo>
+                  <a:pt x="3350" y="0"/>
+                </a:lnTo>
+                <a:lnTo>
+                  <a:pt x="3340" y="0"/>
+                </a:lnTo>
+                <a:lnTo>
+                  <a:pt x="3340" y="0"/>
+                </a:lnTo>
+                <a:close/>
+              </a:path>
+            </a:pathLst>
+          </a:custGeom>
+          <a:ln>
+            <a:solidFill>
+              <a:schemeClr val="accent1"/>
+            </a:solidFill>
+          </a:ln>
+        </p:spPr>
+        <p:style>
+          <a:lnRef idx="1">
+            <a:schemeClr val="accent1"/>
+          </a:lnRef>
+          <a:fillRef idx="3">
+            <a:schemeClr val="accent1"/>
+          </a:fillRef>
+          <a:effectRef idx="2">
+            <a:schemeClr val="accent1"/>
+          </a:effectRef>
+          <a:fontRef idx="minor">
+            <a:schemeClr val="lt1"/>
+          </a:fontRef>
+        </p:style>
+      </p:sp>
+      <p:sp>
+        <p:nvSpPr>
+          <p:cNvPr id="2" name="Title 1"/>
+          <p:cNvSpPr>
+            <a:spLocks noGrp="1"/>
+          </p:cNvSpPr>
+          <p:nvPr>
+            <p:ph type="title"/>
+          </p:nvPr>
+        </p:nvSpPr>
+        <p:spPr>
+          <a:xfrm>
+            <a:off x="649573" y="1495525"/>
+            <a:ext cx="4420380" cy="2645912"/>
+          </a:xfrm>
+        </p:spPr>
+        <p:txBody>
+          <a:bodyPr anchor="b"/>
+          <a:lstStyle>
+            <a:lvl1pPr algn="l">
+              <a:defRPr sz="4200" b="1" cap="none"/>
+            </a:lvl1pPr>
+          </a:lstStyle>
+          <a:p>
+            <a:r>
+              <a:rPr lang="es-ES" smtClean="0"/>
+              <a:t>Haga clic para modificar el estilo de título del patrón</a:t>
+            </a:r>
+            <a:endParaRPr lang="en-US" dirty="0"/>
+          </a:p>
+        </p:txBody>
+      </p:sp>
+      <p:sp>
+        <p:nvSpPr>
+          <p:cNvPr id="3" name="Text Placeholder 2"/>
+          <p:cNvSpPr>
+            <a:spLocks noGrp="1"/>
+          </p:cNvSpPr>
+          <p:nvPr>
+            <p:ph type="body" idx="1"/>
+          </p:nvPr>
+        </p:nvSpPr>
+        <p:spPr>
+          <a:xfrm>
+            <a:off x="651226" y="4700702"/>
+            <a:ext cx="4418727" cy="713241"/>
+          </a:xfrm>
+        </p:spPr>
+        <p:txBody>
+          <a:bodyPr anchor="t">
+            <a:noAutofit/>
+          </a:bodyPr>
+          <a:lstStyle>
+            <a:lvl1pPr marL="0" indent="0" algn="l">
+              <a:buNone/>
+              <a:defRPr sz="1800">
+                <a:solidFill>
+                  <a:schemeClr val="tx1"/>
+                </a:solidFill>
+              </a:defRPr>
+            </a:lvl1pPr>
+            <a:lvl2pPr marL="457200" indent="0">
+              <a:buNone/>
+              <a:defRPr sz="1800">
+                <a:solidFill>
+                  <a:schemeClr val="tx1">
+                    <a:tint val="75000"/>
+                  </a:schemeClr>
+                </a:solidFill>
+              </a:defRPr>
+            </a:lvl2pPr>
+            <a:lvl3pPr marL="914400" indent="0">
+              <a:buNone/>
+              <a:defRPr sz="1600">
+                <a:solidFill>
+                  <a:schemeClr val="tx1">
+                    <a:tint val="75000"/>
+                  </a:schemeClr>
+                </a:solidFill>
+              </a:defRPr>
+            </a:lvl3pPr>
+            <a:lvl4pPr marL="1371600" indent="0">
+              <a:buNone/>
+              <a:defRPr sz="1400">
+                <a:solidFill>
+                  <a:schemeClr val="tx1">
+                    <a:tint val="75000"/>
+                  </a:schemeClr>
+                </a:solidFill>
+              </a:defRPr>
+            </a:lvl4pPr>
+            <a:lvl5pPr marL="1828800" indent="0">
+              <a:buNone/>
+              <a:defRPr sz="1400">
+                <a:solidFill>
+                  <a:schemeClr val="tx1">
+                    <a:tint val="75000"/>
+                  </a:schemeClr>
+                </a:solidFill>
+              </a:defRPr>
+            </a:lvl5pPr>
+            <a:lvl6pPr marL="2286000" indent="0">
+              <a:buNone/>
+              <a:defRPr sz="1400">
+                <a:solidFill>
+                  <a:schemeClr val="tx1">
+                    <a:tint val="75000"/>
+                  </a:schemeClr>
+                </a:solidFill>
+              </a:defRPr>
+            </a:lvl6pPr>
+            <a:lvl7pPr marL="2743200" indent="0">
+              <a:buNone/>
+              <a:defRPr sz="1400">
+                <a:solidFill>
+                  <a:schemeClr val="tx1">
+                    <a:tint val="75000"/>
+                  </a:schemeClr>
+                </a:solidFill>
+              </a:defRPr>
+            </a:lvl7pPr>
+            <a:lvl8pPr marL="3200400" indent="0">
+              <a:buNone/>
+              <a:defRPr sz="1400">
+                <a:solidFill>
+                  <a:schemeClr val="tx1">
+                    <a:tint val="75000"/>
+                  </a:schemeClr>
+                </a:solidFill>
+              </a:defRPr>
+            </a:lvl8pPr>
+            <a:lvl9pPr marL="3657600" indent="0">
+              <a:buNone/>
+              <a:defRPr sz="1400">
+                <a:solidFill>
+                  <a:schemeClr val="tx1">
+                    <a:tint val="75000"/>
+                  </a:schemeClr>
+                </a:solidFill>
+              </a:defRPr>
+            </a:lvl9pPr>
+          </a:lstStyle>
+          <a:p>
+            <a:pPr lvl="0"/>
+            <a:r>
+              <a:rPr lang="es-ES" smtClean="0"/>
+              <a:t>Editar el estilo de texto del patrón</a:t>
+            </a:r>
+          </a:p>
+        </p:txBody>
+      </p:sp>
+      <p:sp>
+        <p:nvSpPr>
+          <p:cNvPr id="9" name="Text Placeholder 5"/>
+          <p:cNvSpPr>
+            <a:spLocks noGrp="1"/>
+          </p:cNvSpPr>
+          <p:nvPr>
+            <p:ph type="body" sz="quarter" idx="16"/>
+          </p:nvPr>
+        </p:nvSpPr>
+        <p:spPr>
+          <a:xfrm>
+            <a:off x="5398884" y="1338479"/>
+            <a:ext cx="3302316" cy="4075464"/>
+          </a:xfrm>
+        </p:spPr>
+        <p:txBody>
+          <a:bodyPr anchor="t"/>
+          <a:lstStyle>
+            <a:lvl1pPr marL="0" indent="0">
+              <a:buFontTx/>
+              <a:buNone/>
+              <a:defRPr/>
+            </a:lvl1pPr>
+          </a:lstStyle>
+          <a:p>
+            <a:pPr lvl="0"/>
+            <a:r>
+              <a:rPr lang="es-ES" smtClean="0"/>
+              <a:t>Editar el estilo de texto del patrón</a:t>
+            </a:r>
+          </a:p>
+        </p:txBody>
+      </p:sp>
+      <p:sp>
+        <p:nvSpPr>
+          <p:cNvPr id="4" name="Date Placeholder 3"/>
+          <p:cNvSpPr>
+            <a:spLocks noGrp="1"/>
+          </p:cNvSpPr>
+          <p:nvPr>
+            <p:ph type="dt" sz="half" idx="10"/>
+          </p:nvPr>
+        </p:nvSpPr>
+        <p:spPr/>
+        <p:txBody>
+          <a:bodyPr/>
+          <a:lstStyle/>
+          <a:p>
+            <a:fld id="{593D2309-033C-4A43-918B-33F93F9CAC7F}" type="datetimeFigureOut">
+              <a:rPr lang="es-ES" smtClean="0"/>
+              <a:pPr/>
+              <a:t>10/02/2019</a:t>
+            </a:fld>
+            <a:endParaRPr lang="es-ES"/>
+          </a:p>
+        </p:txBody>
+      </p:sp>
+      <p:sp>
+        <p:nvSpPr>
+          <p:cNvPr id="5" name="Footer Placeholder 4"/>
+          <p:cNvSpPr>
+            <a:spLocks noGrp="1"/>
+          </p:cNvSpPr>
+          <p:nvPr>
+            <p:ph type="ftr" sz="quarter" idx="11"/>
+          </p:nvPr>
+        </p:nvSpPr>
+        <p:spPr/>
+        <p:txBody>
+          <a:bodyPr/>
+          <a:lstStyle/>
+          <a:p>
+            <a:endParaRPr lang="es-ES"/>
+          </a:p>
+        </p:txBody>
+      </p:sp>
+      <p:sp>
+        <p:nvSpPr>
+          <p:cNvPr id="6" name="Slide Number Placeholder 5"/>
+          <p:cNvSpPr>
+            <a:spLocks noGrp="1"/>
+          </p:cNvSpPr>
+          <p:nvPr>
+            <p:ph type="sldNum" sz="quarter" idx="12"/>
+          </p:nvPr>
+        </p:nvSpPr>
+        <p:spPr/>
+        <p:txBody>
+          <a:bodyPr/>
+          <a:lstStyle/>
+          <a:p>
+            <a:fld id="{225972F6-3437-45F7-9AF0-D730FCD10A9C}" type="slidenum">
+              <a:rPr lang="es-ES" smtClean="0"/>
+              <a:pPr/>
+              <a:t>‹Nº›</a:t>
+            </a:fld>
+            <a:endParaRPr lang="es-ES"/>
+          </a:p>
+        </p:txBody>
+      </p:sp>
+    </p:spTree>
+    <p:extLst>
+      <p:ext uri="{BB962C8B-B14F-4D97-AF65-F5344CB8AC3E}">
+        <p14:creationId xmlns:p14="http://schemas.microsoft.com/office/powerpoint/2010/main" val="3562879965"/>
+      </p:ext>
+    </p:extLst>
+  </p:cSld>
+  <p:clrMapOvr>
+    <a:masterClrMapping/>
+  </p:clrMapOvr>
+</p:sldLayout>
+</file>
+
+<file path=ppt/slideLayouts/slideLayout12.xml><?xml version="1.0" encoding="utf-8"?>
+<p:sldLayout xmlns:a="http://schemas.openxmlformats.org/drawingml/2006/main" xmlns:r="http://schemas.openxmlformats.org/officeDocument/2006/relationships" xmlns:p="http://schemas.openxmlformats.org/presentationml/2006/main" preserve="1">
+  <p:cSld name="Tarjeta de nombre">
+    <p:spTree>
+      <p:nvGrpSpPr>
+        <p:cNvPr id="1" name=""/>
+        <p:cNvGrpSpPr/>
+        <p:nvPr/>
+      </p:nvGrpSpPr>
+      <p:grpSpPr>
+        <a:xfrm>
+          <a:off x="0" y="0"/>
+          <a:ext cx="0" cy="0"/>
+          <a:chOff x="0" y="0"/>
+          <a:chExt cx="0" cy="0"/>
+        </a:xfrm>
+      </p:grpSpPr>
+      <p:sp>
+        <p:nvSpPr>
+          <p:cNvPr id="9" name="Freeform 6"/>
+          <p:cNvSpPr>
+            <a:spLocks noChangeAspect="1"/>
+          </p:cNvSpPr>
+          <p:nvPr/>
+        </p:nvSpPr>
+        <p:spPr bwMode="auto">
+          <a:xfrm>
+            <a:off x="855663" y="2286585"/>
+            <a:ext cx="3671336" cy="2503972"/>
+          </a:xfrm>
+          <a:custGeom>
+            <a:avLst/>
+            <a:gdLst/>
+            <a:ahLst/>
+            <a:cxnLst/>
+            <a:rect l="0" t="0" r="r" b="b"/>
+            <a:pathLst>
+              <a:path w="3384" h="2308">
+                <a:moveTo>
+                  <a:pt x="3340" y="0"/>
+                </a:moveTo>
+                <a:lnTo>
+                  <a:pt x="44" y="0"/>
+                </a:lnTo>
+                <a:lnTo>
+                  <a:pt x="44" y="0"/>
+                </a:lnTo>
+                <a:lnTo>
+                  <a:pt x="34" y="0"/>
+                </a:lnTo>
+                <a:lnTo>
+                  <a:pt x="26" y="4"/>
+                </a:lnTo>
+                <a:lnTo>
+                  <a:pt x="20" y="8"/>
+                </a:lnTo>
+                <a:lnTo>
+                  <a:pt x="12" y="12"/>
+                </a:lnTo>
+                <a:lnTo>
+                  <a:pt x="8" y="20"/>
+                </a:lnTo>
+                <a:lnTo>
+                  <a:pt x="4" y="26"/>
+                </a:lnTo>
+                <a:lnTo>
+                  <a:pt x="0" y="34"/>
+                </a:lnTo>
+                <a:lnTo>
+                  <a:pt x="0" y="44"/>
+                </a:lnTo>
+                <a:lnTo>
+                  <a:pt x="0" y="2076"/>
+                </a:lnTo>
+                <a:lnTo>
+                  <a:pt x="0" y="2076"/>
+                </a:lnTo>
+                <a:lnTo>
+                  <a:pt x="0" y="2086"/>
+                </a:lnTo>
+                <a:lnTo>
+                  <a:pt x="4" y="2094"/>
+                </a:lnTo>
+                <a:lnTo>
+                  <a:pt x="8" y="2100"/>
+                </a:lnTo>
+                <a:lnTo>
+                  <a:pt x="12" y="2108"/>
+                </a:lnTo>
+                <a:lnTo>
+                  <a:pt x="20" y="2112"/>
+                </a:lnTo>
+                <a:lnTo>
+                  <a:pt x="26" y="2116"/>
+                </a:lnTo>
+                <a:lnTo>
+                  <a:pt x="34" y="2120"/>
+                </a:lnTo>
+                <a:lnTo>
+                  <a:pt x="44" y="2120"/>
+                </a:lnTo>
+                <a:lnTo>
+                  <a:pt x="474" y="2120"/>
+                </a:lnTo>
+                <a:lnTo>
+                  <a:pt x="650" y="2296"/>
+                </a:lnTo>
+                <a:lnTo>
+                  <a:pt x="650" y="2296"/>
+                </a:lnTo>
+                <a:lnTo>
+                  <a:pt x="656" y="2300"/>
+                </a:lnTo>
+                <a:lnTo>
+                  <a:pt x="664" y="2304"/>
+                </a:lnTo>
+                <a:lnTo>
+                  <a:pt x="672" y="2308"/>
+                </a:lnTo>
+                <a:lnTo>
+                  <a:pt x="680" y="2308"/>
+                </a:lnTo>
+                <a:lnTo>
+                  <a:pt x="688" y="2308"/>
+                </a:lnTo>
+                <a:lnTo>
+                  <a:pt x="696" y="2304"/>
+                </a:lnTo>
+                <a:lnTo>
+                  <a:pt x="704" y="2300"/>
+                </a:lnTo>
+                <a:lnTo>
+                  <a:pt x="710" y="2296"/>
+                </a:lnTo>
+                <a:lnTo>
+                  <a:pt x="886" y="2120"/>
+                </a:lnTo>
+                <a:lnTo>
+                  <a:pt x="3340" y="2120"/>
+                </a:lnTo>
+                <a:lnTo>
+                  <a:pt x="3340" y="2120"/>
+                </a:lnTo>
+                <a:lnTo>
+                  <a:pt x="3350" y="2120"/>
+                </a:lnTo>
+                <a:lnTo>
+                  <a:pt x="3358" y="2116"/>
+                </a:lnTo>
+                <a:lnTo>
+                  <a:pt x="3364" y="2112"/>
+                </a:lnTo>
+                <a:lnTo>
+                  <a:pt x="3372" y="2108"/>
+                </a:lnTo>
+                <a:lnTo>
+                  <a:pt x="3376" y="2100"/>
+                </a:lnTo>
+                <a:lnTo>
+                  <a:pt x="3380" y="2094"/>
+                </a:lnTo>
+                <a:lnTo>
+                  <a:pt x="3384" y="2086"/>
+                </a:lnTo>
+                <a:lnTo>
+                  <a:pt x="3384" y="2076"/>
+                </a:lnTo>
+                <a:lnTo>
+                  <a:pt x="3384" y="44"/>
+                </a:lnTo>
+                <a:lnTo>
+                  <a:pt x="3384" y="44"/>
+                </a:lnTo>
+                <a:lnTo>
+                  <a:pt x="3384" y="34"/>
+                </a:lnTo>
+                <a:lnTo>
+                  <a:pt x="3380" y="26"/>
+                </a:lnTo>
+                <a:lnTo>
+                  <a:pt x="3376" y="20"/>
+                </a:lnTo>
+                <a:lnTo>
+                  <a:pt x="3372" y="12"/>
+                </a:lnTo>
+                <a:lnTo>
+                  <a:pt x="3364" y="8"/>
+                </a:lnTo>
+                <a:lnTo>
+                  <a:pt x="3358" y="4"/>
+                </a:lnTo>
+                <a:lnTo>
+                  <a:pt x="3350" y="0"/>
+                </a:lnTo>
+                <a:lnTo>
+                  <a:pt x="3340" y="0"/>
+                </a:lnTo>
+                <a:lnTo>
+                  <a:pt x="3340" y="0"/>
+                </a:lnTo>
+                <a:close/>
+              </a:path>
+            </a:pathLst>
+          </a:custGeom>
+          <a:ln>
+            <a:solidFill>
+              <a:schemeClr val="accent1"/>
+            </a:solidFill>
+          </a:ln>
+        </p:spPr>
+        <p:style>
+          <a:lnRef idx="1">
+            <a:schemeClr val="accent1"/>
+          </a:lnRef>
+          <a:fillRef idx="3">
+            <a:schemeClr val="accent1"/>
+          </a:fillRef>
+          <a:effectRef idx="2">
+            <a:schemeClr val="accent1"/>
+          </a:effectRef>
+          <a:fontRef idx="minor">
+            <a:schemeClr val="lt1"/>
+          </a:fontRef>
+        </p:style>
+      </p:sp>
+      <p:sp>
+        <p:nvSpPr>
+          <p:cNvPr id="38" name="Title 1"/>
+          <p:cNvSpPr>
+            <a:spLocks noGrp="1"/>
+          </p:cNvSpPr>
+          <p:nvPr>
+            <p:ph type="title"/>
+          </p:nvPr>
+        </p:nvSpPr>
+        <p:spPr>
+          <a:xfrm>
+            <a:off x="1017816" y="2435956"/>
+            <a:ext cx="3286891" cy="2007789"/>
+          </a:xfrm>
+        </p:spPr>
+        <p:txBody>
+          <a:bodyPr/>
+          <a:lstStyle>
+            <a:lvl1pPr>
+              <a:defRPr sz="3200"/>
+            </a:lvl1pPr>
+          </a:lstStyle>
+          <a:p>
+            <a:r>
+              <a:rPr lang="es-ES" smtClean="0"/>
+              <a:t>Haga clic para modificar el estilo de título del patrón</a:t>
+            </a:r>
+            <a:endParaRPr lang="en-US" dirty="0"/>
+          </a:p>
+        </p:txBody>
+      </p:sp>
+      <p:sp>
+        <p:nvSpPr>
+          <p:cNvPr id="6" name="Text Placeholder 5"/>
+          <p:cNvSpPr>
+            <a:spLocks noGrp="1"/>
+          </p:cNvSpPr>
+          <p:nvPr>
+            <p:ph type="body" sz="quarter" idx="16"/>
+          </p:nvPr>
+        </p:nvSpPr>
+        <p:spPr>
+          <a:xfrm>
+            <a:off x="4616450" y="2286000"/>
+            <a:ext cx="3671888" cy="2300288"/>
+          </a:xfrm>
+        </p:spPr>
+        <p:txBody>
+          <a:bodyPr anchor="t"/>
+          <a:lstStyle>
+            <a:lvl1pPr marL="0" indent="0">
+              <a:buFontTx/>
+              <a:buNone/>
+              <a:defRPr/>
+            </a:lvl1pPr>
+          </a:lstStyle>
+          <a:p>
+            <a:pPr lvl="0"/>
+            <a:r>
+              <a:rPr lang="es-ES" smtClean="0"/>
+              <a:t>Editar el estilo de texto del patrón</a:t>
+            </a:r>
+          </a:p>
+        </p:txBody>
+      </p:sp>
+      <p:sp>
+        <p:nvSpPr>
+          <p:cNvPr id="2" name="Date Placeholder 1"/>
+          <p:cNvSpPr>
+            <a:spLocks noGrp="1"/>
+          </p:cNvSpPr>
+          <p:nvPr>
+            <p:ph type="dt" sz="half" idx="10"/>
+          </p:nvPr>
+        </p:nvSpPr>
+        <p:spPr/>
+        <p:txBody>
+          <a:bodyPr/>
+          <a:lstStyle/>
+          <a:p>
+            <a:fld id="{593D2309-033C-4A43-918B-33F93F9CAC7F}" type="datetimeFigureOut">
+              <a:rPr lang="es-ES" smtClean="0"/>
+              <a:pPr/>
+              <a:t>10/02/2019</a:t>
+            </a:fld>
+            <a:endParaRPr lang="es-ES"/>
+          </a:p>
+        </p:txBody>
+      </p:sp>
+      <p:sp>
+        <p:nvSpPr>
+          <p:cNvPr id="3" name="Footer Placeholder 2"/>
+          <p:cNvSpPr>
+            <a:spLocks noGrp="1"/>
+          </p:cNvSpPr>
+          <p:nvPr>
+            <p:ph type="ftr" sz="quarter" idx="11"/>
+          </p:nvPr>
+        </p:nvSpPr>
+        <p:spPr/>
+        <p:txBody>
+          <a:bodyPr/>
+          <a:lstStyle/>
+          <a:p>
+            <a:endParaRPr lang="es-ES"/>
+          </a:p>
+        </p:txBody>
+      </p:sp>
+      <p:sp>
+        <p:nvSpPr>
+          <p:cNvPr id="4" name="Slide Number Placeholder 3"/>
+          <p:cNvSpPr>
+            <a:spLocks noGrp="1"/>
+          </p:cNvSpPr>
+          <p:nvPr>
+            <p:ph type="sldNum" sz="quarter" idx="12"/>
+          </p:nvPr>
+        </p:nvSpPr>
+        <p:spPr/>
+        <p:txBody>
+          <a:bodyPr/>
+          <a:lstStyle/>
+          <a:p>
+            <a:fld id="{225972F6-3437-45F7-9AF0-D730FCD10A9C}" type="slidenum">
+              <a:rPr lang="es-ES" smtClean="0"/>
+              <a:pPr/>
+              <a:t>‹Nº›</a:t>
+            </a:fld>
+            <a:endParaRPr lang="es-ES"/>
+          </a:p>
+        </p:txBody>
+      </p:sp>
+    </p:spTree>
+    <p:extLst>
+      <p:ext uri="{BB962C8B-B14F-4D97-AF65-F5344CB8AC3E}">
+        <p14:creationId xmlns:p14="http://schemas.microsoft.com/office/powerpoint/2010/main" val="1014640656"/>
+      </p:ext>
+    </p:extLst>
+  </p:cSld>
+  <p:clrMapOvr>
+    <a:masterClrMapping/>
+  </p:clrMapOvr>
+</p:sldLayout>
+</file>
+
+<file path=ppt/slideLayouts/slideLayout13.xml><?xml version="1.0" encoding="utf-8"?>
 <p:sldLayout xmlns:a="http://schemas.openxmlformats.org/drawingml/2006/main" xmlns:r="http://schemas.openxmlformats.org/officeDocument/2006/relationships" xmlns:p="http://schemas.openxmlformats.org/presentationml/2006/main" type="vertTx" preserve="1">
   <p:cSld name="Título y texto vertical">
     <p:spTree>
@@ -491,7 +1678,110 @@
       </p:grpSpPr>
       <p:sp>
         <p:nvSpPr>
-          <p:cNvPr id="2" name="1 Título"/>
+          <p:cNvPr id="7" name="Freeform 6"/>
+          <p:cNvSpPr/>
+          <p:nvPr/>
+        </p:nvSpPr>
+        <p:spPr bwMode="auto">
+          <a:xfrm>
+            <a:off x="0" y="0"/>
+            <a:ext cx="9144000" cy="2185988"/>
+          </a:xfrm>
+          <a:custGeom>
+            <a:avLst/>
+            <a:gdLst/>
+            <a:ahLst/>
+            <a:cxnLst/>
+            <a:rect l="0" t="0" r="r" b="b"/>
+            <a:pathLst>
+              <a:path w="5760" h="1377">
+                <a:moveTo>
+                  <a:pt x="5760" y="0"/>
+                </a:moveTo>
+                <a:lnTo>
+                  <a:pt x="0" y="0"/>
+                </a:lnTo>
+                <a:lnTo>
+                  <a:pt x="0" y="1189"/>
+                </a:lnTo>
+                <a:lnTo>
+                  <a:pt x="943" y="1189"/>
+                </a:lnTo>
+                <a:lnTo>
+                  <a:pt x="1123" y="1369"/>
+                </a:lnTo>
+                <a:lnTo>
+                  <a:pt x="1123" y="1369"/>
+                </a:lnTo>
+                <a:lnTo>
+                  <a:pt x="1127" y="1371"/>
+                </a:lnTo>
+                <a:lnTo>
+                  <a:pt x="1133" y="1374"/>
+                </a:lnTo>
+                <a:lnTo>
+                  <a:pt x="1139" y="1377"/>
+                </a:lnTo>
+                <a:lnTo>
+                  <a:pt x="1144" y="1377"/>
+                </a:lnTo>
+                <a:lnTo>
+                  <a:pt x="1150" y="1377"/>
+                </a:lnTo>
+                <a:lnTo>
+                  <a:pt x="1155" y="1374"/>
+                </a:lnTo>
+                <a:lnTo>
+                  <a:pt x="1161" y="1371"/>
+                </a:lnTo>
+                <a:lnTo>
+                  <a:pt x="1165" y="1369"/>
+                </a:lnTo>
+                <a:lnTo>
+                  <a:pt x="1345" y="1189"/>
+                </a:lnTo>
+                <a:lnTo>
+                  <a:pt x="5760" y="1189"/>
+                </a:lnTo>
+                <a:lnTo>
+                  <a:pt x="5760" y="0"/>
+                </a:lnTo>
+                <a:close/>
+              </a:path>
+            </a:pathLst>
+          </a:custGeom>
+          <a:ln/>
+          <a:extLst>
+            <a:ext uri="{91240B29-F687-4F45-9708-019B960494DF}">
+              <a14:hiddenLine xmlns:a14="http://schemas.microsoft.com/office/drawing/2010/main" w="9525">
+                <a:solidFill>
+                  <a:srgbClr val="000000"/>
+                </a:solidFill>
+                <a:round/>
+                <a:headEnd/>
+                <a:tailEnd/>
+              </a14:hiddenLine>
+            </a:ext>
+          </a:extLst>
+        </p:spPr>
+        <p:style>
+          <a:lnRef idx="1">
+            <a:schemeClr val="accent1"/>
+          </a:lnRef>
+          <a:fillRef idx="3">
+            <a:schemeClr val="accent1"/>
+          </a:fillRef>
+          <a:effectRef idx="2">
+            <a:schemeClr val="accent1"/>
+          </a:effectRef>
+          <a:fontRef idx="minor">
+            <a:schemeClr val="lt1"/>
+          </a:fontRef>
+        </p:style>
+      </p:sp>
+      <p:sp>
+        <p:nvSpPr>
+          <p:cNvPr id="2" name="Title 1"/>
           <p:cNvSpPr>
             <a:spLocks noGrp="1"/>
           </p:cNvSpPr>
@@ -502,21 +1792,19 @@
         <p:spPr/>
         <p:txBody>
           <a:bodyPr/>
-          <a:lstStyle>
-            <a:extLst/>
-          </a:lstStyle>
-          <a:p>
-            <a:r>
-              <a:rPr kumimoji="0" lang="es-ES" smtClean="0"/>
+          <a:lstStyle/>
+          <a:p>
+            <a:r>
+              <a:rPr lang="es-ES" smtClean="0"/>
               <a:t>Haga clic para modificar el estilo de título del patrón</a:t>
             </a:r>
-            <a:endParaRPr kumimoji="0" lang="en-US"/>
-          </a:p>
-        </p:txBody>
-      </p:sp>
-      <p:sp>
-        <p:nvSpPr>
-          <p:cNvPr id="3" name="2 Marcador de texto vertical"/>
+            <a:endParaRPr lang="en-US" dirty="0"/>
+          </a:p>
+        </p:txBody>
+      </p:sp>
+      <p:sp>
+        <p:nvSpPr>
+          <p:cNvPr id="3" name="Vertical Text Placeholder 2"/>
           <p:cNvSpPr>
             <a:spLocks noGrp="1"/>
           </p:cNvSpPr>
@@ -526,51 +1814,49 @@
         </p:nvSpPr>
         <p:spPr/>
         <p:txBody>
-          <a:bodyPr vert="eaVert"/>
-          <a:lstStyle>
-            <a:extLst/>
-          </a:lstStyle>
-          <a:p>
-            <a:pPr lvl="0" eaLnBrk="1" latinLnBrk="0" hangingPunct="1"/>
-            <a:r>
-              <a:rPr lang="es-ES" smtClean="0"/>
-              <a:t>Haga clic para modificar el estilo de texto del patrón</a:t>
-            </a:r>
-          </a:p>
-          <a:p>
-            <a:pPr lvl="1" eaLnBrk="1" latinLnBrk="0" hangingPunct="1"/>
+          <a:bodyPr vert="eaVert" anchor="t"/>
+          <a:lstStyle/>
+          <a:p>
+            <a:pPr lvl="0"/>
+            <a:r>
+              <a:rPr lang="es-ES" smtClean="0"/>
+              <a:t>Editar el estilo de texto del patrón</a:t>
+            </a:r>
+          </a:p>
+          <a:p>
+            <a:pPr lvl="1"/>
             <a:r>
               <a:rPr lang="es-ES" smtClean="0"/>
               <a:t>Segundo nivel</a:t>
             </a:r>
           </a:p>
           <a:p>
-            <a:pPr lvl="2" eaLnBrk="1" latinLnBrk="0" hangingPunct="1"/>
+            <a:pPr lvl="2"/>
             <a:r>
               <a:rPr lang="es-ES" smtClean="0"/>
               <a:t>Tercer nivel</a:t>
             </a:r>
           </a:p>
           <a:p>
-            <a:pPr lvl="3" eaLnBrk="1" latinLnBrk="0" hangingPunct="1"/>
+            <a:pPr lvl="3"/>
             <a:r>
               <a:rPr lang="es-ES" smtClean="0"/>
               <a:t>Cuarto nivel</a:t>
             </a:r>
           </a:p>
           <a:p>
-            <a:pPr lvl="4" eaLnBrk="1" latinLnBrk="0" hangingPunct="1"/>
+            <a:pPr lvl="4"/>
             <a:r>
               <a:rPr lang="es-ES" smtClean="0"/>
               <a:t>Quinto nivel</a:t>
             </a:r>
-            <a:endParaRPr kumimoji="0" lang="en-US"/>
-          </a:p>
-        </p:txBody>
-      </p:sp>
-      <p:sp>
-        <p:nvSpPr>
-          <p:cNvPr id="4" name="3 Marcador de fecha"/>
+            <a:endParaRPr lang="en-US" dirty="0"/>
+          </a:p>
+        </p:txBody>
+      </p:sp>
+      <p:sp>
+        <p:nvSpPr>
+          <p:cNvPr id="4" name="Date Placeholder 3"/>
           <p:cNvSpPr>
             <a:spLocks noGrp="1"/>
           </p:cNvSpPr>
@@ -594,7 +1880,7 @@
       </p:sp>
       <p:sp>
         <p:nvSpPr>
-          <p:cNvPr id="5" name="4 Marcador de pie de página"/>
+          <p:cNvPr id="5" name="Footer Placeholder 4"/>
           <p:cNvSpPr>
             <a:spLocks noGrp="1"/>
           </p:cNvSpPr>
@@ -613,7 +1899,7 @@
       </p:sp>
       <p:sp>
         <p:nvSpPr>
-          <p:cNvPr id="6" name="5 Marcador de número de diapositiva"/>
+          <p:cNvPr id="6" name="Slide Number Placeholder 5"/>
           <p:cNvSpPr>
             <a:spLocks noGrp="1"/>
           </p:cNvSpPr>
@@ -636,6 +1922,11 @@
         </p:txBody>
       </p:sp>
     </p:spTree>
+    <p:extLst>
+      <p:ext uri="{BB962C8B-B14F-4D97-AF65-F5344CB8AC3E}">
+        <p14:creationId xmlns:p14="http://schemas.microsoft.com/office/powerpoint/2010/main" val="3165180056"/>
+      </p:ext>
+    </p:extLst>
   </p:cSld>
   <p:clrMapOvr>
     <a:masterClrMapping/>
@@ -643,8 +1934,8 @@
 </p:sldLayout>
 </file>
 
-<file path=ppt/slideLayouts/slideLayout11.xml><?xml version="1.0" encoding="utf-8"?>
-<p:sldLayout xmlns:a="http://schemas.openxmlformats.org/drawingml/2006/main" xmlns:r="http://schemas.openxmlformats.org/officeDocument/2006/relationships" xmlns:p="http://schemas.openxmlformats.org/presentationml/2006/main" showMasterSp="0" type="vertTitleAndTx" preserve="1">
+<file path=ppt/slideLayouts/slideLayout14.xml><?xml version="1.0" encoding="utf-8"?>
+<p:sldLayout xmlns:a="http://schemas.openxmlformats.org/drawingml/2006/main" xmlns:r="http://schemas.openxmlformats.org/officeDocument/2006/relationships" xmlns:p="http://schemas.openxmlformats.org/presentationml/2006/main" type="vertTitleAndTx" preserve="1">
   <p:cSld name="Título vertical y texto">
     <p:spTree>
       <p:nvGrpSpPr>
@@ -662,108 +1953,153 @@
       </p:grpSpPr>
       <p:sp>
         <p:nvSpPr>
-          <p:cNvPr id="9" name="8 Rectángulo"/>
-          <p:cNvSpPr/>
+          <p:cNvPr id="12" name="Freeform 6"/>
+          <p:cNvSpPr>
+            <a:spLocks noChangeAspect="1"/>
+          </p:cNvSpPr>
           <p:nvPr/>
         </p:nvSpPr>
-        <p:spPr bwMode="invGray">
+        <p:spPr bwMode="auto">
           <a:xfrm>
-            <a:off x="6598920" y="0"/>
-            <a:ext cx="45720" cy="6858000"/>
+            <a:off x="5752238" y="446089"/>
+            <a:ext cx="3391762" cy="5414962"/>
           </a:xfrm>
-          <a:prstGeom prst="rect">
+          <a:custGeom>
             <a:avLst/>
-          </a:prstGeom>
-          <a:solidFill>
-            <a:srgbClr val="FFFFFF"/>
-          </a:solidFill>
-          <a:ln w="48000" cap="flat" cmpd="thickThin" algn="ctr">
-            <a:noFill/>
-            <a:prstDash val="solid"/>
-          </a:ln>
-          <a:effectLst>
-            <a:outerShdw blurRad="31750" dist="10160" dir="10800000" algn="tl" rotWithShape="0">
-              <a:srgbClr val="000000">
-                <a:alpha val="60000"/>
-              </a:srgbClr>
-            </a:outerShdw>
-          </a:effectLst>
+            <a:gdLst/>
+            <a:ahLst/>
+            <a:cxnLst/>
+            <a:rect l="0" t="0" r="r" b="b"/>
+            <a:pathLst>
+              <a:path w="2879" h="4320">
+                <a:moveTo>
+                  <a:pt x="183" y="0"/>
+                </a:moveTo>
+                <a:lnTo>
+                  <a:pt x="183" y="1197"/>
+                </a:lnTo>
+                <a:lnTo>
+                  <a:pt x="8" y="1372"/>
+                </a:lnTo>
+                <a:lnTo>
+                  <a:pt x="8" y="1372"/>
+                </a:lnTo>
+                <a:lnTo>
+                  <a:pt x="6" y="1376"/>
+                </a:lnTo>
+                <a:lnTo>
+                  <a:pt x="3" y="1382"/>
+                </a:lnTo>
+                <a:lnTo>
+                  <a:pt x="0" y="1387"/>
+                </a:lnTo>
+                <a:lnTo>
+                  <a:pt x="0" y="1393"/>
+                </a:lnTo>
+                <a:lnTo>
+                  <a:pt x="0" y="1399"/>
+                </a:lnTo>
+                <a:lnTo>
+                  <a:pt x="3" y="1404"/>
+                </a:lnTo>
+                <a:lnTo>
+                  <a:pt x="6" y="1410"/>
+                </a:lnTo>
+                <a:lnTo>
+                  <a:pt x="8" y="1414"/>
+                </a:lnTo>
+                <a:lnTo>
+                  <a:pt x="183" y="1589"/>
+                </a:lnTo>
+                <a:lnTo>
+                  <a:pt x="183" y="4320"/>
+                </a:lnTo>
+                <a:lnTo>
+                  <a:pt x="2879" y="4320"/>
+                </a:lnTo>
+                <a:lnTo>
+                  <a:pt x="2879" y="0"/>
+                </a:lnTo>
+                <a:lnTo>
+                  <a:pt x="183" y="0"/>
+                </a:lnTo>
+                <a:close/>
+              </a:path>
+            </a:pathLst>
+          </a:custGeom>
+          <a:ln/>
+          <a:extLst>
+            <a:ext uri="{91240B29-F687-4F45-9708-019B960494DF}">
+              <a14:hiddenLine xmlns:a14="http://schemas.microsoft.com/office/drawing/2010/main" w="9525">
+                <a:solidFill>
+                  <a:srgbClr val="000000"/>
+                </a:solidFill>
+                <a:round/>
+                <a:headEnd/>
+                <a:tailEnd/>
+              </a14:hiddenLine>
+            </a:ext>
+          </a:extLst>
         </p:spPr>
         <p:style>
-          <a:lnRef idx="2">
+          <a:lnRef idx="1">
             <a:schemeClr val="accent1"/>
           </a:lnRef>
-          <a:fillRef idx="1">
+          <a:fillRef idx="3">
             <a:schemeClr val="accent1"/>
           </a:fillRef>
-          <a:effectRef idx="0">
+          <a:effectRef idx="2">
             <a:schemeClr val="accent1"/>
           </a:effectRef>
           <a:fontRef idx="minor">
             <a:schemeClr val="lt1"/>
           </a:fontRef>
         </p:style>
-        <p:txBody>
-          <a:bodyPr rtlCol="0" anchor="ctr"/>
-          <a:lstStyle>
-            <a:extLst/>
-          </a:lstStyle>
-          <a:p>
-            <a:pPr algn="ctr" eaLnBrk="1" latinLnBrk="0" hangingPunct="1"/>
-            <a:endParaRPr kumimoji="0" lang="en-US"/>
-          </a:p>
-        </p:txBody>
-      </p:sp>
-      <p:sp>
-        <p:nvSpPr>
-          <p:cNvPr id="8" name="7 Rectángulo"/>
-          <p:cNvSpPr/>
+      </p:sp>
+      <p:sp>
+        <p:nvSpPr>
+          <p:cNvPr id="9" name="AutoShape 4"/>
+          <p:cNvSpPr>
+            <a:spLocks noChangeAspect="1" noChangeArrowheads="1" noTextEdit="1"/>
+          </p:cNvSpPr>
           <p:nvPr/>
         </p:nvSpPr>
-        <p:spPr bwMode="ltGray">
+        <p:spPr bwMode="auto">
           <a:xfrm>
-            <a:off x="6647687" y="0"/>
-            <a:ext cx="2514601" cy="6858000"/>
+            <a:off x="5233988" y="0"/>
+            <a:ext cx="3910012" cy="5867400"/>
           </a:xfrm>
           <a:prstGeom prst="rect">
             <a:avLst/>
           </a:prstGeom>
-          <a:solidFill>
-            <a:srgbClr val="000000"/>
-          </a:solidFill>
-          <a:ln w="48000" cap="flat" cmpd="thickThin" algn="ctr">
+          <a:noFill/>
+          <a:ln>
             <a:noFill/>
-            <a:prstDash val="solid"/>
           </a:ln>
+          <a:extLst>
+            <a:ext uri="{909E8E84-426E-40DD-AFC4-6F175D3DCCD1}">
+              <a14:hiddenFill xmlns:a14="http://schemas.microsoft.com/office/drawing/2010/main">
+                <a:solidFill>
+                  <a:srgbClr val="FFFFFF"/>
+                </a:solidFill>
+              </a14:hiddenFill>
+            </a:ext>
+            <a:ext uri="{91240B29-F687-4F45-9708-019B960494DF}">
+              <a14:hiddenLine xmlns:a14="http://schemas.microsoft.com/office/drawing/2010/main" w="9525">
+                <a:solidFill>
+                  <a:srgbClr val="000000"/>
+                </a:solidFill>
+                <a:miter lim="800000"/>
+                <a:headEnd/>
+                <a:tailEnd/>
+              </a14:hiddenLine>
+            </a:ext>
+          </a:extLst>
         </p:spPr>
-        <p:style>
-          <a:lnRef idx="2">
-            <a:schemeClr val="accent1"/>
-          </a:lnRef>
-          <a:fillRef idx="1">
-            <a:schemeClr val="accent1"/>
-          </a:fillRef>
-          <a:effectRef idx="0">
-            <a:schemeClr val="accent1"/>
-          </a:effectRef>
-          <a:fontRef idx="minor">
-            <a:schemeClr val="lt1"/>
-          </a:fontRef>
-        </p:style>
-        <p:txBody>
-          <a:bodyPr rtlCol="0" anchor="ctr"/>
-          <a:lstStyle>
-            <a:extLst/>
-          </a:lstStyle>
-          <a:p>
-            <a:pPr algn="ctr" eaLnBrk="1" latinLnBrk="0" hangingPunct="1"/>
-            <a:endParaRPr kumimoji="0" lang="en-US"/>
-          </a:p>
-        </p:txBody>
-      </p:sp>
-      <p:sp>
-        <p:nvSpPr>
-          <p:cNvPr id="2" name="1 Título vertical"/>
+      </p:sp>
+      <p:sp>
+        <p:nvSpPr>
+          <p:cNvPr id="2" name="Vertical Title 1"/>
           <p:cNvSpPr>
             <a:spLocks noGrp="1"/>
           </p:cNvSpPr>
@@ -773,27 +2109,25 @@
         </p:nvSpPr>
         <p:spPr>
           <a:xfrm>
-            <a:off x="6781800" y="274640"/>
-            <a:ext cx="1905000" cy="5851525"/>
+            <a:off x="6137655" y="586171"/>
+            <a:ext cx="1701800" cy="5134798"/>
           </a:xfrm>
         </p:spPr>
         <p:txBody>
           <a:bodyPr vert="eaVert"/>
-          <a:lstStyle>
-            <a:extLst/>
-          </a:lstStyle>
-          <a:p>
-            <a:r>
-              <a:rPr kumimoji="0" lang="es-ES" smtClean="0"/>
+          <a:lstStyle/>
+          <a:p>
+            <a:r>
+              <a:rPr lang="es-ES" smtClean="0"/>
               <a:t>Haga clic para modificar el estilo de título del patrón</a:t>
             </a:r>
-            <a:endParaRPr kumimoji="0" lang="en-US"/>
-          </a:p>
-        </p:txBody>
-      </p:sp>
-      <p:sp>
-        <p:nvSpPr>
-          <p:cNvPr id="3" name="2 Marcador de texto vertical"/>
+            <a:endParaRPr lang="en-US" dirty="0"/>
+          </a:p>
+        </p:txBody>
+      </p:sp>
+      <p:sp>
+        <p:nvSpPr>
+          <p:cNvPr id="3" name="Vertical Text Placeholder 2"/>
           <p:cNvSpPr>
             <a:spLocks noGrp="1"/>
           </p:cNvSpPr>
@@ -803,56 +2137,54 @@
         </p:nvSpPr>
         <p:spPr>
           <a:xfrm>
-            <a:off x="457200" y="304800"/>
-            <a:ext cx="6019800" cy="5851525"/>
+            <a:off x="804862" y="446089"/>
+            <a:ext cx="4947376" cy="5414962"/>
           </a:xfrm>
         </p:spPr>
         <p:txBody>
-          <a:bodyPr vert="eaVert"/>
-          <a:lstStyle>
-            <a:extLst/>
-          </a:lstStyle>
-          <a:p>
-            <a:pPr lvl="0" eaLnBrk="1" latinLnBrk="0" hangingPunct="1"/>
-            <a:r>
-              <a:rPr lang="es-ES" smtClean="0"/>
-              <a:t>Haga clic para modificar el estilo de texto del patrón</a:t>
-            </a:r>
-          </a:p>
-          <a:p>
-            <a:pPr lvl="1" eaLnBrk="1" latinLnBrk="0" hangingPunct="1"/>
+          <a:bodyPr vert="eaVert" anchor="t"/>
+          <a:lstStyle/>
+          <a:p>
+            <a:pPr lvl="0"/>
+            <a:r>
+              <a:rPr lang="es-ES" smtClean="0"/>
+              <a:t>Editar el estilo de texto del patrón</a:t>
+            </a:r>
+          </a:p>
+          <a:p>
+            <a:pPr lvl="1"/>
             <a:r>
               <a:rPr lang="es-ES" smtClean="0"/>
               <a:t>Segundo nivel</a:t>
             </a:r>
           </a:p>
           <a:p>
-            <a:pPr lvl="2" eaLnBrk="1" latinLnBrk="0" hangingPunct="1"/>
+            <a:pPr lvl="2"/>
             <a:r>
               <a:rPr lang="es-ES" smtClean="0"/>
               <a:t>Tercer nivel</a:t>
             </a:r>
           </a:p>
           <a:p>
-            <a:pPr lvl="3" eaLnBrk="1" latinLnBrk="0" hangingPunct="1"/>
+            <a:pPr lvl="3"/>
             <a:r>
               <a:rPr lang="es-ES" smtClean="0"/>
               <a:t>Cuarto nivel</a:t>
             </a:r>
           </a:p>
           <a:p>
-            <a:pPr lvl="4" eaLnBrk="1" latinLnBrk="0" hangingPunct="1"/>
+            <a:pPr lvl="4"/>
             <a:r>
               <a:rPr lang="es-ES" smtClean="0"/>
               <a:t>Quinto nivel</a:t>
             </a:r>
-            <a:endParaRPr kumimoji="0" lang="en-US"/>
-          </a:p>
-        </p:txBody>
-      </p:sp>
-      <p:sp>
-        <p:nvSpPr>
-          <p:cNvPr id="4" name="3 Marcador de fecha"/>
+            <a:endParaRPr lang="en-US" dirty="0"/>
+          </a:p>
+        </p:txBody>
+      </p:sp>
+      <p:sp>
+        <p:nvSpPr>
+          <p:cNvPr id="4" name="Date Placeholder 3"/>
           <p:cNvSpPr>
             <a:spLocks noGrp="1"/>
           </p:cNvSpPr>
@@ -876,7 +2208,7 @@
       </p:sp>
       <p:sp>
         <p:nvSpPr>
-          <p:cNvPr id="5" name="4 Marcador de pie de página"/>
+          <p:cNvPr id="5" name="Footer Placeholder 4"/>
           <p:cNvSpPr>
             <a:spLocks noGrp="1"/>
           </p:cNvSpPr>
@@ -884,12 +2216,7 @@
             <p:ph type="ftr" sz="quarter" idx="11"/>
           </p:nvPr>
         </p:nvSpPr>
-        <p:spPr>
-          <a:xfrm>
-            <a:off x="2640597" y="6377459"/>
-            <a:ext cx="3836404" cy="365125"/>
-          </a:xfrm>
-        </p:spPr>
+        <p:spPr/>
         <p:txBody>
           <a:bodyPr/>
           <a:lstStyle/>
@@ -900,7 +2227,7 @@
       </p:sp>
       <p:sp>
         <p:nvSpPr>
-          <p:cNvPr id="6" name="5 Marcador de número de diapositiva"/>
+          <p:cNvPr id="6" name="Slide Number Placeholder 5"/>
           <p:cNvSpPr>
             <a:spLocks noGrp="1"/>
           </p:cNvSpPr>
@@ -923,6 +2250,11 @@
         </p:txBody>
       </p:sp>
     </p:spTree>
+    <p:extLst>
+      <p:ext uri="{BB962C8B-B14F-4D97-AF65-F5344CB8AC3E}">
+        <p14:creationId xmlns:p14="http://schemas.microsoft.com/office/powerpoint/2010/main" val="285898052"/>
+      </p:ext>
+    </p:extLst>
   </p:cSld>
   <p:clrMapOvr>
     <a:masterClrMapping/>
@@ -949,91 +2281,190 @@
       </p:grpSpPr>
       <p:sp>
         <p:nvSpPr>
-          <p:cNvPr id="2" name="1 Título"/>
+          <p:cNvPr id="11" name="Freeform 6"/>
+          <p:cNvSpPr/>
+          <p:nvPr/>
+        </p:nvSpPr>
+        <p:spPr bwMode="auto">
+          <a:xfrm>
+            <a:off x="0" y="0"/>
+            <a:ext cx="9144000" cy="2185988"/>
+          </a:xfrm>
+          <a:custGeom>
+            <a:avLst/>
+            <a:gdLst/>
+            <a:ahLst/>
+            <a:cxnLst/>
+            <a:rect l="0" t="0" r="r" b="b"/>
+            <a:pathLst>
+              <a:path w="5760" h="1377">
+                <a:moveTo>
+                  <a:pt x="5760" y="0"/>
+                </a:moveTo>
+                <a:lnTo>
+                  <a:pt x="0" y="0"/>
+                </a:lnTo>
+                <a:lnTo>
+                  <a:pt x="0" y="1189"/>
+                </a:lnTo>
+                <a:lnTo>
+                  <a:pt x="943" y="1189"/>
+                </a:lnTo>
+                <a:lnTo>
+                  <a:pt x="1123" y="1369"/>
+                </a:lnTo>
+                <a:lnTo>
+                  <a:pt x="1123" y="1369"/>
+                </a:lnTo>
+                <a:lnTo>
+                  <a:pt x="1127" y="1371"/>
+                </a:lnTo>
+                <a:lnTo>
+                  <a:pt x="1133" y="1374"/>
+                </a:lnTo>
+                <a:lnTo>
+                  <a:pt x="1139" y="1377"/>
+                </a:lnTo>
+                <a:lnTo>
+                  <a:pt x="1144" y="1377"/>
+                </a:lnTo>
+                <a:lnTo>
+                  <a:pt x="1150" y="1377"/>
+                </a:lnTo>
+                <a:lnTo>
+                  <a:pt x="1155" y="1374"/>
+                </a:lnTo>
+                <a:lnTo>
+                  <a:pt x="1161" y="1371"/>
+                </a:lnTo>
+                <a:lnTo>
+                  <a:pt x="1165" y="1369"/>
+                </a:lnTo>
+                <a:lnTo>
+                  <a:pt x="1345" y="1189"/>
+                </a:lnTo>
+                <a:lnTo>
+                  <a:pt x="5760" y="1189"/>
+                </a:lnTo>
+                <a:lnTo>
+                  <a:pt x="5760" y="0"/>
+                </a:lnTo>
+                <a:close/>
+              </a:path>
+            </a:pathLst>
+          </a:custGeom>
+          <a:ln/>
+          <a:extLst>
+            <a:ext uri="{91240B29-F687-4F45-9708-019B960494DF}">
+              <a14:hiddenLine xmlns:a14="http://schemas.microsoft.com/office/drawing/2010/main" w="9525">
+                <a:solidFill>
+                  <a:srgbClr val="000000"/>
+                </a:solidFill>
+                <a:round/>
+                <a:headEnd/>
+                <a:tailEnd/>
+              </a14:hiddenLine>
+            </a:ext>
+          </a:extLst>
+        </p:spPr>
+        <p:style>
+          <a:lnRef idx="1">
+            <a:schemeClr val="accent1"/>
+          </a:lnRef>
+          <a:fillRef idx="3">
+            <a:schemeClr val="accent1"/>
+          </a:fillRef>
+          <a:effectRef idx="2">
+            <a:schemeClr val="accent1"/>
+          </a:effectRef>
+          <a:fontRef idx="minor">
+            <a:schemeClr val="lt1"/>
+          </a:fontRef>
+        </p:style>
+      </p:sp>
+      <p:sp>
+        <p:nvSpPr>
+          <p:cNvPr id="2" name="Title 1"/>
           <p:cNvSpPr>
             <a:spLocks noGrp="1"/>
           </p:cNvSpPr>
           <p:nvPr>
             <p:ph type="title"/>
+          </p:nvPr>
+        </p:nvSpPr>
+        <p:spPr/>
+        <p:txBody>
+          <a:bodyPr/>
+          <a:lstStyle/>
+          <a:p>
+            <a:r>
+              <a:rPr lang="es-ES" smtClean="0"/>
+              <a:t>Haga clic para modificar el estilo de título del patrón</a:t>
+            </a:r>
+            <a:endParaRPr lang="en-US" dirty="0"/>
+          </a:p>
+        </p:txBody>
+      </p:sp>
+      <p:sp>
+        <p:nvSpPr>
+          <p:cNvPr id="3" name="Content Placeholder 2"/>
+          <p:cNvSpPr>
+            <a:spLocks noGrp="1"/>
+          </p:cNvSpPr>
+          <p:nvPr>
+            <p:ph idx="1"/>
           </p:nvPr>
         </p:nvSpPr>
         <p:spPr>
           <a:xfrm>
-            <a:off x="457200" y="155448"/>
-            <a:ext cx="8229600" cy="1252728"/>
+            <a:off x="809997" y="2222287"/>
+            <a:ext cx="7524003" cy="3636510"/>
           </a:xfrm>
         </p:spPr>
         <p:txBody>
           <a:bodyPr/>
-          <a:lstStyle>
-            <a:extLst/>
-          </a:lstStyle>
-          <a:p>
-            <a:r>
-              <a:rPr kumimoji="0" lang="es-ES" smtClean="0"/>
-              <a:t>Haga clic para modificar el estilo de título del patrón</a:t>
-            </a:r>
-            <a:endParaRPr kumimoji="0" lang="en-US"/>
-          </a:p>
-        </p:txBody>
-      </p:sp>
-      <p:sp>
-        <p:nvSpPr>
-          <p:cNvPr id="3" name="2 Marcador de contenido"/>
-          <p:cNvSpPr>
-            <a:spLocks noGrp="1"/>
-          </p:cNvSpPr>
-          <p:nvPr>
-            <p:ph idx="1"/>
-          </p:nvPr>
-        </p:nvSpPr>
-        <p:spPr/>
-        <p:txBody>
-          <a:bodyPr/>
-          <a:lstStyle>
-            <a:extLst/>
-          </a:lstStyle>
-          <a:p>
-            <a:pPr lvl="0" eaLnBrk="1" latinLnBrk="0" hangingPunct="1"/>
-            <a:r>
-              <a:rPr lang="es-ES" smtClean="0"/>
-              <a:t>Haga clic para modificar el estilo de texto del patrón</a:t>
-            </a:r>
-          </a:p>
-          <a:p>
-            <a:pPr lvl="1" eaLnBrk="1" latinLnBrk="0" hangingPunct="1"/>
+          <a:lstStyle/>
+          <a:p>
+            <a:pPr lvl="0"/>
+            <a:r>
+              <a:rPr lang="es-ES" smtClean="0"/>
+              <a:t>Editar el estilo de texto del patrón</a:t>
+            </a:r>
+          </a:p>
+          <a:p>
+            <a:pPr lvl="1"/>
             <a:r>
               <a:rPr lang="es-ES" smtClean="0"/>
               <a:t>Segundo nivel</a:t>
             </a:r>
           </a:p>
           <a:p>
-            <a:pPr lvl="2" eaLnBrk="1" latinLnBrk="0" hangingPunct="1"/>
+            <a:pPr lvl="2"/>
             <a:r>
               <a:rPr lang="es-ES" smtClean="0"/>
               <a:t>Tercer nivel</a:t>
             </a:r>
           </a:p>
           <a:p>
-            <a:pPr lvl="3" eaLnBrk="1" latinLnBrk="0" hangingPunct="1"/>
+            <a:pPr lvl="3"/>
             <a:r>
               <a:rPr lang="es-ES" smtClean="0"/>
               <a:t>Cuarto nivel</a:t>
             </a:r>
           </a:p>
           <a:p>
-            <a:pPr lvl="4" eaLnBrk="1" latinLnBrk="0" hangingPunct="1"/>
+            <a:pPr lvl="4"/>
             <a:r>
               <a:rPr lang="es-ES" smtClean="0"/>
               <a:t>Quinto nivel</a:t>
             </a:r>
-            <a:endParaRPr kumimoji="0" lang="en-US"/>
-          </a:p>
-        </p:txBody>
-      </p:sp>
-      <p:sp>
-        <p:nvSpPr>
-          <p:cNvPr id="4" name="3 Marcador de fecha"/>
+            <a:endParaRPr lang="en-US" dirty="0"/>
+          </a:p>
+        </p:txBody>
+      </p:sp>
+      <p:sp>
+        <p:nvSpPr>
+          <p:cNvPr id="4" name="Date Placeholder 3"/>
           <p:cNvSpPr>
             <a:spLocks noGrp="1"/>
           </p:cNvSpPr>
@@ -1057,7 +2488,7 @@
       </p:sp>
       <p:sp>
         <p:nvSpPr>
-          <p:cNvPr id="5" name="4 Marcador de pie de página"/>
+          <p:cNvPr id="5" name="Footer Placeholder 4"/>
           <p:cNvSpPr>
             <a:spLocks noGrp="1"/>
           </p:cNvSpPr>
@@ -1076,7 +2507,7 @@
       </p:sp>
       <p:sp>
         <p:nvSpPr>
-          <p:cNvPr id="6" name="5 Marcador de número de diapositiva"/>
+          <p:cNvPr id="6" name="Slide Number Placeholder 5"/>
           <p:cNvSpPr>
             <a:spLocks noGrp="1"/>
           </p:cNvSpPr>
@@ -1099,6 +2530,11 @@
         </p:txBody>
       </p:sp>
     </p:spTree>
+    <p:extLst>
+      <p:ext uri="{BB962C8B-B14F-4D97-AF65-F5344CB8AC3E}">
+        <p14:creationId xmlns:p14="http://schemas.microsoft.com/office/powerpoint/2010/main" val="2870339610"/>
+      </p:ext>
+    </p:extLst>
   </p:cSld>
   <p:clrMapOvr>
     <a:masterClrMapping/>
@@ -1107,13 +2543,8 @@
 </file>
 
 <file path=ppt/slideLayouts/slideLayout3.xml><?xml version="1.0" encoding="utf-8"?>
-<p:sldLayout xmlns:a="http://schemas.openxmlformats.org/drawingml/2006/main" xmlns:r="http://schemas.openxmlformats.org/officeDocument/2006/relationships" xmlns:p="http://schemas.openxmlformats.org/presentationml/2006/main" showMasterSp="0" type="secHead" preserve="1">
+<p:sldLayout xmlns:a="http://schemas.openxmlformats.org/drawingml/2006/main" xmlns:r="http://schemas.openxmlformats.org/officeDocument/2006/relationships" xmlns:p="http://schemas.openxmlformats.org/presentationml/2006/main" type="secHead" preserve="1">
   <p:cSld name="Encabezado de sección">
-    <p:bg>
-      <p:bgRef idx="1002">
-        <a:schemeClr val="bg2"/>
-      </p:bgRef>
-    </p:bg>
     <p:spTree>
       <p:nvGrpSpPr>
         <p:cNvPr id="1" name=""/>
@@ -1130,108 +2561,104 @@
       </p:grpSpPr>
       <p:sp>
         <p:nvSpPr>
-          <p:cNvPr id="9" name="8 Rectángulo"/>
+          <p:cNvPr id="10" name="Freeform 7"/>
           <p:cNvSpPr/>
           <p:nvPr/>
         </p:nvSpPr>
-        <p:spPr bwMode="ltGray">
+        <p:spPr bwMode="auto">
           <a:xfrm>
-            <a:off x="0" y="1"/>
-            <a:ext cx="9144000" cy="2602520"/>
+            <a:off x="0" y="0"/>
+            <a:ext cx="9144000" cy="5203825"/>
           </a:xfrm>
-          <a:prstGeom prst="rect">
+          <a:custGeom>
             <a:avLst/>
-          </a:prstGeom>
-          <a:solidFill>
-            <a:srgbClr val="000000"/>
-          </a:solidFill>
-          <a:ln w="48000" cap="flat" cmpd="thickThin" algn="ctr">
-            <a:noFill/>
-            <a:prstDash val="solid"/>
+            <a:gdLst/>
+            <a:ahLst/>
+            <a:cxnLst/>
+            <a:rect l="0" t="0" r="r" b="b"/>
+            <a:pathLst>
+              <a:path w="5760" h="3278">
+                <a:moveTo>
+                  <a:pt x="0" y="0"/>
+                </a:moveTo>
+                <a:lnTo>
+                  <a:pt x="5760" y="0"/>
+                </a:lnTo>
+                <a:lnTo>
+                  <a:pt x="5760" y="3090"/>
+                </a:lnTo>
+                <a:lnTo>
+                  <a:pt x="4817" y="3090"/>
+                </a:lnTo>
+                <a:lnTo>
+                  <a:pt x="4637" y="3270"/>
+                </a:lnTo>
+                <a:lnTo>
+                  <a:pt x="4637" y="3270"/>
+                </a:lnTo>
+                <a:lnTo>
+                  <a:pt x="4633" y="3272"/>
+                </a:lnTo>
+                <a:lnTo>
+                  <a:pt x="4627" y="3275"/>
+                </a:lnTo>
+                <a:lnTo>
+                  <a:pt x="4621" y="3278"/>
+                </a:lnTo>
+                <a:lnTo>
+                  <a:pt x="4616" y="3278"/>
+                </a:lnTo>
+                <a:lnTo>
+                  <a:pt x="4610" y="3278"/>
+                </a:lnTo>
+                <a:lnTo>
+                  <a:pt x="4605" y="3275"/>
+                </a:lnTo>
+                <a:lnTo>
+                  <a:pt x="4599" y="3272"/>
+                </a:lnTo>
+                <a:lnTo>
+                  <a:pt x="4595" y="3270"/>
+                </a:lnTo>
+                <a:lnTo>
+                  <a:pt x="4415" y="3090"/>
+                </a:lnTo>
+                <a:lnTo>
+                  <a:pt x="0" y="3090"/>
+                </a:lnTo>
+                <a:lnTo>
+                  <a:pt x="0" y="0"/>
+                </a:lnTo>
+                <a:lnTo>
+                  <a:pt x="0" y="0"/>
+                </a:lnTo>
+                <a:close/>
+              </a:path>
+            </a:pathLst>
+          </a:custGeom>
+          <a:ln>
+            <a:headEnd/>
+            <a:tailEnd/>
           </a:ln>
         </p:spPr>
         <p:style>
-          <a:lnRef idx="2">
+          <a:lnRef idx="1">
             <a:schemeClr val="accent1"/>
           </a:lnRef>
-          <a:fillRef idx="1">
+          <a:fillRef idx="3">
             <a:schemeClr val="accent1"/>
           </a:fillRef>
-          <a:effectRef idx="0">
+          <a:effectRef idx="2">
             <a:schemeClr val="accent1"/>
           </a:effectRef>
           <a:fontRef idx="minor">
             <a:schemeClr val="lt1"/>
           </a:fontRef>
         </p:style>
-        <p:txBody>
-          <a:bodyPr rtlCol="0" anchor="ctr"/>
-          <a:lstStyle>
-            <a:extLst/>
-          </a:lstStyle>
-          <a:p>
-            <a:pPr algn="ctr" eaLnBrk="1" latinLnBrk="0" hangingPunct="1"/>
-            <a:endParaRPr kumimoji="0" lang="en-US"/>
-          </a:p>
-        </p:txBody>
-      </p:sp>
-      <p:sp>
-        <p:nvSpPr>
-          <p:cNvPr id="12" name="11 Rectángulo"/>
-          <p:cNvSpPr/>
-          <p:nvPr/>
-        </p:nvSpPr>
-        <p:spPr bwMode="invGray">
-          <a:xfrm>
-            <a:off x="0" y="2602520"/>
-            <a:ext cx="9144000" cy="45720"/>
-          </a:xfrm>
-          <a:prstGeom prst="rect">
-            <a:avLst/>
-          </a:prstGeom>
-          <a:solidFill>
-            <a:srgbClr val="FFFFFF"/>
-          </a:solidFill>
-          <a:ln w="48000" cap="flat" cmpd="thickThin" algn="ctr">
-            <a:noFill/>
-            <a:prstDash val="solid"/>
-          </a:ln>
-          <a:effectLst>
-            <a:outerShdw blurRad="31750" dist="10160" dir="5400000" algn="tl" rotWithShape="0">
-              <a:srgbClr val="000000">
-                <a:alpha val="60000"/>
-              </a:srgbClr>
-            </a:outerShdw>
-          </a:effectLst>
-        </p:spPr>
-        <p:style>
-          <a:lnRef idx="2">
-            <a:schemeClr val="accent1"/>
-          </a:lnRef>
-          <a:fillRef idx="1">
-            <a:schemeClr val="accent1"/>
-          </a:fillRef>
-          <a:effectRef idx="0">
-            <a:schemeClr val="accent1"/>
-          </a:effectRef>
-          <a:fontRef idx="minor">
-            <a:schemeClr val="lt1"/>
-          </a:fontRef>
-        </p:style>
-        <p:txBody>
-          <a:bodyPr rtlCol="0" anchor="ctr"/>
-          <a:lstStyle>
-            <a:extLst/>
-          </a:lstStyle>
-          <a:p>
-            <a:pPr algn="ctr" eaLnBrk="1" latinLnBrk="0" hangingPunct="1"/>
-            <a:endParaRPr kumimoji="0" lang="en-US"/>
-          </a:p>
-        </p:txBody>
-      </p:sp>
-      <p:sp>
-        <p:nvSpPr>
-          <p:cNvPr id="2" name="1 Título"/>
+      </p:sp>
+      <p:sp>
+        <p:nvSpPr>
+          <p:cNvPr id="2" name="Title 1"/>
           <p:cNvSpPr>
             <a:spLocks noGrp="1"/>
           </p:cNvSpPr>
@@ -1241,62 +2668,52 @@
         </p:nvSpPr>
         <p:spPr>
           <a:xfrm>
-            <a:off x="749808" y="118872"/>
-            <a:ext cx="8013192" cy="1636776"/>
+            <a:off x="804863" y="2951396"/>
+            <a:ext cx="7526337" cy="1468800"/>
           </a:xfrm>
         </p:spPr>
         <p:txBody>
-          <a:bodyPr vert="horz" lIns="91440" tIns="0" rIns="91440" bIns="0" rtlCol="0" anchor="b">
-            <a:normAutofit/>
-            <a:scene3d>
-              <a:camera prst="orthographicFront"/>
-              <a:lightRig rig="threePt" dir="t">
-                <a:rot lat="0" lon="0" rev="4800000"/>
-              </a:lightRig>
-            </a:scene3d>
-            <a:sp3d prstMaterial="matte">
-              <a:bevelT w="50800" h="10160"/>
-            </a:sp3d>
+          <a:bodyPr anchor="b"/>
+          <a:lstStyle>
+            <a:lvl1pPr algn="r">
+              <a:defRPr sz="4800" b="1" cap="none"/>
+            </a:lvl1pPr>
+          </a:lstStyle>
+          <a:p>
+            <a:r>
+              <a:rPr lang="es-ES" smtClean="0"/>
+              <a:t>Haga clic para modificar el estilo de título del patrón</a:t>
+            </a:r>
+            <a:endParaRPr lang="en-US" dirty="0"/>
+          </a:p>
+        </p:txBody>
+      </p:sp>
+      <p:sp>
+        <p:nvSpPr>
+          <p:cNvPr id="3" name="Text Placeholder 2"/>
+          <p:cNvSpPr>
+            <a:spLocks noGrp="1"/>
+          </p:cNvSpPr>
+          <p:nvPr>
+            <p:ph type="body" idx="1"/>
+          </p:nvPr>
+        </p:nvSpPr>
+        <p:spPr>
+          <a:xfrm>
+            <a:off x="804863" y="5281200"/>
+            <a:ext cx="7526337" cy="433955"/>
+          </a:xfrm>
+        </p:spPr>
+        <p:txBody>
+          <a:bodyPr anchor="t">
+            <a:noAutofit/>
           </a:bodyPr>
           <a:lstStyle>
-            <a:lvl1pPr algn="l">
-              <a:defRPr sz="4700" b="1" cap="none" baseline="0"/>
-            </a:lvl1pPr>
-            <a:extLst/>
-          </a:lstStyle>
-          <a:p>
-            <a:r>
-              <a:rPr kumimoji="0" lang="es-ES" smtClean="0"/>
-              <a:t>Haga clic para modificar el estilo de título del patrón</a:t>
-            </a:r>
-            <a:endParaRPr kumimoji="0" lang="en-US"/>
-          </a:p>
-        </p:txBody>
-      </p:sp>
-      <p:sp>
-        <p:nvSpPr>
-          <p:cNvPr id="3" name="2 Marcador de texto"/>
-          <p:cNvSpPr>
-            <a:spLocks noGrp="1"/>
-          </p:cNvSpPr>
-          <p:nvPr>
-            <p:ph type="body" idx="1"/>
-          </p:nvPr>
-        </p:nvSpPr>
-        <p:spPr>
-          <a:xfrm>
-            <a:off x="740664" y="1828800"/>
-            <a:ext cx="8022336" cy="685800"/>
-          </a:xfrm>
-        </p:spPr>
-        <p:txBody>
-          <a:bodyPr lIns="146304" tIns="0" rIns="45720" bIns="0" anchor="t"/>
-          <a:lstStyle>
-            <a:lvl1pPr marL="0" indent="0">
-              <a:buNone/>
-              <a:defRPr sz="2000">
+            <a:lvl1pPr marL="0" indent="0" algn="r">
+              <a:buNone/>
+              <a:defRPr sz="1800">
                 <a:solidFill>
-                  <a:srgbClr val="FFFFFF"/>
+                  <a:schemeClr val="tx1"/>
                 </a:solidFill>
               </a:defRPr>
             </a:lvl1pPr>
@@ -1380,20 +2797,19 @@
                 </a:solidFill>
               </a:defRPr>
             </a:lvl9pPr>
-            <a:extLst/>
           </a:lstStyle>
           <a:p>
-            <a:pPr lvl="0" eaLnBrk="1" latinLnBrk="0" hangingPunct="1"/>
-            <a:r>
-              <a:rPr kumimoji="0" lang="es-ES" smtClean="0"/>
-              <a:t>Haga clic para modificar el estilo de texto del patrón</a:t>
-            </a:r>
-          </a:p>
-        </p:txBody>
-      </p:sp>
-      <p:sp>
-        <p:nvSpPr>
-          <p:cNvPr id="4" name="3 Marcador de fecha"/>
+            <a:pPr lvl="0"/>
+            <a:r>
+              <a:rPr lang="es-ES" smtClean="0"/>
+              <a:t>Editar el estilo de texto del patrón</a:t>
+            </a:r>
+          </a:p>
+        </p:txBody>
+      </p:sp>
+      <p:sp>
+        <p:nvSpPr>
+          <p:cNvPr id="4" name="Date Placeholder 3"/>
           <p:cNvSpPr>
             <a:spLocks noGrp="1"/>
           </p:cNvSpPr>
@@ -1417,7 +2833,7 @@
       </p:sp>
       <p:sp>
         <p:nvSpPr>
-          <p:cNvPr id="5" name="4 Marcador de pie de página"/>
+          <p:cNvPr id="5" name="Footer Placeholder 4"/>
           <p:cNvSpPr>
             <a:spLocks noGrp="1"/>
           </p:cNvSpPr>
@@ -1436,7 +2852,7 @@
       </p:sp>
       <p:sp>
         <p:nvSpPr>
-          <p:cNvPr id="6" name="5 Marcador de número de diapositiva"/>
+          <p:cNvPr id="6" name="Slide Number Placeholder 5"/>
           <p:cNvSpPr>
             <a:spLocks noGrp="1"/>
           </p:cNvSpPr>
@@ -1459,9 +2875,14 @@
         </p:txBody>
       </p:sp>
     </p:spTree>
+    <p:extLst>
+      <p:ext uri="{BB962C8B-B14F-4D97-AF65-F5344CB8AC3E}">
+        <p14:creationId xmlns:p14="http://schemas.microsoft.com/office/powerpoint/2010/main" val="2830650711"/>
+      </p:ext>
+    </p:extLst>
   </p:cSld>
   <p:clrMapOvr>
-    <a:overrideClrMapping bg1="dk1" tx1="lt1" bg2="dk2" tx2="lt2" accent1="accent1" accent2="accent2" accent3="accent3" accent4="accent4" accent5="accent5" accent6="accent6" hlink="hlink" folHlink="folHlink"/>
+    <a:masterClrMapping/>
   </p:clrMapOvr>
 </p:sldLayout>
 </file>
@@ -1485,7 +2906,110 @@
       </p:grpSpPr>
       <p:sp>
         <p:nvSpPr>
-          <p:cNvPr id="2" name="1 Título"/>
+          <p:cNvPr id="8" name="Freeform 6"/>
+          <p:cNvSpPr/>
+          <p:nvPr/>
+        </p:nvSpPr>
+        <p:spPr bwMode="auto">
+          <a:xfrm>
+            <a:off x="0" y="0"/>
+            <a:ext cx="9144000" cy="2185988"/>
+          </a:xfrm>
+          <a:custGeom>
+            <a:avLst/>
+            <a:gdLst/>
+            <a:ahLst/>
+            <a:cxnLst/>
+            <a:rect l="0" t="0" r="r" b="b"/>
+            <a:pathLst>
+              <a:path w="5760" h="1377">
+                <a:moveTo>
+                  <a:pt x="5760" y="0"/>
+                </a:moveTo>
+                <a:lnTo>
+                  <a:pt x="0" y="0"/>
+                </a:lnTo>
+                <a:lnTo>
+                  <a:pt x="0" y="1189"/>
+                </a:lnTo>
+                <a:lnTo>
+                  <a:pt x="943" y="1189"/>
+                </a:lnTo>
+                <a:lnTo>
+                  <a:pt x="1123" y="1369"/>
+                </a:lnTo>
+                <a:lnTo>
+                  <a:pt x="1123" y="1369"/>
+                </a:lnTo>
+                <a:lnTo>
+                  <a:pt x="1127" y="1371"/>
+                </a:lnTo>
+                <a:lnTo>
+                  <a:pt x="1133" y="1374"/>
+                </a:lnTo>
+                <a:lnTo>
+                  <a:pt x="1139" y="1377"/>
+                </a:lnTo>
+                <a:lnTo>
+                  <a:pt x="1144" y="1377"/>
+                </a:lnTo>
+                <a:lnTo>
+                  <a:pt x="1150" y="1377"/>
+                </a:lnTo>
+                <a:lnTo>
+                  <a:pt x="1155" y="1374"/>
+                </a:lnTo>
+                <a:lnTo>
+                  <a:pt x="1161" y="1371"/>
+                </a:lnTo>
+                <a:lnTo>
+                  <a:pt x="1165" y="1369"/>
+                </a:lnTo>
+                <a:lnTo>
+                  <a:pt x="1345" y="1189"/>
+                </a:lnTo>
+                <a:lnTo>
+                  <a:pt x="5760" y="1189"/>
+                </a:lnTo>
+                <a:lnTo>
+                  <a:pt x="5760" y="0"/>
+                </a:lnTo>
+                <a:close/>
+              </a:path>
+            </a:pathLst>
+          </a:custGeom>
+          <a:ln/>
+          <a:extLst>
+            <a:ext uri="{91240B29-F687-4F45-9708-019B960494DF}">
+              <a14:hiddenLine xmlns:a14="http://schemas.microsoft.com/office/drawing/2010/main" w="9525">
+                <a:solidFill>
+                  <a:srgbClr val="000000"/>
+                </a:solidFill>
+                <a:round/>
+                <a:headEnd/>
+                <a:tailEnd/>
+              </a14:hiddenLine>
+            </a:ext>
+          </a:extLst>
+        </p:spPr>
+        <p:style>
+          <a:lnRef idx="1">
+            <a:schemeClr val="accent1"/>
+          </a:lnRef>
+          <a:fillRef idx="3">
+            <a:schemeClr val="accent1"/>
+          </a:fillRef>
+          <a:effectRef idx="2">
+            <a:schemeClr val="accent1"/>
+          </a:effectRef>
+          <a:fontRef idx="minor">
+            <a:schemeClr val="lt1"/>
+          </a:fontRef>
+        </p:style>
+      </p:sp>
+      <p:sp>
+        <p:nvSpPr>
+          <p:cNvPr id="2" name="Title 1"/>
           <p:cNvSpPr>
             <a:spLocks noGrp="1"/>
           </p:cNvSpPr>
@@ -1496,21 +3020,19 @@
         <p:spPr/>
         <p:txBody>
           <a:bodyPr/>
-          <a:lstStyle>
-            <a:extLst/>
-          </a:lstStyle>
-          <a:p>
-            <a:r>
-              <a:rPr kumimoji="0" lang="es-ES" smtClean="0"/>
+          <a:lstStyle/>
+          <a:p>
+            <a:r>
+              <a:rPr lang="es-ES" smtClean="0"/>
               <a:t>Haga clic para modificar el estilo de título del patrón</a:t>
             </a:r>
-            <a:endParaRPr kumimoji="0" lang="en-US"/>
-          </a:p>
-        </p:txBody>
-      </p:sp>
-      <p:sp>
-        <p:nvSpPr>
-          <p:cNvPr id="3" name="2 Marcador de contenido"/>
+            <a:endParaRPr lang="en-US" dirty="0"/>
+          </a:p>
+        </p:txBody>
+      </p:sp>
+      <p:sp>
+        <p:nvSpPr>
+          <p:cNvPr id="3" name="Content Placeholder 2"/>
           <p:cNvSpPr>
             <a:spLocks noGrp="1"/>
           </p:cNvSpPr>
@@ -1520,83 +3042,56 @@
         </p:nvSpPr>
         <p:spPr>
           <a:xfrm>
-            <a:off x="457200" y="1773936"/>
-            <a:ext cx="4038600" cy="4623816"/>
+            <a:off x="809996" y="2222287"/>
+            <a:ext cx="3670723" cy="3638763"/>
           </a:xfrm>
         </p:spPr>
         <p:txBody>
-          <a:bodyPr lIns="91440"/>
-          <a:lstStyle>
-            <a:lvl1pPr>
-              <a:defRPr sz="2800"/>
-            </a:lvl1pPr>
-            <a:lvl2pPr>
-              <a:defRPr sz="2400"/>
-            </a:lvl2pPr>
-            <a:lvl3pPr>
-              <a:defRPr sz="2000"/>
-            </a:lvl3pPr>
-            <a:lvl4pPr>
-              <a:defRPr sz="1800"/>
-            </a:lvl4pPr>
-            <a:lvl5pPr>
-              <a:defRPr sz="1800"/>
-            </a:lvl5pPr>
-            <a:lvl6pPr>
-              <a:defRPr sz="1800"/>
-            </a:lvl6pPr>
-            <a:lvl7pPr>
-              <a:defRPr sz="1800"/>
-            </a:lvl7pPr>
-            <a:lvl8pPr>
-              <a:defRPr sz="1800"/>
-            </a:lvl8pPr>
-            <a:lvl9pPr>
-              <a:defRPr sz="1800"/>
-            </a:lvl9pPr>
-            <a:extLst/>
-          </a:lstStyle>
-          <a:p>
-            <a:pPr lvl="0" eaLnBrk="1" latinLnBrk="0" hangingPunct="1"/>
-            <a:r>
-              <a:rPr lang="es-ES" smtClean="0"/>
-              <a:t>Haga clic para modificar el estilo de texto del patrón</a:t>
-            </a:r>
-          </a:p>
-          <a:p>
-            <a:pPr lvl="1" eaLnBrk="1" latinLnBrk="0" hangingPunct="1"/>
+          <a:bodyPr>
+            <a:normAutofit/>
+          </a:bodyPr>
+          <a:lstStyle/>
+          <a:p>
+            <a:pPr lvl="0"/>
+            <a:r>
+              <a:rPr lang="es-ES" smtClean="0"/>
+              <a:t>Editar el estilo de texto del patrón</a:t>
+            </a:r>
+          </a:p>
+          <a:p>
+            <a:pPr lvl="1"/>
             <a:r>
               <a:rPr lang="es-ES" smtClean="0"/>
               <a:t>Segundo nivel</a:t>
             </a:r>
           </a:p>
           <a:p>
-            <a:pPr lvl="2" eaLnBrk="1" latinLnBrk="0" hangingPunct="1"/>
+            <a:pPr lvl="2"/>
             <a:r>
               <a:rPr lang="es-ES" smtClean="0"/>
               <a:t>Tercer nivel</a:t>
             </a:r>
           </a:p>
           <a:p>
-            <a:pPr lvl="3" eaLnBrk="1" latinLnBrk="0" hangingPunct="1"/>
+            <a:pPr lvl="3"/>
             <a:r>
               <a:rPr lang="es-ES" smtClean="0"/>
               <a:t>Cuarto nivel</a:t>
             </a:r>
           </a:p>
           <a:p>
-            <a:pPr lvl="4" eaLnBrk="1" latinLnBrk="0" hangingPunct="1"/>
+            <a:pPr lvl="4"/>
             <a:r>
               <a:rPr lang="es-ES" smtClean="0"/>
               <a:t>Quinto nivel</a:t>
             </a:r>
-            <a:endParaRPr kumimoji="0" lang="en-US"/>
-          </a:p>
-        </p:txBody>
-      </p:sp>
-      <p:sp>
-        <p:nvSpPr>
-          <p:cNvPr id="4" name="3 Marcador de contenido"/>
+            <a:endParaRPr lang="en-US" dirty="0"/>
+          </a:p>
+        </p:txBody>
+      </p:sp>
+      <p:sp>
+        <p:nvSpPr>
+          <p:cNvPr id="4" name="Content Placeholder 3"/>
           <p:cNvSpPr>
             <a:spLocks noGrp="1"/>
           </p:cNvSpPr>
@@ -1606,83 +3101,56 @@
         </p:nvSpPr>
         <p:spPr>
           <a:xfrm>
-            <a:off x="4648200" y="1773936"/>
-            <a:ext cx="4038600" cy="4623816"/>
+            <a:off x="4663280" y="2222287"/>
+            <a:ext cx="3670720" cy="3638763"/>
           </a:xfrm>
         </p:spPr>
         <p:txBody>
-          <a:bodyPr/>
-          <a:lstStyle>
-            <a:lvl1pPr>
-              <a:defRPr sz="2800"/>
-            </a:lvl1pPr>
-            <a:lvl2pPr>
-              <a:defRPr sz="2400"/>
-            </a:lvl2pPr>
-            <a:lvl3pPr>
-              <a:defRPr sz="2000"/>
-            </a:lvl3pPr>
-            <a:lvl4pPr>
-              <a:defRPr sz="1800"/>
-            </a:lvl4pPr>
-            <a:lvl5pPr>
-              <a:defRPr sz="1800"/>
-            </a:lvl5pPr>
-            <a:lvl6pPr>
-              <a:defRPr sz="1800"/>
-            </a:lvl6pPr>
-            <a:lvl7pPr>
-              <a:defRPr sz="1800"/>
-            </a:lvl7pPr>
-            <a:lvl8pPr>
-              <a:defRPr sz="1800"/>
-            </a:lvl8pPr>
-            <a:lvl9pPr>
-              <a:defRPr sz="1800"/>
-            </a:lvl9pPr>
-            <a:extLst/>
-          </a:lstStyle>
-          <a:p>
-            <a:pPr lvl="0" eaLnBrk="1" latinLnBrk="0" hangingPunct="1"/>
-            <a:r>
-              <a:rPr lang="es-ES" smtClean="0"/>
-              <a:t>Haga clic para modificar el estilo de texto del patrón</a:t>
-            </a:r>
-          </a:p>
-          <a:p>
-            <a:pPr lvl="1" eaLnBrk="1" latinLnBrk="0" hangingPunct="1"/>
+          <a:bodyPr>
+            <a:normAutofit/>
+          </a:bodyPr>
+          <a:lstStyle/>
+          <a:p>
+            <a:pPr lvl="0"/>
+            <a:r>
+              <a:rPr lang="es-ES" smtClean="0"/>
+              <a:t>Editar el estilo de texto del patrón</a:t>
+            </a:r>
+          </a:p>
+          <a:p>
+            <a:pPr lvl="1"/>
             <a:r>
               <a:rPr lang="es-ES" smtClean="0"/>
               <a:t>Segundo nivel</a:t>
             </a:r>
           </a:p>
           <a:p>
-            <a:pPr lvl="2" eaLnBrk="1" latinLnBrk="0" hangingPunct="1"/>
+            <a:pPr lvl="2"/>
             <a:r>
               <a:rPr lang="es-ES" smtClean="0"/>
               <a:t>Tercer nivel</a:t>
             </a:r>
           </a:p>
           <a:p>
-            <a:pPr lvl="3" eaLnBrk="1" latinLnBrk="0" hangingPunct="1"/>
+            <a:pPr lvl="3"/>
             <a:r>
               <a:rPr lang="es-ES" smtClean="0"/>
               <a:t>Cuarto nivel</a:t>
             </a:r>
           </a:p>
           <a:p>
-            <a:pPr lvl="4" eaLnBrk="1" latinLnBrk="0" hangingPunct="1"/>
+            <a:pPr lvl="4"/>
             <a:r>
               <a:rPr lang="es-ES" smtClean="0"/>
               <a:t>Quinto nivel</a:t>
             </a:r>
-            <a:endParaRPr kumimoji="0" lang="en-US"/>
-          </a:p>
-        </p:txBody>
-      </p:sp>
-      <p:sp>
-        <p:nvSpPr>
-          <p:cNvPr id="5" name="4 Marcador de fecha"/>
+            <a:endParaRPr lang="en-US" dirty="0"/>
+          </a:p>
+        </p:txBody>
+      </p:sp>
+      <p:sp>
+        <p:nvSpPr>
+          <p:cNvPr id="5" name="Date Placeholder 4"/>
           <p:cNvSpPr>
             <a:spLocks noGrp="1"/>
           </p:cNvSpPr>
@@ -1706,7 +3174,7 @@
       </p:sp>
       <p:sp>
         <p:nvSpPr>
-          <p:cNvPr id="6" name="5 Marcador de pie de página"/>
+          <p:cNvPr id="6" name="Footer Placeholder 5"/>
           <p:cNvSpPr>
             <a:spLocks noGrp="1"/>
           </p:cNvSpPr>
@@ -1725,7 +3193,7 @@
       </p:sp>
       <p:sp>
         <p:nvSpPr>
-          <p:cNvPr id="7" name="6 Marcador de número de diapositiva"/>
+          <p:cNvPr id="7" name="Slide Number Placeholder 6"/>
           <p:cNvSpPr>
             <a:spLocks noGrp="1"/>
           </p:cNvSpPr>
@@ -1748,6 +3216,11 @@
         </p:txBody>
       </p:sp>
     </p:spTree>
+    <p:extLst>
+      <p:ext uri="{BB962C8B-B14F-4D97-AF65-F5344CB8AC3E}">
+        <p14:creationId xmlns:p14="http://schemas.microsoft.com/office/powerpoint/2010/main" val="1419970738"/>
+      </p:ext>
+    </p:extLst>
   </p:cSld>
   <p:clrMapOvr>
     <a:masterClrMapping/>
@@ -1774,7 +3247,110 @@
       </p:grpSpPr>
       <p:sp>
         <p:nvSpPr>
-          <p:cNvPr id="2" name="1 Título"/>
+          <p:cNvPr id="10" name="Freeform 6"/>
+          <p:cNvSpPr/>
+          <p:nvPr/>
+        </p:nvSpPr>
+        <p:spPr bwMode="auto">
+          <a:xfrm>
+            <a:off x="0" y="0"/>
+            <a:ext cx="9144000" cy="2185988"/>
+          </a:xfrm>
+          <a:custGeom>
+            <a:avLst/>
+            <a:gdLst/>
+            <a:ahLst/>
+            <a:cxnLst/>
+            <a:rect l="0" t="0" r="r" b="b"/>
+            <a:pathLst>
+              <a:path w="5760" h="1377">
+                <a:moveTo>
+                  <a:pt x="5760" y="0"/>
+                </a:moveTo>
+                <a:lnTo>
+                  <a:pt x="0" y="0"/>
+                </a:lnTo>
+                <a:lnTo>
+                  <a:pt x="0" y="1189"/>
+                </a:lnTo>
+                <a:lnTo>
+                  <a:pt x="943" y="1189"/>
+                </a:lnTo>
+                <a:lnTo>
+                  <a:pt x="1123" y="1369"/>
+                </a:lnTo>
+                <a:lnTo>
+                  <a:pt x="1123" y="1369"/>
+                </a:lnTo>
+                <a:lnTo>
+                  <a:pt x="1127" y="1371"/>
+                </a:lnTo>
+                <a:lnTo>
+                  <a:pt x="1133" y="1374"/>
+                </a:lnTo>
+                <a:lnTo>
+                  <a:pt x="1139" y="1377"/>
+                </a:lnTo>
+                <a:lnTo>
+                  <a:pt x="1144" y="1377"/>
+                </a:lnTo>
+                <a:lnTo>
+                  <a:pt x="1150" y="1377"/>
+                </a:lnTo>
+                <a:lnTo>
+                  <a:pt x="1155" y="1374"/>
+                </a:lnTo>
+                <a:lnTo>
+                  <a:pt x="1161" y="1371"/>
+                </a:lnTo>
+                <a:lnTo>
+                  <a:pt x="1165" y="1369"/>
+                </a:lnTo>
+                <a:lnTo>
+                  <a:pt x="1345" y="1189"/>
+                </a:lnTo>
+                <a:lnTo>
+                  <a:pt x="5760" y="1189"/>
+                </a:lnTo>
+                <a:lnTo>
+                  <a:pt x="5760" y="0"/>
+                </a:lnTo>
+                <a:close/>
+              </a:path>
+            </a:pathLst>
+          </a:custGeom>
+          <a:ln/>
+          <a:extLst>
+            <a:ext uri="{91240B29-F687-4F45-9708-019B960494DF}">
+              <a14:hiddenLine xmlns:a14="http://schemas.microsoft.com/office/drawing/2010/main" w="9525">
+                <a:solidFill>
+                  <a:srgbClr val="000000"/>
+                </a:solidFill>
+                <a:round/>
+                <a:headEnd/>
+                <a:tailEnd/>
+              </a14:hiddenLine>
+            </a:ext>
+          </a:extLst>
+        </p:spPr>
+        <p:style>
+          <a:lnRef idx="1">
+            <a:schemeClr val="accent1"/>
+          </a:lnRef>
+          <a:fillRef idx="3">
+            <a:schemeClr val="accent1"/>
+          </a:fillRef>
+          <a:effectRef idx="2">
+            <a:schemeClr val="accent1"/>
+          </a:effectRef>
+          <a:fontRef idx="minor">
+            <a:schemeClr val="lt1"/>
+          </a:fontRef>
+        </p:style>
+      </p:sp>
+      <p:sp>
+        <p:nvSpPr>
+          <p:cNvPr id="2" name="Title 1"/>
           <p:cNvSpPr>
             <a:spLocks noGrp="1"/>
           </p:cNvSpPr>
@@ -1789,20 +3365,19 @@
             <a:lvl1pPr>
               <a:defRPr/>
             </a:lvl1pPr>
-            <a:extLst/>
           </a:lstStyle>
           <a:p>
             <a:r>
-              <a:rPr kumimoji="0" lang="es-ES" smtClean="0"/>
+              <a:rPr lang="es-ES" smtClean="0"/>
               <a:t>Haga clic para modificar el estilo de título del patrón</a:t>
             </a:r>
-            <a:endParaRPr kumimoji="0" lang="en-US"/>
-          </a:p>
-        </p:txBody>
-      </p:sp>
-      <p:sp>
-        <p:nvSpPr>
-          <p:cNvPr id="3" name="2 Marcador de texto"/>
+            <a:endParaRPr lang="en-US" dirty="0"/>
+          </a:p>
+        </p:txBody>
+      </p:sp>
+      <p:sp>
+        <p:nvSpPr>
+          <p:cNvPr id="3" name="Text Placeholder 2"/>
           <p:cNvSpPr>
             <a:spLocks noGrp="1"/>
           </p:cNvSpPr>
@@ -1812,16 +3387,18 @@
         </p:nvSpPr>
         <p:spPr>
           <a:xfrm>
-            <a:off x="457200" y="1698987"/>
-            <a:ext cx="4040188" cy="715355"/>
+            <a:off x="809996" y="2174875"/>
+            <a:ext cx="3670723" cy="576262"/>
           </a:xfrm>
         </p:spPr>
         <p:txBody>
-          <a:bodyPr lIns="146304" anchor="ctr"/>
+          <a:bodyPr anchor="b">
+            <a:noAutofit/>
+          </a:bodyPr>
           <a:lstStyle>
-            <a:lvl1pPr marL="0" indent="0">
-              <a:buNone/>
-              <a:defRPr sz="2300" b="1" cap="all" baseline="0"/>
+            <a:lvl1pPr marL="0" indent="0" algn="ctr">
+              <a:buNone/>
+              <a:defRPr sz="2000" b="0"/>
             </a:lvl1pPr>
             <a:lvl2pPr marL="457200" indent="0">
               <a:buNone/>
@@ -1855,20 +3432,19 @@
               <a:buNone/>
               <a:defRPr sz="1600" b="1"/>
             </a:lvl9pPr>
-            <a:extLst/>
           </a:lstStyle>
           <a:p>
-            <a:pPr lvl="0" eaLnBrk="1" latinLnBrk="0" hangingPunct="1"/>
-            <a:r>
-              <a:rPr kumimoji="0" lang="es-ES" smtClean="0"/>
-              <a:t>Haga clic para modificar el estilo de texto del patrón</a:t>
-            </a:r>
-          </a:p>
-        </p:txBody>
-      </p:sp>
-      <p:sp>
-        <p:nvSpPr>
-          <p:cNvPr id="4" name="3 Marcador de contenido"/>
+            <a:pPr lvl="0"/>
+            <a:r>
+              <a:rPr lang="es-ES" smtClean="0"/>
+              <a:t>Editar el estilo de texto del patrón</a:t>
+            </a:r>
+          </a:p>
+        </p:txBody>
+      </p:sp>
+      <p:sp>
+        <p:nvSpPr>
+          <p:cNvPr id="4" name="Content Placeholder 3"/>
           <p:cNvSpPr>
             <a:spLocks noGrp="1"/>
           </p:cNvSpPr>
@@ -1878,83 +3454,56 @@
         </p:nvSpPr>
         <p:spPr>
           <a:xfrm>
-            <a:off x="457200" y="2449512"/>
-            <a:ext cx="4040188" cy="3951288"/>
+            <a:off x="809996" y="2751137"/>
+            <a:ext cx="3687391" cy="3109913"/>
           </a:xfrm>
         </p:spPr>
         <p:txBody>
-          <a:bodyPr/>
-          <a:lstStyle>
-            <a:lvl1pPr>
-              <a:defRPr sz="2400"/>
-            </a:lvl1pPr>
-            <a:lvl2pPr>
-              <a:defRPr sz="2000"/>
-            </a:lvl2pPr>
-            <a:lvl3pPr>
-              <a:defRPr sz="1800"/>
-            </a:lvl3pPr>
-            <a:lvl4pPr>
-              <a:defRPr sz="1600"/>
-            </a:lvl4pPr>
-            <a:lvl5pPr>
-              <a:defRPr sz="1600"/>
-            </a:lvl5pPr>
-            <a:lvl6pPr>
-              <a:defRPr sz="1600"/>
-            </a:lvl6pPr>
-            <a:lvl7pPr>
-              <a:defRPr sz="1600"/>
-            </a:lvl7pPr>
-            <a:lvl8pPr>
-              <a:defRPr sz="1600"/>
-            </a:lvl8pPr>
-            <a:lvl9pPr>
-              <a:defRPr sz="1600"/>
-            </a:lvl9pPr>
-            <a:extLst/>
-          </a:lstStyle>
-          <a:p>
-            <a:pPr lvl="0" eaLnBrk="1" latinLnBrk="0" hangingPunct="1"/>
-            <a:r>
-              <a:rPr lang="es-ES" smtClean="0"/>
-              <a:t>Haga clic para modificar el estilo de texto del patrón</a:t>
-            </a:r>
-          </a:p>
-          <a:p>
-            <a:pPr lvl="1" eaLnBrk="1" latinLnBrk="0" hangingPunct="1"/>
+          <a:bodyPr anchor="t">
+            <a:normAutofit/>
+          </a:bodyPr>
+          <a:lstStyle/>
+          <a:p>
+            <a:pPr lvl="0"/>
+            <a:r>
+              <a:rPr lang="es-ES" smtClean="0"/>
+              <a:t>Editar el estilo de texto del patrón</a:t>
+            </a:r>
+          </a:p>
+          <a:p>
+            <a:pPr lvl="1"/>
             <a:r>
               <a:rPr lang="es-ES" smtClean="0"/>
               <a:t>Segundo nivel</a:t>
             </a:r>
           </a:p>
           <a:p>
-            <a:pPr lvl="2" eaLnBrk="1" latinLnBrk="0" hangingPunct="1"/>
+            <a:pPr lvl="2"/>
             <a:r>
               <a:rPr lang="es-ES" smtClean="0"/>
               <a:t>Tercer nivel</a:t>
             </a:r>
           </a:p>
           <a:p>
-            <a:pPr lvl="3" eaLnBrk="1" latinLnBrk="0" hangingPunct="1"/>
+            <a:pPr lvl="3"/>
             <a:r>
               <a:rPr lang="es-ES" smtClean="0"/>
               <a:t>Cuarto nivel</a:t>
             </a:r>
           </a:p>
           <a:p>
-            <a:pPr lvl="4" eaLnBrk="1" latinLnBrk="0" hangingPunct="1"/>
+            <a:pPr lvl="4"/>
             <a:r>
               <a:rPr lang="es-ES" smtClean="0"/>
               <a:t>Quinto nivel</a:t>
             </a:r>
-            <a:endParaRPr kumimoji="0" lang="en-US"/>
-          </a:p>
-        </p:txBody>
-      </p:sp>
-      <p:sp>
-        <p:nvSpPr>
-          <p:cNvPr id="5" name="4 Marcador de texto"/>
+            <a:endParaRPr lang="en-US" dirty="0"/>
+          </a:p>
+        </p:txBody>
+      </p:sp>
+      <p:sp>
+        <p:nvSpPr>
+          <p:cNvPr id="5" name="Text Placeholder 4"/>
           <p:cNvSpPr>
             <a:spLocks noGrp="1"/>
           </p:cNvSpPr>
@@ -1964,16 +3513,18 @@
         </p:nvSpPr>
         <p:spPr>
           <a:xfrm>
-            <a:off x="4645025" y="1698987"/>
-            <a:ext cx="4041775" cy="715355"/>
+            <a:off x="4663280" y="2174875"/>
+            <a:ext cx="3670720" cy="576262"/>
           </a:xfrm>
         </p:spPr>
         <p:txBody>
-          <a:bodyPr lIns="146304" anchor="ctr"/>
+          <a:bodyPr anchor="b">
+            <a:noAutofit/>
+          </a:bodyPr>
           <a:lstStyle>
-            <a:lvl1pPr marL="0" indent="0">
-              <a:buNone/>
-              <a:defRPr sz="2300" b="1" cap="all" baseline="0"/>
+            <a:lvl1pPr marL="0" indent="0" algn="ctr">
+              <a:buNone/>
+              <a:defRPr sz="2000" b="0"/>
             </a:lvl1pPr>
             <a:lvl2pPr marL="457200" indent="0">
               <a:buNone/>
@@ -2007,20 +3558,19 @@
               <a:buNone/>
               <a:defRPr sz="1600" b="1"/>
             </a:lvl9pPr>
-            <a:extLst/>
           </a:lstStyle>
           <a:p>
-            <a:pPr lvl="0" eaLnBrk="1" latinLnBrk="0" hangingPunct="1"/>
-            <a:r>
-              <a:rPr kumimoji="0" lang="es-ES" smtClean="0"/>
-              <a:t>Haga clic para modificar el estilo de texto del patrón</a:t>
-            </a:r>
-          </a:p>
-        </p:txBody>
-      </p:sp>
-      <p:sp>
-        <p:nvSpPr>
-          <p:cNvPr id="6" name="5 Marcador de contenido"/>
+            <a:pPr lvl="0"/>
+            <a:r>
+              <a:rPr lang="es-ES" smtClean="0"/>
+              <a:t>Editar el estilo de texto del patrón</a:t>
+            </a:r>
+          </a:p>
+        </p:txBody>
+      </p:sp>
+      <p:sp>
+        <p:nvSpPr>
+          <p:cNvPr id="6" name="Content Placeholder 5"/>
           <p:cNvSpPr>
             <a:spLocks noGrp="1"/>
           </p:cNvSpPr>
@@ -2030,83 +3580,56 @@
         </p:nvSpPr>
         <p:spPr>
           <a:xfrm>
-            <a:off x="4645025" y="2449512"/>
-            <a:ext cx="4041775" cy="3951288"/>
+            <a:off x="4663280" y="2751137"/>
+            <a:ext cx="3670720" cy="3109913"/>
           </a:xfrm>
         </p:spPr>
         <p:txBody>
-          <a:bodyPr/>
-          <a:lstStyle>
-            <a:lvl1pPr>
-              <a:defRPr sz="2400"/>
-            </a:lvl1pPr>
-            <a:lvl2pPr>
-              <a:defRPr sz="2000"/>
-            </a:lvl2pPr>
-            <a:lvl3pPr>
-              <a:defRPr sz="1800"/>
-            </a:lvl3pPr>
-            <a:lvl4pPr>
-              <a:defRPr sz="1600"/>
-            </a:lvl4pPr>
-            <a:lvl5pPr>
-              <a:defRPr sz="1600"/>
-            </a:lvl5pPr>
-            <a:lvl6pPr>
-              <a:defRPr sz="1600"/>
-            </a:lvl6pPr>
-            <a:lvl7pPr>
-              <a:defRPr sz="1600"/>
-            </a:lvl7pPr>
-            <a:lvl8pPr>
-              <a:defRPr sz="1600"/>
-            </a:lvl8pPr>
-            <a:lvl9pPr>
-              <a:defRPr sz="1600"/>
-            </a:lvl9pPr>
-            <a:extLst/>
-          </a:lstStyle>
-          <a:p>
-            <a:pPr lvl="0" eaLnBrk="1" latinLnBrk="0" hangingPunct="1"/>
-            <a:r>
-              <a:rPr lang="es-ES" smtClean="0"/>
-              <a:t>Haga clic para modificar el estilo de texto del patrón</a:t>
-            </a:r>
-          </a:p>
-          <a:p>
-            <a:pPr lvl="1" eaLnBrk="1" latinLnBrk="0" hangingPunct="1"/>
+          <a:bodyPr anchor="t">
+            <a:normAutofit/>
+          </a:bodyPr>
+          <a:lstStyle/>
+          <a:p>
+            <a:pPr lvl="0"/>
+            <a:r>
+              <a:rPr lang="es-ES" smtClean="0"/>
+              <a:t>Editar el estilo de texto del patrón</a:t>
+            </a:r>
+          </a:p>
+          <a:p>
+            <a:pPr lvl="1"/>
             <a:r>
               <a:rPr lang="es-ES" smtClean="0"/>
               <a:t>Segundo nivel</a:t>
             </a:r>
           </a:p>
           <a:p>
-            <a:pPr lvl="2" eaLnBrk="1" latinLnBrk="0" hangingPunct="1"/>
+            <a:pPr lvl="2"/>
             <a:r>
               <a:rPr lang="es-ES" smtClean="0"/>
               <a:t>Tercer nivel</a:t>
             </a:r>
           </a:p>
           <a:p>
-            <a:pPr lvl="3" eaLnBrk="1" latinLnBrk="0" hangingPunct="1"/>
+            <a:pPr lvl="3"/>
             <a:r>
               <a:rPr lang="es-ES" smtClean="0"/>
               <a:t>Cuarto nivel</a:t>
             </a:r>
           </a:p>
           <a:p>
-            <a:pPr lvl="4" eaLnBrk="1" latinLnBrk="0" hangingPunct="1"/>
+            <a:pPr lvl="4"/>
             <a:r>
               <a:rPr lang="es-ES" smtClean="0"/>
               <a:t>Quinto nivel</a:t>
             </a:r>
-            <a:endParaRPr kumimoji="0" lang="en-US"/>
-          </a:p>
-        </p:txBody>
-      </p:sp>
-      <p:sp>
-        <p:nvSpPr>
-          <p:cNvPr id="7" name="6 Marcador de fecha"/>
+            <a:endParaRPr lang="en-US" dirty="0"/>
+          </a:p>
+        </p:txBody>
+      </p:sp>
+      <p:sp>
+        <p:nvSpPr>
+          <p:cNvPr id="7" name="Date Placeholder 6"/>
           <p:cNvSpPr>
             <a:spLocks noGrp="1"/>
           </p:cNvSpPr>
@@ -2130,7 +3653,7 @@
       </p:sp>
       <p:sp>
         <p:nvSpPr>
-          <p:cNvPr id="8" name="7 Marcador de pie de página"/>
+          <p:cNvPr id="8" name="Footer Placeholder 7"/>
           <p:cNvSpPr>
             <a:spLocks noGrp="1"/>
           </p:cNvSpPr>
@@ -2149,7 +3672,7 @@
       </p:sp>
       <p:sp>
         <p:nvSpPr>
-          <p:cNvPr id="9" name="8 Marcador de número de diapositiva"/>
+          <p:cNvPr id="9" name="Slide Number Placeholder 8"/>
           <p:cNvSpPr>
             <a:spLocks noGrp="1"/>
           </p:cNvSpPr>
@@ -2172,6 +3695,11 @@
         </p:txBody>
       </p:sp>
     </p:spTree>
+    <p:extLst>
+      <p:ext uri="{BB962C8B-B14F-4D97-AF65-F5344CB8AC3E}">
+        <p14:creationId xmlns:p14="http://schemas.microsoft.com/office/powerpoint/2010/main" val="2901338631"/>
+      </p:ext>
+    </p:extLst>
   </p:cSld>
   <p:clrMapOvr>
     <a:masterClrMapping/>
@@ -2181,7 +3709,7 @@
 
 <file path=ppt/slideLayouts/slideLayout6.xml><?xml version="1.0" encoding="utf-8"?>
 <p:sldLayout xmlns:a="http://schemas.openxmlformats.org/drawingml/2006/main" xmlns:r="http://schemas.openxmlformats.org/officeDocument/2006/relationships" xmlns:p="http://schemas.openxmlformats.org/presentationml/2006/main" type="titleOnly" preserve="1">
-  <p:cSld name="Sólo el título">
+  <p:cSld name="Solo el título">
     <p:spTree>
       <p:nvGrpSpPr>
         <p:cNvPr id="1" name=""/>
@@ -2198,7 +3726,110 @@
       </p:grpSpPr>
       <p:sp>
         <p:nvSpPr>
-          <p:cNvPr id="2" name="1 Título"/>
+          <p:cNvPr id="6" name="Freeform 6"/>
+          <p:cNvSpPr/>
+          <p:nvPr/>
+        </p:nvSpPr>
+        <p:spPr bwMode="auto">
+          <a:xfrm>
+            <a:off x="0" y="0"/>
+            <a:ext cx="9144000" cy="2185988"/>
+          </a:xfrm>
+          <a:custGeom>
+            <a:avLst/>
+            <a:gdLst/>
+            <a:ahLst/>
+            <a:cxnLst/>
+            <a:rect l="0" t="0" r="r" b="b"/>
+            <a:pathLst>
+              <a:path w="5760" h="1377">
+                <a:moveTo>
+                  <a:pt x="5760" y="0"/>
+                </a:moveTo>
+                <a:lnTo>
+                  <a:pt x="0" y="0"/>
+                </a:lnTo>
+                <a:lnTo>
+                  <a:pt x="0" y="1189"/>
+                </a:lnTo>
+                <a:lnTo>
+                  <a:pt x="943" y="1189"/>
+                </a:lnTo>
+                <a:lnTo>
+                  <a:pt x="1123" y="1369"/>
+                </a:lnTo>
+                <a:lnTo>
+                  <a:pt x="1123" y="1369"/>
+                </a:lnTo>
+                <a:lnTo>
+                  <a:pt x="1127" y="1371"/>
+                </a:lnTo>
+                <a:lnTo>
+                  <a:pt x="1133" y="1374"/>
+                </a:lnTo>
+                <a:lnTo>
+                  <a:pt x="1139" y="1377"/>
+                </a:lnTo>
+                <a:lnTo>
+                  <a:pt x="1144" y="1377"/>
+                </a:lnTo>
+                <a:lnTo>
+                  <a:pt x="1150" y="1377"/>
+                </a:lnTo>
+                <a:lnTo>
+                  <a:pt x="1155" y="1374"/>
+                </a:lnTo>
+                <a:lnTo>
+                  <a:pt x="1161" y="1371"/>
+                </a:lnTo>
+                <a:lnTo>
+                  <a:pt x="1165" y="1369"/>
+                </a:lnTo>
+                <a:lnTo>
+                  <a:pt x="1345" y="1189"/>
+                </a:lnTo>
+                <a:lnTo>
+                  <a:pt x="5760" y="1189"/>
+                </a:lnTo>
+                <a:lnTo>
+                  <a:pt x="5760" y="0"/>
+                </a:lnTo>
+                <a:close/>
+              </a:path>
+            </a:pathLst>
+          </a:custGeom>
+          <a:ln/>
+          <a:extLst>
+            <a:ext uri="{91240B29-F687-4F45-9708-019B960494DF}">
+              <a14:hiddenLine xmlns:a14="http://schemas.microsoft.com/office/drawing/2010/main" w="9525">
+                <a:solidFill>
+                  <a:srgbClr val="000000"/>
+                </a:solidFill>
+                <a:round/>
+                <a:headEnd/>
+                <a:tailEnd/>
+              </a14:hiddenLine>
+            </a:ext>
+          </a:extLst>
+        </p:spPr>
+        <p:style>
+          <a:lnRef idx="1">
+            <a:schemeClr val="accent1"/>
+          </a:lnRef>
+          <a:fillRef idx="3">
+            <a:schemeClr val="accent1"/>
+          </a:fillRef>
+          <a:effectRef idx="2">
+            <a:schemeClr val="accent1"/>
+          </a:effectRef>
+          <a:fontRef idx="minor">
+            <a:schemeClr val="lt1"/>
+          </a:fontRef>
+        </p:style>
+      </p:sp>
+      <p:sp>
+        <p:nvSpPr>
+          <p:cNvPr id="2" name="Title 1"/>
           <p:cNvSpPr>
             <a:spLocks noGrp="1"/>
           </p:cNvSpPr>
@@ -2209,21 +3840,19 @@
         <p:spPr/>
         <p:txBody>
           <a:bodyPr/>
-          <a:lstStyle>
-            <a:extLst/>
-          </a:lstStyle>
-          <a:p>
-            <a:r>
-              <a:rPr kumimoji="0" lang="es-ES" smtClean="0"/>
+          <a:lstStyle/>
+          <a:p>
+            <a:r>
+              <a:rPr lang="es-ES" smtClean="0"/>
               <a:t>Haga clic para modificar el estilo de título del patrón</a:t>
             </a:r>
-            <a:endParaRPr kumimoji="0" lang="en-US"/>
-          </a:p>
-        </p:txBody>
-      </p:sp>
-      <p:sp>
-        <p:nvSpPr>
-          <p:cNvPr id="3" name="2 Marcador de fecha"/>
+            <a:endParaRPr lang="en-US" dirty="0"/>
+          </a:p>
+        </p:txBody>
+      </p:sp>
+      <p:sp>
+        <p:nvSpPr>
+          <p:cNvPr id="3" name="Date Placeholder 2"/>
           <p:cNvSpPr>
             <a:spLocks noGrp="1"/>
           </p:cNvSpPr>
@@ -2247,7 +3876,7 @@
       </p:sp>
       <p:sp>
         <p:nvSpPr>
-          <p:cNvPr id="4" name="3 Marcador de pie de página"/>
+          <p:cNvPr id="4" name="Footer Placeholder 3"/>
           <p:cNvSpPr>
             <a:spLocks noGrp="1"/>
           </p:cNvSpPr>
@@ -2266,7 +3895,7 @@
       </p:sp>
       <p:sp>
         <p:nvSpPr>
-          <p:cNvPr id="5" name="4 Marcador de número de diapositiva"/>
+          <p:cNvPr id="5" name="Slide Number Placeholder 4"/>
           <p:cNvSpPr>
             <a:spLocks noGrp="1"/>
           </p:cNvSpPr>
@@ -2289,6 +3918,11 @@
         </p:txBody>
       </p:sp>
     </p:spTree>
+    <p:extLst>
+      <p:ext uri="{BB962C8B-B14F-4D97-AF65-F5344CB8AC3E}">
+        <p14:creationId xmlns:p14="http://schemas.microsoft.com/office/powerpoint/2010/main" val="1634018443"/>
+      </p:ext>
+    </p:extLst>
   </p:cSld>
   <p:clrMapOvr>
     <a:masterClrMapping/>
@@ -2297,7 +3931,7 @@
 </file>
 
 <file path=ppt/slideLayouts/slideLayout7.xml><?xml version="1.0" encoding="utf-8"?>
-<p:sldLayout xmlns:a="http://schemas.openxmlformats.org/drawingml/2006/main" xmlns:r="http://schemas.openxmlformats.org/officeDocument/2006/relationships" xmlns:p="http://schemas.openxmlformats.org/presentationml/2006/main" showMasterSp="0" type="blank" preserve="1">
+<p:sldLayout xmlns:a="http://schemas.openxmlformats.org/drawingml/2006/main" xmlns:r="http://schemas.openxmlformats.org/officeDocument/2006/relationships" xmlns:p="http://schemas.openxmlformats.org/presentationml/2006/main" type="blank" preserve="1">
   <p:cSld name="En blanco">
     <p:spTree>
       <p:nvGrpSpPr>
@@ -2315,7 +3949,7 @@
       </p:grpSpPr>
       <p:sp>
         <p:nvSpPr>
-          <p:cNvPr id="2" name="1 Marcador de fecha"/>
+          <p:cNvPr id="2" name="Date Placeholder 1"/>
           <p:cNvSpPr>
             <a:spLocks noGrp="1"/>
           </p:cNvSpPr>
@@ -2339,7 +3973,7 @@
       </p:sp>
       <p:sp>
         <p:nvSpPr>
-          <p:cNvPr id="3" name="2 Marcador de pie de página"/>
+          <p:cNvPr id="3" name="Footer Placeholder 2"/>
           <p:cNvSpPr>
             <a:spLocks noGrp="1"/>
           </p:cNvSpPr>
@@ -2358,7 +3992,7 @@
       </p:sp>
       <p:sp>
         <p:nvSpPr>
-          <p:cNvPr id="4" name="3 Marcador de número de diapositiva"/>
+          <p:cNvPr id="4" name="Slide Number Placeholder 3"/>
           <p:cNvSpPr>
             <a:spLocks noGrp="1"/>
           </p:cNvSpPr>
@@ -2381,6 +4015,11 @@
         </p:txBody>
       </p:sp>
     </p:spTree>
+    <p:extLst>
+      <p:ext uri="{BB962C8B-B14F-4D97-AF65-F5344CB8AC3E}">
+        <p14:creationId xmlns:p14="http://schemas.microsoft.com/office/powerpoint/2010/main" val="3097338783"/>
+      </p:ext>
+    </p:extLst>
   </p:cSld>
   <p:clrMapOvr>
     <a:masterClrMapping/>
@@ -2407,354 +4046,449 @@
       </p:grpSpPr>
       <p:sp>
         <p:nvSpPr>
-          <p:cNvPr id="2" name="1 Título"/>
-          <p:cNvSpPr>
-            <a:spLocks noGrp="1"/>
-          </p:cNvSpPr>
-          <p:nvPr>
-            <p:ph type="title"/>
-          </p:nvPr>
-        </p:nvSpPr>
-        <p:spPr>
+          <p:cNvPr id="12" name="Freeform 6"/>
+          <p:cNvSpPr>
+            <a:spLocks noChangeAspect="1"/>
+          </p:cNvSpPr>
+          <p:nvPr/>
+        </p:nvSpPr>
+        <p:spPr bwMode="auto">
           <a:xfrm>
-            <a:off x="167838" y="152400"/>
-            <a:ext cx="2523744" cy="978408"/>
+            <a:off x="804863" y="446086"/>
+            <a:ext cx="2660650" cy="1814651"/>
           </a:xfrm>
-        </p:spPr>
-        <p:txBody>
-          <a:bodyPr vert="horz" lIns="73152" rIns="45720" bIns="0" rtlCol="0" anchor="b">
-            <a:normAutofit/>
-            <a:sp3d prstMaterial="matte"/>
-          </a:bodyPr>
-          <a:lstStyle>
-            <a:lvl1pPr algn="l">
-              <a:defRPr sz="2000" b="0"/>
-            </a:lvl1pPr>
-            <a:extLst/>
-          </a:lstStyle>
-          <a:p>
-            <a:r>
-              <a:rPr kumimoji="0" lang="es-ES" smtClean="0"/>
-              <a:t>Haga clic para modificar el estilo de título del patrón</a:t>
-            </a:r>
-            <a:endParaRPr kumimoji="0" lang="en-US"/>
-          </a:p>
-        </p:txBody>
-      </p:sp>
-      <p:sp>
-        <p:nvSpPr>
-          <p:cNvPr id="3" name="2 Marcador de contenido"/>
-          <p:cNvSpPr>
-            <a:spLocks noGrp="1"/>
-          </p:cNvSpPr>
-          <p:nvPr>
-            <p:ph idx="1"/>
-          </p:nvPr>
-        </p:nvSpPr>
-        <p:spPr>
-          <a:xfrm>
-            <a:off x="3019377" y="1743133"/>
-            <a:ext cx="5920641" cy="4558885"/>
-          </a:xfrm>
-        </p:spPr>
-        <p:txBody>
-          <a:bodyPr/>
-          <a:lstStyle>
-            <a:lvl1pPr>
-              <a:defRPr sz="3200"/>
-            </a:lvl1pPr>
-            <a:lvl2pPr>
-              <a:defRPr sz="2800"/>
-            </a:lvl2pPr>
-            <a:lvl3pPr>
-              <a:defRPr sz="2400"/>
-            </a:lvl3pPr>
-            <a:lvl4pPr>
-              <a:defRPr sz="2000"/>
-            </a:lvl4pPr>
-            <a:lvl5pPr>
-              <a:defRPr sz="2000"/>
-            </a:lvl5pPr>
-            <a:lvl6pPr>
-              <a:defRPr sz="2000"/>
-            </a:lvl6pPr>
-            <a:lvl7pPr>
-              <a:defRPr sz="2000"/>
-            </a:lvl7pPr>
-            <a:lvl8pPr>
-              <a:defRPr sz="2000"/>
-            </a:lvl8pPr>
-            <a:lvl9pPr>
-              <a:defRPr sz="2000"/>
-            </a:lvl9pPr>
-            <a:extLst/>
-          </a:lstStyle>
-          <a:p>
-            <a:pPr lvl="0" eaLnBrk="1" latinLnBrk="0" hangingPunct="1"/>
-            <a:r>
-              <a:rPr lang="es-ES" smtClean="0"/>
-              <a:t>Haga clic para modificar el estilo de texto del patrón</a:t>
-            </a:r>
-          </a:p>
-          <a:p>
-            <a:pPr lvl="1" eaLnBrk="1" latinLnBrk="0" hangingPunct="1"/>
-            <a:r>
-              <a:rPr lang="es-ES" smtClean="0"/>
-              <a:t>Segundo nivel</a:t>
-            </a:r>
-          </a:p>
-          <a:p>
-            <a:pPr lvl="2" eaLnBrk="1" latinLnBrk="0" hangingPunct="1"/>
-            <a:r>
-              <a:rPr lang="es-ES" smtClean="0"/>
-              <a:t>Tercer nivel</a:t>
-            </a:r>
-          </a:p>
-          <a:p>
-            <a:pPr lvl="3" eaLnBrk="1" latinLnBrk="0" hangingPunct="1"/>
-            <a:r>
-              <a:rPr lang="es-ES" smtClean="0"/>
-              <a:t>Cuarto nivel</a:t>
-            </a:r>
-          </a:p>
-          <a:p>
-            <a:pPr lvl="4" eaLnBrk="1" latinLnBrk="0" hangingPunct="1"/>
-            <a:r>
-              <a:rPr lang="es-ES" smtClean="0"/>
-              <a:t>Quinto nivel</a:t>
-            </a:r>
-            <a:endParaRPr kumimoji="0" lang="en-US"/>
-          </a:p>
-        </p:txBody>
-      </p:sp>
-      <p:sp>
-        <p:nvSpPr>
-          <p:cNvPr id="4" name="3 Marcador de texto"/>
-          <p:cNvSpPr>
-            <a:spLocks noGrp="1"/>
-          </p:cNvSpPr>
-          <p:nvPr>
-            <p:ph type="body" sz="half" idx="2"/>
-          </p:nvPr>
-        </p:nvSpPr>
-        <p:spPr>
-          <a:xfrm>
-            <a:off x="167838" y="1730018"/>
-            <a:ext cx="2468880" cy="4572000"/>
-          </a:xfrm>
-        </p:spPr>
-        <p:txBody>
-          <a:bodyPr/>
-          <a:lstStyle>
-            <a:lvl1pPr marL="0" indent="0">
-              <a:buNone/>
-              <a:defRPr sz="1400"/>
-            </a:lvl1pPr>
-            <a:lvl2pPr marL="457200" indent="0">
-              <a:buNone/>
-              <a:defRPr sz="1200"/>
-            </a:lvl2pPr>
-            <a:lvl3pPr marL="914400" indent="0">
-              <a:buNone/>
-              <a:defRPr sz="1000"/>
-            </a:lvl3pPr>
-            <a:lvl4pPr marL="1371600" indent="0">
-              <a:buNone/>
-              <a:defRPr sz="900"/>
-            </a:lvl4pPr>
-            <a:lvl5pPr marL="1828800" indent="0">
-              <a:buNone/>
-              <a:defRPr sz="900"/>
-            </a:lvl5pPr>
-            <a:lvl6pPr marL="2286000" indent="0">
-              <a:buNone/>
-              <a:defRPr sz="900"/>
-            </a:lvl6pPr>
-            <a:lvl7pPr marL="2743200" indent="0">
-              <a:buNone/>
-              <a:defRPr sz="900"/>
-            </a:lvl7pPr>
-            <a:lvl8pPr marL="3200400" indent="0">
-              <a:buNone/>
-              <a:defRPr sz="900"/>
-            </a:lvl8pPr>
-            <a:lvl9pPr marL="3657600" indent="0">
-              <a:buNone/>
-              <a:defRPr sz="900"/>
-            </a:lvl9pPr>
-            <a:extLst/>
-          </a:lstStyle>
-          <a:p>
-            <a:pPr lvl="0" eaLnBrk="1" latinLnBrk="0" hangingPunct="1"/>
-            <a:r>
-              <a:rPr kumimoji="0" lang="es-ES" smtClean="0"/>
-              <a:t>Haga clic para modificar el estilo de texto del patrón</a:t>
-            </a:r>
-          </a:p>
-        </p:txBody>
-      </p:sp>
-      <p:sp>
-        <p:nvSpPr>
-          <p:cNvPr id="5" name="4 Marcador de fecha"/>
-          <p:cNvSpPr>
-            <a:spLocks noGrp="1"/>
-          </p:cNvSpPr>
-          <p:nvPr>
-            <p:ph type="dt" sz="half" idx="10"/>
-          </p:nvPr>
-        </p:nvSpPr>
-        <p:spPr/>
-        <p:txBody>
-          <a:bodyPr/>
-          <a:lstStyle/>
-          <a:p>
-            <a:fld id="{593D2309-033C-4A43-918B-33F93F9CAC7F}" type="datetimeFigureOut">
-              <a:rPr lang="es-ES" smtClean="0"/>
-              <a:pPr/>
-              <a:t>10/02/2019</a:t>
-            </a:fld>
-            <a:endParaRPr lang="es-ES"/>
-          </a:p>
-        </p:txBody>
-      </p:sp>
-      <p:sp>
-        <p:nvSpPr>
-          <p:cNvPr id="6" name="5 Marcador de pie de página"/>
-          <p:cNvSpPr>
-            <a:spLocks noGrp="1"/>
-          </p:cNvSpPr>
-          <p:nvPr>
-            <p:ph type="ftr" sz="quarter" idx="11"/>
-          </p:nvPr>
-        </p:nvSpPr>
-        <p:spPr/>
-        <p:txBody>
-          <a:bodyPr/>
-          <a:lstStyle/>
-          <a:p>
-            <a:endParaRPr lang="es-ES"/>
-          </a:p>
-        </p:txBody>
-      </p:sp>
-      <p:sp>
-        <p:nvSpPr>
-          <p:cNvPr id="7" name="6 Marcador de número de diapositiva"/>
-          <p:cNvSpPr>
-            <a:spLocks noGrp="1"/>
-          </p:cNvSpPr>
-          <p:nvPr>
-            <p:ph type="sldNum" sz="quarter" idx="12"/>
-          </p:nvPr>
-        </p:nvSpPr>
-        <p:spPr/>
-        <p:txBody>
-          <a:bodyPr/>
-          <a:lstStyle/>
-          <a:p>
-            <a:fld id="{225972F6-3437-45F7-9AF0-D730FCD10A9C}" type="slidenum">
-              <a:rPr lang="es-ES" smtClean="0"/>
-              <a:pPr/>
-              <a:t>‹Nº›</a:t>
-            </a:fld>
-            <a:endParaRPr lang="es-ES"/>
-          </a:p>
-        </p:txBody>
-      </p:sp>
-      <p:sp>
-        <p:nvSpPr>
-          <p:cNvPr id="12" name="11 Rectángulo"/>
-          <p:cNvSpPr/>
-          <p:nvPr/>
-        </p:nvSpPr>
-        <p:spPr bwMode="invGray">
-          <a:xfrm>
-            <a:off x="2855737" y="0"/>
-            <a:ext cx="45720" cy="1453896"/>
-          </a:xfrm>
-          <a:prstGeom prst="rect">
+          <a:custGeom>
             <a:avLst/>
-          </a:prstGeom>
-          <a:solidFill>
-            <a:srgbClr val="FFFFFF"/>
-          </a:solidFill>
-          <a:ln w="48000" cap="flat" cmpd="thickThin" algn="ctr">
-            <a:noFill/>
-            <a:prstDash val="solid"/>
-          </a:ln>
+            <a:gdLst/>
+            <a:ahLst/>
+            <a:cxnLst/>
+            <a:rect l="0" t="0" r="r" b="b"/>
+            <a:pathLst>
+              <a:path w="3384" h="2308">
+                <a:moveTo>
+                  <a:pt x="3340" y="0"/>
+                </a:moveTo>
+                <a:lnTo>
+                  <a:pt x="44" y="0"/>
+                </a:lnTo>
+                <a:lnTo>
+                  <a:pt x="44" y="0"/>
+                </a:lnTo>
+                <a:lnTo>
+                  <a:pt x="34" y="0"/>
+                </a:lnTo>
+                <a:lnTo>
+                  <a:pt x="26" y="4"/>
+                </a:lnTo>
+                <a:lnTo>
+                  <a:pt x="20" y="8"/>
+                </a:lnTo>
+                <a:lnTo>
+                  <a:pt x="12" y="12"/>
+                </a:lnTo>
+                <a:lnTo>
+                  <a:pt x="8" y="20"/>
+                </a:lnTo>
+                <a:lnTo>
+                  <a:pt x="4" y="26"/>
+                </a:lnTo>
+                <a:lnTo>
+                  <a:pt x="0" y="34"/>
+                </a:lnTo>
+                <a:lnTo>
+                  <a:pt x="0" y="44"/>
+                </a:lnTo>
+                <a:lnTo>
+                  <a:pt x="0" y="2076"/>
+                </a:lnTo>
+                <a:lnTo>
+                  <a:pt x="0" y="2076"/>
+                </a:lnTo>
+                <a:lnTo>
+                  <a:pt x="0" y="2086"/>
+                </a:lnTo>
+                <a:lnTo>
+                  <a:pt x="4" y="2094"/>
+                </a:lnTo>
+                <a:lnTo>
+                  <a:pt x="8" y="2100"/>
+                </a:lnTo>
+                <a:lnTo>
+                  <a:pt x="12" y="2108"/>
+                </a:lnTo>
+                <a:lnTo>
+                  <a:pt x="20" y="2112"/>
+                </a:lnTo>
+                <a:lnTo>
+                  <a:pt x="26" y="2116"/>
+                </a:lnTo>
+                <a:lnTo>
+                  <a:pt x="34" y="2120"/>
+                </a:lnTo>
+                <a:lnTo>
+                  <a:pt x="44" y="2120"/>
+                </a:lnTo>
+                <a:lnTo>
+                  <a:pt x="474" y="2120"/>
+                </a:lnTo>
+                <a:lnTo>
+                  <a:pt x="650" y="2296"/>
+                </a:lnTo>
+                <a:lnTo>
+                  <a:pt x="650" y="2296"/>
+                </a:lnTo>
+                <a:lnTo>
+                  <a:pt x="656" y="2300"/>
+                </a:lnTo>
+                <a:lnTo>
+                  <a:pt x="664" y="2304"/>
+                </a:lnTo>
+                <a:lnTo>
+                  <a:pt x="672" y="2308"/>
+                </a:lnTo>
+                <a:lnTo>
+                  <a:pt x="680" y="2308"/>
+                </a:lnTo>
+                <a:lnTo>
+                  <a:pt x="688" y="2308"/>
+                </a:lnTo>
+                <a:lnTo>
+                  <a:pt x="696" y="2304"/>
+                </a:lnTo>
+                <a:lnTo>
+                  <a:pt x="704" y="2300"/>
+                </a:lnTo>
+                <a:lnTo>
+                  <a:pt x="710" y="2296"/>
+                </a:lnTo>
+                <a:lnTo>
+                  <a:pt x="886" y="2120"/>
+                </a:lnTo>
+                <a:lnTo>
+                  <a:pt x="3340" y="2120"/>
+                </a:lnTo>
+                <a:lnTo>
+                  <a:pt x="3340" y="2120"/>
+                </a:lnTo>
+                <a:lnTo>
+                  <a:pt x="3350" y="2120"/>
+                </a:lnTo>
+                <a:lnTo>
+                  <a:pt x="3358" y="2116"/>
+                </a:lnTo>
+                <a:lnTo>
+                  <a:pt x="3364" y="2112"/>
+                </a:lnTo>
+                <a:lnTo>
+                  <a:pt x="3372" y="2108"/>
+                </a:lnTo>
+                <a:lnTo>
+                  <a:pt x="3376" y="2100"/>
+                </a:lnTo>
+                <a:lnTo>
+                  <a:pt x="3380" y="2094"/>
+                </a:lnTo>
+                <a:lnTo>
+                  <a:pt x="3384" y="2086"/>
+                </a:lnTo>
+                <a:lnTo>
+                  <a:pt x="3384" y="2076"/>
+                </a:lnTo>
+                <a:lnTo>
+                  <a:pt x="3384" y="44"/>
+                </a:lnTo>
+                <a:lnTo>
+                  <a:pt x="3384" y="44"/>
+                </a:lnTo>
+                <a:lnTo>
+                  <a:pt x="3384" y="34"/>
+                </a:lnTo>
+                <a:lnTo>
+                  <a:pt x="3380" y="26"/>
+                </a:lnTo>
+                <a:lnTo>
+                  <a:pt x="3376" y="20"/>
+                </a:lnTo>
+                <a:lnTo>
+                  <a:pt x="3372" y="12"/>
+                </a:lnTo>
+                <a:lnTo>
+                  <a:pt x="3364" y="8"/>
+                </a:lnTo>
+                <a:lnTo>
+                  <a:pt x="3358" y="4"/>
+                </a:lnTo>
+                <a:lnTo>
+                  <a:pt x="3350" y="0"/>
+                </a:lnTo>
+                <a:lnTo>
+                  <a:pt x="3340" y="0"/>
+                </a:lnTo>
+                <a:lnTo>
+                  <a:pt x="3340" y="0"/>
+                </a:lnTo>
+                <a:close/>
+              </a:path>
+            </a:pathLst>
+          </a:custGeom>
+          <a:ln/>
+          <a:extLst>
+            <a:ext uri="{91240B29-F687-4F45-9708-019B960494DF}">
+              <a14:hiddenLine xmlns:a14="http://schemas.microsoft.com/office/drawing/2010/main" w="9525">
+                <a:solidFill>
+                  <a:srgbClr val="000000"/>
+                </a:solidFill>
+                <a:round/>
+                <a:headEnd/>
+                <a:tailEnd/>
+              </a14:hiddenLine>
+            </a:ext>
+          </a:extLst>
         </p:spPr>
         <p:style>
-          <a:lnRef idx="2">
+          <a:lnRef idx="1">
             <a:schemeClr val="accent1"/>
           </a:lnRef>
-          <a:fillRef idx="1">
+          <a:fillRef idx="3">
             <a:schemeClr val="accent1"/>
           </a:fillRef>
-          <a:effectRef idx="0">
+          <a:effectRef idx="2">
             <a:schemeClr val="accent1"/>
           </a:effectRef>
           <a:fontRef idx="minor">
             <a:schemeClr val="lt1"/>
           </a:fontRef>
         </p:style>
-        <p:txBody>
-          <a:bodyPr rtlCol="0" anchor="ctr"/>
+      </p:sp>
+      <p:sp>
+        <p:nvSpPr>
+          <p:cNvPr id="2" name="Title 1"/>
+          <p:cNvSpPr>
+            <a:spLocks noGrp="1"/>
+          </p:cNvSpPr>
+          <p:nvPr>
+            <p:ph type="title"/>
+          </p:nvPr>
+        </p:nvSpPr>
+        <p:spPr>
+          <a:xfrm>
+            <a:off x="804863" y="446088"/>
+            <a:ext cx="2660650" cy="1618396"/>
+          </a:xfrm>
+        </p:spPr>
+        <p:txBody>
+          <a:bodyPr anchor="b"/>
           <a:lstStyle>
-            <a:extLst/>
+            <a:lvl1pPr algn="l">
+              <a:defRPr sz="2000" b="1"/>
+            </a:lvl1pPr>
           </a:lstStyle>
           <a:p>
-            <a:pPr algn="ctr" eaLnBrk="1" latinLnBrk="0" hangingPunct="1"/>
-            <a:endParaRPr kumimoji="0" lang="en-US"/>
-          </a:p>
-        </p:txBody>
-      </p:sp>
-      <p:sp>
-        <p:nvSpPr>
-          <p:cNvPr id="9" name="8 Rectángulo"/>
-          <p:cNvSpPr/>
-          <p:nvPr/>
-        </p:nvSpPr>
-        <p:spPr bwMode="invGray">
+            <a:r>
+              <a:rPr lang="es-ES" smtClean="0"/>
+              <a:t>Haga clic para modificar el estilo de título del patrón</a:t>
+            </a:r>
+            <a:endParaRPr lang="en-US" dirty="0"/>
+          </a:p>
+        </p:txBody>
+      </p:sp>
+      <p:sp>
+        <p:nvSpPr>
+          <p:cNvPr id="3" name="Content Placeholder 2"/>
+          <p:cNvSpPr>
+            <a:spLocks noGrp="1"/>
+          </p:cNvSpPr>
+          <p:nvPr>
+            <p:ph idx="1"/>
+          </p:nvPr>
+        </p:nvSpPr>
+        <p:spPr>
           <a:xfrm>
-            <a:off x="2855737" y="0"/>
-            <a:ext cx="45720" cy="1453896"/>
+            <a:off x="3641724" y="446087"/>
+            <a:ext cx="4689475" cy="5414963"/>
           </a:xfrm>
-          <a:prstGeom prst="rect">
-            <a:avLst/>
-          </a:prstGeom>
-          <a:solidFill>
-            <a:srgbClr val="FFFFFF"/>
-          </a:solidFill>
-          <a:ln w="48000" cap="flat" cmpd="thickThin" algn="ctr">
-            <a:noFill/>
-            <a:prstDash val="solid"/>
-          </a:ln>
         </p:spPr>
-        <p:style>
-          <a:lnRef idx="2">
-            <a:schemeClr val="accent1"/>
-          </a:lnRef>
-          <a:fillRef idx="1">
-            <a:schemeClr val="accent1"/>
-          </a:fillRef>
-          <a:effectRef idx="0">
-            <a:schemeClr val="accent1"/>
-          </a:effectRef>
-          <a:fontRef idx="minor">
-            <a:schemeClr val="lt1"/>
-          </a:fontRef>
-        </p:style>
-        <p:txBody>
-          <a:bodyPr rtlCol="0" anchor="ctr"/>
+        <p:txBody>
+          <a:bodyPr>
+            <a:normAutofit/>
+          </a:bodyPr>
+          <a:lstStyle/>
+          <a:p>
+            <a:pPr lvl="0"/>
+            <a:r>
+              <a:rPr lang="es-ES" smtClean="0"/>
+              <a:t>Editar el estilo de texto del patrón</a:t>
+            </a:r>
+          </a:p>
+          <a:p>
+            <a:pPr lvl="1"/>
+            <a:r>
+              <a:rPr lang="es-ES" smtClean="0"/>
+              <a:t>Segundo nivel</a:t>
+            </a:r>
+          </a:p>
+          <a:p>
+            <a:pPr lvl="2"/>
+            <a:r>
+              <a:rPr lang="es-ES" smtClean="0"/>
+              <a:t>Tercer nivel</a:t>
+            </a:r>
+          </a:p>
+          <a:p>
+            <a:pPr lvl="3"/>
+            <a:r>
+              <a:rPr lang="es-ES" smtClean="0"/>
+              <a:t>Cuarto nivel</a:t>
+            </a:r>
+          </a:p>
+          <a:p>
+            <a:pPr lvl="4"/>
+            <a:r>
+              <a:rPr lang="es-ES" smtClean="0"/>
+              <a:t>Quinto nivel</a:t>
+            </a:r>
+            <a:endParaRPr lang="en-US" dirty="0"/>
+          </a:p>
+        </p:txBody>
+      </p:sp>
+      <p:sp>
+        <p:nvSpPr>
+          <p:cNvPr id="4" name="Text Placeholder 3"/>
+          <p:cNvSpPr>
+            <a:spLocks noGrp="1"/>
+          </p:cNvSpPr>
+          <p:nvPr>
+            <p:ph type="body" sz="half" idx="2"/>
+          </p:nvPr>
+        </p:nvSpPr>
+        <p:spPr>
+          <a:xfrm>
+            <a:off x="804863" y="2260737"/>
+            <a:ext cx="2660650" cy="3600311"/>
+          </a:xfrm>
+        </p:spPr>
+        <p:txBody>
+          <a:bodyPr/>
           <a:lstStyle>
-            <a:extLst/>
+            <a:lvl1pPr marL="0" indent="0">
+              <a:buNone/>
+              <a:defRPr sz="1400"/>
+            </a:lvl1pPr>
+            <a:lvl2pPr marL="457200" indent="0">
+              <a:buNone/>
+              <a:defRPr sz="1200"/>
+            </a:lvl2pPr>
+            <a:lvl3pPr marL="914400" indent="0">
+              <a:buNone/>
+              <a:defRPr sz="1000"/>
+            </a:lvl3pPr>
+            <a:lvl4pPr marL="1371600" indent="0">
+              <a:buNone/>
+              <a:defRPr sz="900"/>
+            </a:lvl4pPr>
+            <a:lvl5pPr marL="1828800" indent="0">
+              <a:buNone/>
+              <a:defRPr sz="900"/>
+            </a:lvl5pPr>
+            <a:lvl6pPr marL="2286000" indent="0">
+              <a:buNone/>
+              <a:defRPr sz="900"/>
+            </a:lvl6pPr>
+            <a:lvl7pPr marL="2743200" indent="0">
+              <a:buNone/>
+              <a:defRPr sz="900"/>
+            </a:lvl7pPr>
+            <a:lvl8pPr marL="3200400" indent="0">
+              <a:buNone/>
+              <a:defRPr sz="900"/>
+            </a:lvl8pPr>
+            <a:lvl9pPr marL="3657600" indent="0">
+              <a:buNone/>
+              <a:defRPr sz="900"/>
+            </a:lvl9pPr>
           </a:lstStyle>
           <a:p>
-            <a:pPr algn="ctr" eaLnBrk="1" latinLnBrk="0" hangingPunct="1"/>
-            <a:endParaRPr kumimoji="0" lang="en-US"/>
+            <a:pPr lvl="0"/>
+            <a:r>
+              <a:rPr lang="es-ES" smtClean="0"/>
+              <a:t>Editar el estilo de texto del patrón</a:t>
+            </a:r>
+          </a:p>
+        </p:txBody>
+      </p:sp>
+      <p:sp>
+        <p:nvSpPr>
+          <p:cNvPr id="5" name="Date Placeholder 4"/>
+          <p:cNvSpPr>
+            <a:spLocks noGrp="1"/>
+          </p:cNvSpPr>
+          <p:nvPr>
+            <p:ph type="dt" sz="half" idx="10"/>
+          </p:nvPr>
+        </p:nvSpPr>
+        <p:spPr/>
+        <p:txBody>
+          <a:bodyPr/>
+          <a:lstStyle/>
+          <a:p>
+            <a:fld id="{593D2309-033C-4A43-918B-33F93F9CAC7F}" type="datetimeFigureOut">
+              <a:rPr lang="es-ES" smtClean="0"/>
+              <a:pPr/>
+              <a:t>10/02/2019</a:t>
+            </a:fld>
+            <a:endParaRPr lang="es-ES"/>
+          </a:p>
+        </p:txBody>
+      </p:sp>
+      <p:sp>
+        <p:nvSpPr>
+          <p:cNvPr id="6" name="Footer Placeholder 5"/>
+          <p:cNvSpPr>
+            <a:spLocks noGrp="1"/>
+          </p:cNvSpPr>
+          <p:nvPr>
+            <p:ph type="ftr" sz="quarter" idx="11"/>
+          </p:nvPr>
+        </p:nvSpPr>
+        <p:spPr/>
+        <p:txBody>
+          <a:bodyPr/>
+          <a:lstStyle/>
+          <a:p>
+            <a:endParaRPr lang="es-ES"/>
+          </a:p>
+        </p:txBody>
+      </p:sp>
+      <p:sp>
+        <p:nvSpPr>
+          <p:cNvPr id="7" name="Slide Number Placeholder 6"/>
+          <p:cNvSpPr>
+            <a:spLocks noGrp="1"/>
+          </p:cNvSpPr>
+          <p:nvPr>
+            <p:ph type="sldNum" sz="quarter" idx="12"/>
+          </p:nvPr>
+        </p:nvSpPr>
+        <p:spPr/>
+        <p:txBody>
+          <a:bodyPr/>
+          <a:lstStyle/>
+          <a:p>
+            <a:fld id="{225972F6-3437-45F7-9AF0-D730FCD10A9C}" type="slidenum">
+              <a:rPr lang="es-ES" smtClean="0"/>
+              <a:pPr/>
+              <a:t>‹Nº›</a:t>
+            </a:fld>
+            <a:endParaRPr lang="es-ES"/>
           </a:p>
         </p:txBody>
       </p:sp>
     </p:spTree>
+    <p:extLst>
+      <p:ext uri="{BB962C8B-B14F-4D97-AF65-F5344CB8AC3E}">
+        <p14:creationId xmlns:p14="http://schemas.microsoft.com/office/powerpoint/2010/main" val="2839846007"/>
+      </p:ext>
+    </p:extLst>
   </p:cSld>
   <p:clrMapOvr>
     <a:masterClrMapping/>
@@ -2765,6 +4499,331 @@
 <file path=ppt/slideLayouts/slideLayout9.xml><?xml version="1.0" encoding="utf-8"?>
 <p:sldLayout xmlns:a="http://schemas.openxmlformats.org/drawingml/2006/main" xmlns:r="http://schemas.openxmlformats.org/officeDocument/2006/relationships" xmlns:p="http://schemas.openxmlformats.org/presentationml/2006/main" type="picTx" preserve="1">
   <p:cSld name="Imagen con título">
+    <p:spTree>
+      <p:nvGrpSpPr>
+        <p:cNvPr id="1" name=""/>
+        <p:cNvGrpSpPr/>
+        <p:nvPr/>
+      </p:nvGrpSpPr>
+      <p:grpSpPr>
+        <a:xfrm>
+          <a:off x="0" y="0"/>
+          <a:ext cx="0" cy="0"/>
+          <a:chOff x="0" y="0"/>
+          <a:chExt cx="0" cy="0"/>
+        </a:xfrm>
+      </p:grpSpPr>
+      <p:sp>
+        <p:nvSpPr>
+          <p:cNvPr id="2" name="Title 1"/>
+          <p:cNvSpPr>
+            <a:spLocks noGrp="1"/>
+          </p:cNvSpPr>
+          <p:nvPr>
+            <p:ph type="title"/>
+          </p:nvPr>
+        </p:nvSpPr>
+        <p:spPr>
+          <a:xfrm>
+            <a:off x="809996" y="727521"/>
+            <a:ext cx="3501548" cy="1617163"/>
+          </a:xfrm>
+        </p:spPr>
+        <p:txBody>
+          <a:bodyPr anchor="b">
+            <a:normAutofit/>
+          </a:bodyPr>
+          <a:lstStyle>
+            <a:lvl1pPr algn="l">
+              <a:defRPr sz="2400" b="0"/>
+            </a:lvl1pPr>
+          </a:lstStyle>
+          <a:p>
+            <a:r>
+              <a:rPr lang="es-ES" smtClean="0"/>
+              <a:t>Haga clic para modificar el estilo de título del patrón</a:t>
+            </a:r>
+            <a:endParaRPr lang="en-US" dirty="0"/>
+          </a:p>
+        </p:txBody>
+      </p:sp>
+      <p:sp>
+        <p:nvSpPr>
+          <p:cNvPr id="9" name="Picture Placeholder 11"/>
+          <p:cNvSpPr>
+            <a:spLocks noGrp="1" noChangeAspect="1"/>
+          </p:cNvSpPr>
+          <p:nvPr>
+            <p:ph type="pic" sz="quarter" idx="13"/>
+          </p:nvPr>
+        </p:nvSpPr>
+        <p:spPr bwMode="auto">
+          <a:xfrm>
+            <a:off x="4573588" y="0"/>
+            <a:ext cx="4570412" cy="6858000"/>
+          </a:xfrm>
+          <a:custGeom>
+            <a:avLst/>
+            <a:gdLst/>
+            <a:ahLst/>
+            <a:cxnLst/>
+            <a:rect l="0" t="0" r="r" b="b"/>
+            <a:pathLst>
+              <a:path w="2879" h="4320">
+                <a:moveTo>
+                  <a:pt x="183" y="0"/>
+                </a:moveTo>
+                <a:lnTo>
+                  <a:pt x="183" y="1197"/>
+                </a:lnTo>
+                <a:lnTo>
+                  <a:pt x="8" y="1372"/>
+                </a:lnTo>
+                <a:lnTo>
+                  <a:pt x="8" y="1372"/>
+                </a:lnTo>
+                <a:lnTo>
+                  <a:pt x="6" y="1376"/>
+                </a:lnTo>
+                <a:lnTo>
+                  <a:pt x="3" y="1382"/>
+                </a:lnTo>
+                <a:lnTo>
+                  <a:pt x="0" y="1387"/>
+                </a:lnTo>
+                <a:lnTo>
+                  <a:pt x="0" y="1393"/>
+                </a:lnTo>
+                <a:lnTo>
+                  <a:pt x="0" y="1399"/>
+                </a:lnTo>
+                <a:lnTo>
+                  <a:pt x="3" y="1404"/>
+                </a:lnTo>
+                <a:lnTo>
+                  <a:pt x="6" y="1410"/>
+                </a:lnTo>
+                <a:lnTo>
+                  <a:pt x="8" y="1414"/>
+                </a:lnTo>
+                <a:lnTo>
+                  <a:pt x="183" y="1589"/>
+                </a:lnTo>
+                <a:lnTo>
+                  <a:pt x="183" y="4320"/>
+                </a:lnTo>
+                <a:lnTo>
+                  <a:pt x="2879" y="4320"/>
+                </a:lnTo>
+                <a:lnTo>
+                  <a:pt x="2879" y="0"/>
+                </a:lnTo>
+                <a:lnTo>
+                  <a:pt x="183" y="0"/>
+                </a:lnTo>
+                <a:close/>
+              </a:path>
+            </a:pathLst>
+          </a:custGeom>
+          <a:noFill/>
+          <a:ln w="9525">
+            <a:solidFill>
+              <a:schemeClr val="tx2"/>
+            </a:solidFill>
+            <a:round/>
+            <a:headEnd/>
+            <a:tailEnd/>
+          </a:ln>
+          <a:effectLst/>
+        </p:spPr>
+        <p:txBody>
+          <a:bodyPr wrap="square" numCol="1" anchor="t" anchorCtr="0" compatLnSpc="1">
+            <a:prstTxWarp prst="textNoShape">
+              <a:avLst/>
+            </a:prstTxWarp>
+            <a:normAutofit/>
+          </a:bodyPr>
+          <a:lstStyle>
+            <a:lvl1pPr algn="ctr">
+              <a:buFontTx/>
+              <a:buNone/>
+              <a:defRPr sz="1400"/>
+            </a:lvl1pPr>
+          </a:lstStyle>
+          <a:p>
+            <a:r>
+              <a:rPr lang="es-ES" smtClean="0"/>
+              <a:t>Haga clic en el icono para agregar una imagen</a:t>
+            </a:r>
+            <a:endParaRPr lang="en-US" dirty="0"/>
+          </a:p>
+        </p:txBody>
+      </p:sp>
+      <p:sp>
+        <p:nvSpPr>
+          <p:cNvPr id="4" name="Text Placeholder 3"/>
+          <p:cNvSpPr>
+            <a:spLocks noGrp="1"/>
+          </p:cNvSpPr>
+          <p:nvPr>
+            <p:ph type="body" sz="half" idx="2"/>
+          </p:nvPr>
+        </p:nvSpPr>
+        <p:spPr>
+          <a:xfrm>
+            <a:off x="809996" y="2344684"/>
+            <a:ext cx="3501548" cy="3516365"/>
+          </a:xfrm>
+        </p:spPr>
+        <p:txBody>
+          <a:bodyPr anchor="t">
+            <a:normAutofit/>
+          </a:bodyPr>
+          <a:lstStyle>
+            <a:lvl1pPr marL="0" indent="0">
+              <a:buNone/>
+              <a:defRPr sz="1200"/>
+            </a:lvl1pPr>
+            <a:lvl2pPr marL="457200" indent="0">
+              <a:buNone/>
+              <a:defRPr sz="1200"/>
+            </a:lvl2pPr>
+            <a:lvl3pPr marL="914400" indent="0">
+              <a:buNone/>
+              <a:defRPr sz="1000"/>
+            </a:lvl3pPr>
+            <a:lvl4pPr marL="1371600" indent="0">
+              <a:buNone/>
+              <a:defRPr sz="900"/>
+            </a:lvl4pPr>
+            <a:lvl5pPr marL="1828800" indent="0">
+              <a:buNone/>
+              <a:defRPr sz="900"/>
+            </a:lvl5pPr>
+            <a:lvl6pPr marL="2286000" indent="0">
+              <a:buNone/>
+              <a:defRPr sz="900"/>
+            </a:lvl6pPr>
+            <a:lvl7pPr marL="2743200" indent="0">
+              <a:buNone/>
+              <a:defRPr sz="900"/>
+            </a:lvl7pPr>
+            <a:lvl8pPr marL="3200400" indent="0">
+              <a:buNone/>
+              <a:defRPr sz="900"/>
+            </a:lvl8pPr>
+            <a:lvl9pPr marL="3657600" indent="0">
+              <a:buNone/>
+              <a:defRPr sz="900"/>
+            </a:lvl9pPr>
+          </a:lstStyle>
+          <a:p>
+            <a:pPr lvl="0"/>
+            <a:r>
+              <a:rPr lang="es-ES" smtClean="0"/>
+              <a:t>Editar el estilo de texto del patrón</a:t>
+            </a:r>
+          </a:p>
+        </p:txBody>
+      </p:sp>
+      <p:sp>
+        <p:nvSpPr>
+          <p:cNvPr id="5" name="Date Placeholder 4"/>
+          <p:cNvSpPr>
+            <a:spLocks noGrp="1"/>
+          </p:cNvSpPr>
+          <p:nvPr>
+            <p:ph type="dt" sz="half" idx="10"/>
+          </p:nvPr>
+        </p:nvSpPr>
+        <p:spPr>
+          <a:xfrm>
+            <a:off x="2914357" y="6041361"/>
+            <a:ext cx="732659" cy="365125"/>
+          </a:xfrm>
+        </p:spPr>
+        <p:txBody>
+          <a:bodyPr/>
+          <a:lstStyle/>
+          <a:p>
+            <a:fld id="{593D2309-033C-4A43-918B-33F93F9CAC7F}" type="datetimeFigureOut">
+              <a:rPr lang="es-ES" smtClean="0"/>
+              <a:pPr/>
+              <a:t>10/02/2019</a:t>
+            </a:fld>
+            <a:endParaRPr lang="es-ES"/>
+          </a:p>
+        </p:txBody>
+      </p:sp>
+      <p:sp>
+        <p:nvSpPr>
+          <p:cNvPr id="6" name="Footer Placeholder 5"/>
+          <p:cNvSpPr>
+            <a:spLocks noGrp="1"/>
+          </p:cNvSpPr>
+          <p:nvPr>
+            <p:ph type="ftr" sz="quarter" idx="11"/>
+          </p:nvPr>
+        </p:nvSpPr>
+        <p:spPr>
+          <a:xfrm>
+            <a:off x="442797" y="6041361"/>
+            <a:ext cx="2471560" cy="365125"/>
+          </a:xfrm>
+        </p:spPr>
+        <p:txBody>
+          <a:bodyPr/>
+          <a:lstStyle/>
+          <a:p>
+            <a:endParaRPr lang="es-ES"/>
+          </a:p>
+        </p:txBody>
+      </p:sp>
+      <p:sp>
+        <p:nvSpPr>
+          <p:cNvPr id="7" name="Slide Number Placeholder 6"/>
+          <p:cNvSpPr>
+            <a:spLocks noGrp="1"/>
+          </p:cNvSpPr>
+          <p:nvPr>
+            <p:ph type="sldNum" sz="quarter" idx="12"/>
+          </p:nvPr>
+        </p:nvSpPr>
+        <p:spPr>
+          <a:xfrm>
+            <a:off x="3647017" y="5915887"/>
+            <a:ext cx="796616" cy="490599"/>
+          </a:xfrm>
+        </p:spPr>
+        <p:txBody>
+          <a:bodyPr/>
+          <a:lstStyle/>
+          <a:p>
+            <a:fld id="{225972F6-3437-45F7-9AF0-D730FCD10A9C}" type="slidenum">
+              <a:rPr lang="es-ES" smtClean="0"/>
+              <a:pPr/>
+              <a:t>‹Nº›</a:t>
+            </a:fld>
+            <a:endParaRPr lang="es-ES"/>
+          </a:p>
+        </p:txBody>
+      </p:sp>
+    </p:spTree>
+    <p:extLst>
+      <p:ext uri="{BB962C8B-B14F-4D97-AF65-F5344CB8AC3E}">
+        <p14:creationId xmlns:p14="http://schemas.microsoft.com/office/powerpoint/2010/main" val="406659837"/>
+      </p:ext>
+    </p:extLst>
+  </p:cSld>
+  <p:clrMapOvr>
+    <a:masterClrMapping/>
+  </p:clrMapOvr>
+</p:sldLayout>
+</file>
+
+<file path=ppt/slideMasters/slideMaster1.xml><?xml version="1.0" encoding="utf-8"?>
+<p:sldMaster xmlns:a="http://schemas.openxmlformats.org/drawingml/2006/main" xmlns:r="http://schemas.openxmlformats.org/officeDocument/2006/relationships" xmlns:p="http://schemas.openxmlformats.org/presentationml/2006/main">
+  <p:cSld>
     <p:bg>
       <p:bgRef idx="1001">
         <a:schemeClr val="bg2"/>
@@ -2786,7 +4845,7 @@
       </p:grpSpPr>
       <p:sp>
         <p:nvSpPr>
-          <p:cNvPr id="2" name="1 Título"/>
+          <p:cNvPr id="2" name="Title Placeholder 1"/>
           <p:cNvSpPr>
             <a:spLocks noGrp="1"/>
           </p:cNvSpPr>
@@ -2796,704 +4855,207 @@
         </p:nvSpPr>
         <p:spPr>
           <a:xfrm>
-            <a:off x="164592" y="155448"/>
-            <a:ext cx="2525150" cy="978408"/>
-          </a:xfrm>
-        </p:spPr>
-        <p:txBody>
-          <a:bodyPr lIns="73152" bIns="0" anchor="b">
-            <a:sp3d prstMaterial="matte"/>
-          </a:bodyPr>
-          <a:lstStyle>
-            <a:lvl1pPr algn="l">
-              <a:defRPr sz="2000" b="0"/>
-            </a:lvl1pPr>
-            <a:extLst/>
-          </a:lstStyle>
-          <a:p>
-            <a:r>
-              <a:rPr kumimoji="0" lang="es-ES" smtClean="0"/>
-              <a:t>Haga clic para modificar el estilo de título del patrón</a:t>
-            </a:r>
-            <a:endParaRPr kumimoji="0" lang="en-US"/>
-          </a:p>
-        </p:txBody>
-      </p:sp>
-      <p:sp>
-        <p:nvSpPr>
-          <p:cNvPr id="3" name="2 Marcador de posición de imagen"/>
-          <p:cNvSpPr>
-            <a:spLocks noGrp="1"/>
-          </p:cNvSpPr>
-          <p:nvPr>
-            <p:ph type="pic" idx="1"/>
-          </p:nvPr>
-        </p:nvSpPr>
-        <p:spPr>
-          <a:xfrm>
-            <a:off x="2903805" y="1484808"/>
-            <a:ext cx="6247397" cy="5373192"/>
-          </a:xfrm>
-          <a:solidFill>
-            <a:schemeClr val="bg2">
-              <a:shade val="75000"/>
-            </a:schemeClr>
-          </a:solidFill>
-        </p:spPr>
-        <p:txBody>
-          <a:bodyPr/>
-          <a:lstStyle>
-            <a:lvl1pPr marL="0" indent="0">
-              <a:buNone/>
-              <a:defRPr sz="3200"/>
-            </a:lvl1pPr>
-            <a:lvl2pPr marL="457200" indent="0">
-              <a:buNone/>
-              <a:defRPr sz="2800"/>
-            </a:lvl2pPr>
-            <a:lvl3pPr marL="914400" indent="0">
-              <a:buNone/>
-              <a:defRPr sz="2400"/>
-            </a:lvl3pPr>
-            <a:lvl4pPr marL="1371600" indent="0">
-              <a:buNone/>
-              <a:defRPr sz="2000"/>
-            </a:lvl4pPr>
-            <a:lvl5pPr marL="1828800" indent="0">
-              <a:buNone/>
-              <a:defRPr sz="2000"/>
-            </a:lvl5pPr>
-            <a:lvl6pPr marL="2286000" indent="0">
-              <a:buNone/>
-              <a:defRPr sz="2000"/>
-            </a:lvl6pPr>
-            <a:lvl7pPr marL="2743200" indent="0">
-              <a:buNone/>
-              <a:defRPr sz="2000"/>
-            </a:lvl7pPr>
-            <a:lvl8pPr marL="3200400" indent="0">
-              <a:buNone/>
-              <a:defRPr sz="2000"/>
-            </a:lvl8pPr>
-            <a:lvl9pPr marL="3657600" indent="0">
-              <a:buNone/>
-              <a:defRPr sz="2000"/>
-            </a:lvl9pPr>
-            <a:extLst/>
-          </a:lstStyle>
-          <a:p>
-            <a:r>
-              <a:rPr kumimoji="0" lang="es-ES" smtClean="0"/>
-              <a:t>Haga clic en el icono para agregar una imagen</a:t>
-            </a:r>
-            <a:endParaRPr kumimoji="0" lang="en-US" dirty="0"/>
-          </a:p>
-        </p:txBody>
-      </p:sp>
-      <p:sp>
-        <p:nvSpPr>
-          <p:cNvPr id="4" name="3 Marcador de texto"/>
-          <p:cNvSpPr>
-            <a:spLocks noGrp="1"/>
-          </p:cNvSpPr>
-          <p:nvPr>
-            <p:ph type="body" sz="half" idx="2"/>
-          </p:nvPr>
-        </p:nvSpPr>
-        <p:spPr>
-          <a:xfrm>
-            <a:off x="164592" y="1728216"/>
-            <a:ext cx="2468880" cy="4572000"/>
-          </a:xfrm>
-        </p:spPr>
-        <p:txBody>
-          <a:bodyPr/>
-          <a:lstStyle>
-            <a:lvl1pPr marL="0" indent="0">
-              <a:buNone/>
-              <a:defRPr sz="1400"/>
-            </a:lvl1pPr>
-            <a:lvl2pPr marL="457200" indent="0">
-              <a:buNone/>
-              <a:defRPr sz="1200"/>
-            </a:lvl2pPr>
-            <a:lvl3pPr marL="914400" indent="0">
-              <a:buNone/>
-              <a:defRPr sz="1000"/>
-            </a:lvl3pPr>
-            <a:lvl4pPr marL="1371600" indent="0">
-              <a:buNone/>
-              <a:defRPr sz="900"/>
-            </a:lvl4pPr>
-            <a:lvl5pPr marL="1828800" indent="0">
-              <a:buNone/>
-              <a:defRPr sz="900"/>
-            </a:lvl5pPr>
-            <a:lvl6pPr marL="2286000" indent="0">
-              <a:buNone/>
-              <a:defRPr sz="900"/>
-            </a:lvl6pPr>
-            <a:lvl7pPr marL="2743200" indent="0">
-              <a:buNone/>
-              <a:defRPr sz="900"/>
-            </a:lvl7pPr>
-            <a:lvl8pPr marL="3200400" indent="0">
-              <a:buNone/>
-              <a:defRPr sz="900"/>
-            </a:lvl8pPr>
-            <a:lvl9pPr marL="3657600" indent="0">
-              <a:buNone/>
-              <a:defRPr sz="900"/>
-            </a:lvl9pPr>
-            <a:extLst/>
-          </a:lstStyle>
-          <a:p>
-            <a:pPr lvl="0" eaLnBrk="1" latinLnBrk="0" hangingPunct="1"/>
-            <a:r>
-              <a:rPr kumimoji="0" lang="es-ES" smtClean="0"/>
-              <a:t>Haga clic para modificar el estilo de texto del patrón</a:t>
-            </a:r>
-          </a:p>
-        </p:txBody>
-      </p:sp>
-      <p:sp>
-        <p:nvSpPr>
-          <p:cNvPr id="5" name="4 Marcador de fecha"/>
-          <p:cNvSpPr>
-            <a:spLocks noGrp="1"/>
-          </p:cNvSpPr>
-          <p:nvPr>
-            <p:ph type="dt" sz="half" idx="10"/>
-          </p:nvPr>
-        </p:nvSpPr>
-        <p:spPr>
-          <a:xfrm>
-            <a:off x="164592" y="1170432"/>
-            <a:ext cx="2523744" cy="201168"/>
-          </a:xfrm>
-        </p:spPr>
-        <p:txBody>
-          <a:bodyPr/>
-          <a:lstStyle/>
-          <a:p>
-            <a:fld id="{593D2309-033C-4A43-918B-33F93F9CAC7F}" type="datetimeFigureOut">
-              <a:rPr lang="es-ES" smtClean="0"/>
-              <a:pPr/>
-              <a:t>10/02/2019</a:t>
-            </a:fld>
-            <a:endParaRPr lang="es-ES"/>
-          </a:p>
-        </p:txBody>
-      </p:sp>
-      <p:sp>
-        <p:nvSpPr>
-          <p:cNvPr id="11" name="10 Rectángulo"/>
-          <p:cNvSpPr/>
-          <p:nvPr/>
-        </p:nvSpPr>
-        <p:spPr>
-          <a:xfrm>
-            <a:off x="2855737" y="0"/>
-            <a:ext cx="45720" cy="6858000"/>
+            <a:off x="809997" y="447188"/>
+            <a:ext cx="7524003" cy="970450"/>
           </a:xfrm>
           <a:prstGeom prst="rect">
             <a:avLst/>
           </a:prstGeom>
-          <a:solidFill>
-            <a:srgbClr val="FFFFFF"/>
-          </a:solidFill>
-          <a:ln w="48000" cap="flat" cmpd="thickThin" algn="ctr">
-            <a:noFill/>
-            <a:prstDash val="solid"/>
-          </a:ln>
-        </p:spPr>
-        <p:style>
-          <a:lnRef idx="2">
-            <a:schemeClr val="accent1"/>
-          </a:lnRef>
-          <a:fillRef idx="1">
-            <a:schemeClr val="accent1"/>
-          </a:fillRef>
-          <a:effectRef idx="0">
-            <a:schemeClr val="accent1"/>
-          </a:effectRef>
-          <a:fontRef idx="minor">
-            <a:schemeClr val="lt1"/>
-          </a:fontRef>
-        </p:style>
-        <p:txBody>
-          <a:bodyPr rtlCol="0" anchor="ctr"/>
-          <a:lstStyle>
-            <a:extLst/>
-          </a:lstStyle>
-          <a:p>
-            <a:pPr algn="ctr" eaLnBrk="1" latinLnBrk="0" hangingPunct="1"/>
-            <a:endParaRPr kumimoji="0" lang="en-US"/>
-          </a:p>
-        </p:txBody>
-      </p:sp>
-      <p:sp>
-        <p:nvSpPr>
-          <p:cNvPr id="9" name="8 Rectángulo"/>
-          <p:cNvSpPr/>
-          <p:nvPr/>
-        </p:nvSpPr>
-        <p:spPr bwMode="invGray">
-          <a:xfrm>
-            <a:off x="2855737" y="0"/>
-            <a:ext cx="45720" cy="6858000"/>
-          </a:xfrm>
-          <a:prstGeom prst="rect">
-            <a:avLst/>
-          </a:prstGeom>
-          <a:solidFill>
-            <a:srgbClr val="FFFFFF"/>
-          </a:solidFill>
-          <a:ln w="48000" cap="flat" cmpd="thickThin" algn="ctr">
-            <a:noFill/>
-            <a:prstDash val="solid"/>
-          </a:ln>
-        </p:spPr>
-        <p:style>
-          <a:lnRef idx="2">
-            <a:schemeClr val="accent1"/>
-          </a:lnRef>
-          <a:fillRef idx="1">
-            <a:schemeClr val="accent1"/>
-          </a:fillRef>
-          <a:effectRef idx="0">
-            <a:schemeClr val="accent1"/>
-          </a:effectRef>
-          <a:fontRef idx="minor">
-            <a:schemeClr val="lt1"/>
-          </a:fontRef>
-        </p:style>
-        <p:txBody>
-          <a:bodyPr rtlCol="0" anchor="ctr"/>
-          <a:lstStyle>
-            <a:extLst/>
-          </a:lstStyle>
-          <a:p>
-            <a:pPr algn="ctr" eaLnBrk="1" latinLnBrk="0" hangingPunct="1"/>
-            <a:endParaRPr kumimoji="0" lang="en-US"/>
-          </a:p>
-        </p:txBody>
-      </p:sp>
-      <p:sp>
-        <p:nvSpPr>
-          <p:cNvPr id="6" name="5 Marcador de pie de página"/>
-          <p:cNvSpPr>
-            <a:spLocks noGrp="1"/>
-          </p:cNvSpPr>
-          <p:nvPr>
-            <p:ph type="ftr" sz="quarter" idx="11"/>
-          </p:nvPr>
-        </p:nvSpPr>
-        <p:spPr>
-          <a:xfrm>
-            <a:off x="3035808" y="1170432"/>
-            <a:ext cx="5193792" cy="201168"/>
-          </a:xfrm>
-        </p:spPr>
-        <p:txBody>
-          <a:bodyPr/>
-          <a:lstStyle>
-            <a:lvl1pPr>
-              <a:defRPr>
-                <a:solidFill>
-                  <a:schemeClr val="bg1">
-                    <a:shade val="50000"/>
-                  </a:schemeClr>
-                </a:solidFill>
-              </a:defRPr>
-            </a:lvl1pPr>
-          </a:lstStyle>
-          <a:p>
-            <a:endParaRPr lang="es-ES"/>
-          </a:p>
-        </p:txBody>
-      </p:sp>
-      <p:sp>
-        <p:nvSpPr>
-          <p:cNvPr id="7" name="6 Marcador de número de diapositiva"/>
-          <p:cNvSpPr>
-            <a:spLocks noGrp="1"/>
-          </p:cNvSpPr>
-          <p:nvPr>
-            <p:ph type="sldNum" sz="quarter" idx="12"/>
-          </p:nvPr>
-        </p:nvSpPr>
-        <p:spPr>
-          <a:xfrm>
-            <a:off x="8339328" y="1170432"/>
-            <a:ext cx="733864" cy="201168"/>
-          </a:xfrm>
-        </p:spPr>
-        <p:txBody>
-          <a:bodyPr/>
-          <a:lstStyle/>
-          <a:p>
-            <a:fld id="{225972F6-3437-45F7-9AF0-D730FCD10A9C}" type="slidenum">
-              <a:rPr lang="es-ES" smtClean="0"/>
-              <a:pPr/>
-              <a:t>‹Nº›</a:t>
-            </a:fld>
-            <a:endParaRPr lang="es-ES"/>
-          </a:p>
-        </p:txBody>
-      </p:sp>
-    </p:spTree>
-  </p:cSld>
-  <p:clrMapOvr>
-    <a:overrideClrMapping bg1="lt1" tx1="dk1" bg2="lt2" tx2="dk2" accent1="accent1" accent2="accent2" accent3="accent3" accent4="accent4" accent5="accent5" accent6="accent6" hlink="hlink" folHlink="folHlink"/>
-  </p:clrMapOvr>
-</p:sldLayout>
-</file>
-
-<file path=ppt/slideMasters/slideMaster1.xml><?xml version="1.0" encoding="utf-8"?>
-<p:sldMaster xmlns:a="http://schemas.openxmlformats.org/drawingml/2006/main" xmlns:r="http://schemas.openxmlformats.org/officeDocument/2006/relationships" xmlns:p="http://schemas.openxmlformats.org/presentationml/2006/main">
-  <p:cSld>
-    <p:bg>
-      <p:bgRef idx="1001">
-        <a:schemeClr val="bg1"/>
-      </p:bgRef>
-    </p:bg>
-    <p:spTree>
-      <p:nvGrpSpPr>
-        <p:cNvPr id="1" name=""/>
-        <p:cNvGrpSpPr/>
-        <p:nvPr/>
-      </p:nvGrpSpPr>
-      <p:grpSpPr>
-        <a:xfrm>
-          <a:off x="0" y="0"/>
-          <a:ext cx="0" cy="0"/>
-          <a:chOff x="0" y="0"/>
-          <a:chExt cx="0" cy="0"/>
-        </a:xfrm>
-      </p:grpSpPr>
-      <p:sp>
-        <p:nvSpPr>
-          <p:cNvPr id="10" name="9 Rectángulo"/>
-          <p:cNvSpPr/>
-          <p:nvPr/>
-        </p:nvSpPr>
-        <p:spPr bwMode="invGray">
-          <a:xfrm>
-            <a:off x="0" y="1435895"/>
-            <a:ext cx="9144000" cy="45720"/>
-          </a:xfrm>
-          <a:prstGeom prst="rect">
-            <a:avLst/>
-          </a:prstGeom>
-          <a:solidFill>
-            <a:srgbClr val="FFFFFF"/>
-          </a:solidFill>
-          <a:ln w="48000" cap="flat" cmpd="thickThin" algn="ctr">
-            <a:noFill/>
-            <a:prstDash val="solid"/>
-          </a:ln>
           <a:effectLst>
-            <a:outerShdw blurRad="31750" dist="10160" dir="5400000" algn="tl" rotWithShape="0">
+            <a:outerShdw blurRad="50800" dir="14400000">
               <a:srgbClr val="000000">
                 <a:alpha val="60000"/>
               </a:srgbClr>
             </a:outerShdw>
           </a:effectLst>
         </p:spPr>
-        <p:style>
-          <a:lnRef idx="2">
-            <a:schemeClr val="accent1"/>
-          </a:lnRef>
-          <a:fillRef idx="1">
-            <a:schemeClr val="accent1"/>
-          </a:fillRef>
-          <a:effectRef idx="0">
-            <a:schemeClr val="accent1"/>
-          </a:effectRef>
-          <a:fontRef idx="minor">
-            <a:schemeClr val="lt1"/>
-          </a:fontRef>
-        </p:style>
-        <p:txBody>
-          <a:bodyPr rtlCol="0" anchor="ctr"/>
-          <a:lstStyle>
-            <a:extLst/>
-          </a:lstStyle>
-          <a:p>
-            <a:pPr algn="ctr" eaLnBrk="1" latinLnBrk="0" hangingPunct="1"/>
-            <a:endParaRPr kumimoji="0" lang="en-US"/>
-          </a:p>
-        </p:txBody>
-      </p:sp>
-      <p:sp>
-        <p:nvSpPr>
-          <p:cNvPr id="7" name="6 Rectángulo"/>
-          <p:cNvSpPr/>
-          <p:nvPr/>
-        </p:nvSpPr>
-        <p:spPr bwMode="ltGray">
+        <p:txBody>
+          <a:bodyPr vert="horz" lIns="91440" tIns="45720" rIns="91440" bIns="45720" rtlCol="0" anchor="b">
+            <a:noAutofit/>
+          </a:bodyPr>
+          <a:lstStyle/>
+          <a:p>
+            <a:r>
+              <a:rPr lang="es-ES" smtClean="0"/>
+              <a:t>Haga clic para modificar el estilo de título del patrón</a:t>
+            </a:r>
+            <a:endParaRPr lang="en-US" dirty="0"/>
+          </a:p>
+        </p:txBody>
+      </p:sp>
+      <p:sp>
+        <p:nvSpPr>
+          <p:cNvPr id="3" name="Text Placeholder 2"/>
+          <p:cNvSpPr>
+            <a:spLocks noGrp="1"/>
+          </p:cNvSpPr>
+          <p:nvPr>
+            <p:ph type="body" idx="1"/>
+          </p:nvPr>
+        </p:nvSpPr>
+        <p:spPr>
           <a:xfrm>
-            <a:off x="0" y="0"/>
-            <a:ext cx="9143999" cy="1433733"/>
+            <a:off x="809997" y="2184400"/>
+            <a:ext cx="7524003" cy="3674397"/>
           </a:xfrm>
           <a:prstGeom prst="rect">
             <a:avLst/>
           </a:prstGeom>
-          <a:solidFill>
-            <a:srgbClr val="000000"/>
-          </a:solidFill>
-          <a:ln w="48000" cap="flat" cmpd="thickThin" algn="ctr">
-            <a:noFill/>
-            <a:prstDash val="solid"/>
-          </a:ln>
+          <a:effectLst>
+            <a:outerShdw blurRad="50800" dir="14400000">
+              <a:srgbClr val="000000">
+                <a:alpha val="40000"/>
+              </a:srgbClr>
+            </a:outerShdw>
+          </a:effectLst>
         </p:spPr>
-        <p:style>
-          <a:lnRef idx="2">
-            <a:schemeClr val="accent1"/>
-          </a:lnRef>
-          <a:fillRef idx="1">
-            <a:schemeClr val="accent1"/>
-          </a:fillRef>
-          <a:effectRef idx="0">
-            <a:schemeClr val="accent1"/>
-          </a:effectRef>
-          <a:fontRef idx="minor">
-            <a:schemeClr val="lt1"/>
-          </a:fontRef>
-        </p:style>
-        <p:txBody>
-          <a:bodyPr rtlCol="0" anchor="ctr"/>
-          <a:lstStyle>
-            <a:extLst/>
-          </a:lstStyle>
-          <a:p>
-            <a:pPr algn="ctr" eaLnBrk="1" latinLnBrk="0" hangingPunct="1"/>
-            <a:endParaRPr kumimoji="0" lang="en-US"/>
-          </a:p>
-        </p:txBody>
-      </p:sp>
-      <p:sp>
-        <p:nvSpPr>
-          <p:cNvPr id="2" name="1 Marcador de título"/>
-          <p:cNvSpPr>
-            <a:spLocks noGrp="1"/>
-          </p:cNvSpPr>
-          <p:nvPr>
-            <p:ph type="title"/>
+        <p:txBody>
+          <a:bodyPr vert="horz" lIns="91440" tIns="45720" rIns="91440" bIns="45720" rtlCol="0" anchor="ctr">
+            <a:normAutofit/>
+          </a:bodyPr>
+          <a:lstStyle/>
+          <a:p>
+            <a:pPr lvl="0"/>
+            <a:r>
+              <a:rPr lang="es-ES" smtClean="0"/>
+              <a:t>Editar el estilo de texto del patrón</a:t>
+            </a:r>
+          </a:p>
+          <a:p>
+            <a:pPr lvl="1"/>
+            <a:r>
+              <a:rPr lang="es-ES" smtClean="0"/>
+              <a:t>Segundo nivel</a:t>
+            </a:r>
+          </a:p>
+          <a:p>
+            <a:pPr lvl="2"/>
+            <a:r>
+              <a:rPr lang="es-ES" smtClean="0"/>
+              <a:t>Tercer nivel</a:t>
+            </a:r>
+          </a:p>
+          <a:p>
+            <a:pPr lvl="3"/>
+            <a:r>
+              <a:rPr lang="es-ES" smtClean="0"/>
+              <a:t>Cuarto nivel</a:t>
+            </a:r>
+          </a:p>
+          <a:p>
+            <a:pPr lvl="4"/>
+            <a:r>
+              <a:rPr lang="es-ES" smtClean="0"/>
+              <a:t>Quinto nivel</a:t>
+            </a:r>
+            <a:endParaRPr lang="en-US" dirty="0"/>
+          </a:p>
+        </p:txBody>
+      </p:sp>
+      <p:sp>
+        <p:nvSpPr>
+          <p:cNvPr id="5" name="Footer Placeholder 4"/>
+          <p:cNvSpPr>
+            <a:spLocks noGrp="1"/>
+          </p:cNvSpPr>
+          <p:nvPr>
+            <p:ph type="ftr" sz="quarter" idx="3"/>
           </p:nvPr>
         </p:nvSpPr>
         <p:spPr>
           <a:xfrm>
-            <a:off x="457200" y="152400"/>
-            <a:ext cx="8229600" cy="1251062"/>
+            <a:off x="442797" y="6041361"/>
+            <a:ext cx="6289532" cy="365125"/>
           </a:xfrm>
           <a:prstGeom prst="rect">
             <a:avLst/>
           </a:prstGeom>
         </p:spPr>
         <p:txBody>
-          <a:bodyPr vert="horz" lIns="91440" rIns="45720" rtlCol="0" anchor="ctr">
-            <a:normAutofit/>
-            <a:scene3d>
-              <a:camera prst="orthographicFront"/>
-              <a:lightRig rig="threePt" dir="t">
-                <a:rot lat="0" lon="0" rev="4800000"/>
-              </a:lightRig>
-            </a:scene3d>
-            <a:sp3d prstMaterial="matte">
-              <a:bevelT w="50800" h="10160"/>
-            </a:sp3d>
-          </a:bodyPr>
+          <a:bodyPr vert="horz" lIns="91440" tIns="45720" rIns="91440" bIns="45720" rtlCol="0" anchor="b"/>
           <a:lstStyle>
-            <a:extLst/>
+            <a:lvl1pPr algn="l">
+              <a:defRPr sz="900">
+                <a:solidFill>
+                  <a:schemeClr val="tx1"/>
+                </a:solidFill>
+              </a:defRPr>
+            </a:lvl1pPr>
           </a:lstStyle>
           <a:p>
-            <a:r>
-              <a:rPr kumimoji="0" lang="es-ES" smtClean="0"/>
-              <a:t>Haga clic para modificar el estilo de título del patrón</a:t>
-            </a:r>
-            <a:endParaRPr kumimoji="0" lang="en-US"/>
-          </a:p>
-        </p:txBody>
-      </p:sp>
-      <p:sp>
-        <p:nvSpPr>
-          <p:cNvPr id="3" name="2 Marcador de texto"/>
-          <p:cNvSpPr>
-            <a:spLocks noGrp="1"/>
-          </p:cNvSpPr>
-          <p:nvPr>
-            <p:ph type="body" idx="1"/>
+            <a:endParaRPr lang="es-ES"/>
+          </a:p>
+        </p:txBody>
+      </p:sp>
+      <p:sp>
+        <p:nvSpPr>
+          <p:cNvPr id="4" name="Date Placeholder 3"/>
+          <p:cNvSpPr>
+            <a:spLocks noGrp="1"/>
+          </p:cNvSpPr>
+          <p:nvPr>
+            <p:ph type="dt" sz="half" idx="2"/>
           </p:nvPr>
         </p:nvSpPr>
         <p:spPr>
           <a:xfrm>
-            <a:off x="457200" y="1775191"/>
-            <a:ext cx="8229600" cy="4625609"/>
+            <a:off x="6911422" y="6041361"/>
+            <a:ext cx="993161" cy="365125"/>
           </a:xfrm>
           <a:prstGeom prst="rect">
             <a:avLst/>
           </a:prstGeom>
         </p:spPr>
         <p:txBody>
-          <a:bodyPr vert="horz" lIns="54864" tIns="91440" rtlCol="0">
-            <a:normAutofit/>
-          </a:bodyPr>
+          <a:bodyPr vert="horz" lIns="91440" tIns="45720" rIns="91440" bIns="45720" rtlCol="0" anchor="b"/>
           <a:lstStyle>
-            <a:extLst/>
+            <a:lvl1pPr algn="r">
+              <a:defRPr sz="900">
+                <a:solidFill>
+                  <a:schemeClr val="tx1"/>
+                </a:solidFill>
+              </a:defRPr>
+            </a:lvl1pPr>
           </a:lstStyle>
           <a:p>
-            <a:pPr lvl="0" eaLnBrk="1" latinLnBrk="0" hangingPunct="1"/>
-            <a:r>
-              <a:rPr kumimoji="0" lang="es-ES" smtClean="0"/>
-              <a:t>Haga clic para modificar el estilo de texto del patrón</a:t>
-            </a:r>
-          </a:p>
-          <a:p>
-            <a:pPr lvl="1" eaLnBrk="1" latinLnBrk="0" hangingPunct="1"/>
-            <a:r>
-              <a:rPr kumimoji="0" lang="es-ES" smtClean="0"/>
-              <a:t>Segundo nivel</a:t>
-            </a:r>
-          </a:p>
-          <a:p>
-            <a:pPr lvl="2" eaLnBrk="1" latinLnBrk="0" hangingPunct="1"/>
-            <a:r>
-              <a:rPr kumimoji="0" lang="es-ES" smtClean="0"/>
-              <a:t>Tercer nivel</a:t>
-            </a:r>
-          </a:p>
-          <a:p>
-            <a:pPr lvl="3" eaLnBrk="1" latinLnBrk="0" hangingPunct="1"/>
-            <a:r>
-              <a:rPr kumimoji="0" lang="es-ES" smtClean="0"/>
-              <a:t>Cuarto nivel</a:t>
-            </a:r>
-          </a:p>
-          <a:p>
-            <a:pPr lvl="4" eaLnBrk="1" latinLnBrk="0" hangingPunct="1"/>
-            <a:r>
-              <a:rPr kumimoji="0" lang="es-ES" smtClean="0"/>
-              <a:t>Quinto nivel</a:t>
-            </a:r>
-            <a:endParaRPr kumimoji="0" lang="en-US"/>
-          </a:p>
-        </p:txBody>
-      </p:sp>
-      <p:sp>
-        <p:nvSpPr>
-          <p:cNvPr id="4" name="3 Marcador de fecha"/>
-          <p:cNvSpPr>
-            <a:spLocks noGrp="1"/>
-          </p:cNvSpPr>
-          <p:nvPr>
-            <p:ph type="dt" sz="half" idx="2"/>
+            <a:fld id="{593D2309-033C-4A43-918B-33F93F9CAC7F}" type="datetimeFigureOut">
+              <a:rPr lang="es-ES" smtClean="0"/>
+              <a:pPr/>
+              <a:t>10/02/2019</a:t>
+            </a:fld>
+            <a:endParaRPr lang="es-ES"/>
+          </a:p>
+        </p:txBody>
+      </p:sp>
+      <p:sp>
+        <p:nvSpPr>
+          <p:cNvPr id="6" name="Slide Number Placeholder 5"/>
+          <p:cNvSpPr>
+            <a:spLocks noGrp="1"/>
+          </p:cNvSpPr>
+          <p:nvPr>
+            <p:ph type="sldNum" sz="quarter" idx="4"/>
           </p:nvPr>
         </p:nvSpPr>
         <p:spPr>
           <a:xfrm>
-            <a:off x="457200" y="6476999"/>
-            <a:ext cx="2133600" cy="274320"/>
+            <a:off x="7904584" y="5915887"/>
+            <a:ext cx="796616" cy="490599"/>
           </a:xfrm>
           <a:prstGeom prst="rect">
             <a:avLst/>
           </a:prstGeom>
         </p:spPr>
         <p:txBody>
-          <a:bodyPr vert="horz" lIns="109728" rIns="45720" bIns="0" rtlCol="0" anchor="b"/>
+          <a:bodyPr vert="horz" lIns="91440" tIns="45720" rIns="91440" bIns="10800" rtlCol="0" anchor="b"/>
           <a:lstStyle>
-            <a:lvl1pPr algn="l" eaLnBrk="1" latinLnBrk="0" hangingPunct="1">
-              <a:defRPr kumimoji="0" sz="1200">
+            <a:lvl1pPr algn="r">
+              <a:defRPr sz="2000">
                 <a:solidFill>
-                  <a:schemeClr val="tx1">
-                    <a:tint val="95000"/>
-                  </a:schemeClr>
+                  <a:schemeClr val="accent1"/>
                 </a:solidFill>
               </a:defRPr>
             </a:lvl1pPr>
-            <a:extLst/>
-          </a:lstStyle>
-          <a:p>
-            <a:fld id="{593D2309-033C-4A43-918B-33F93F9CAC7F}" type="datetimeFigureOut">
-              <a:rPr lang="es-ES" smtClean="0"/>
-              <a:pPr/>
-              <a:t>10/02/2019</a:t>
-            </a:fld>
-            <a:endParaRPr lang="es-ES"/>
-          </a:p>
-        </p:txBody>
-      </p:sp>
-      <p:sp>
-        <p:nvSpPr>
-          <p:cNvPr id="5" name="4 Marcador de pie de página"/>
-          <p:cNvSpPr>
-            <a:spLocks noGrp="1"/>
-          </p:cNvSpPr>
-          <p:nvPr>
-            <p:ph type="ftr" sz="quarter" idx="3"/>
-          </p:nvPr>
-        </p:nvSpPr>
-        <p:spPr>
-          <a:xfrm>
-            <a:off x="2640596" y="6476999"/>
-            <a:ext cx="5507719" cy="274320"/>
-          </a:xfrm>
-          <a:prstGeom prst="rect">
-            <a:avLst/>
-          </a:prstGeom>
-        </p:spPr>
-        <p:txBody>
-          <a:bodyPr vert="horz" lIns="45720" rIns="45720" bIns="0" rtlCol="0" anchor="b"/>
-          <a:lstStyle>
-            <a:lvl1pPr algn="l" eaLnBrk="1" latinLnBrk="0" hangingPunct="1">
-              <a:defRPr kumimoji="0" sz="1200">
-                <a:solidFill>
-                  <a:schemeClr val="tx1">
-                    <a:tint val="95000"/>
-                  </a:schemeClr>
-                </a:solidFill>
-              </a:defRPr>
-            </a:lvl1pPr>
-            <a:extLst/>
-          </a:lstStyle>
-          <a:p>
-            <a:endParaRPr lang="es-ES"/>
-          </a:p>
-        </p:txBody>
-      </p:sp>
-      <p:sp>
-        <p:nvSpPr>
-          <p:cNvPr id="6" name="5 Marcador de número de diapositiva"/>
-          <p:cNvSpPr>
-            <a:spLocks noGrp="1"/>
-          </p:cNvSpPr>
-          <p:nvPr>
-            <p:ph type="sldNum" sz="quarter" idx="4"/>
-          </p:nvPr>
-        </p:nvSpPr>
-        <p:spPr>
-          <a:xfrm>
-            <a:off x="8204396" y="6476999"/>
-            <a:ext cx="733864" cy="274320"/>
-          </a:xfrm>
-          <a:prstGeom prst="rect">
-            <a:avLst/>
-          </a:prstGeom>
-        </p:spPr>
-        <p:txBody>
-          <a:bodyPr vert="horz" bIns="0" rtlCol="0" anchor="b"/>
-          <a:lstStyle>
-            <a:lvl1pPr algn="r" eaLnBrk="1" latinLnBrk="0" hangingPunct="1">
-              <a:defRPr kumimoji="0" sz="1200">
-                <a:solidFill>
-                  <a:schemeClr val="tx1">
-                    <a:tint val="95000"/>
-                  </a:schemeClr>
-                </a:solidFill>
-              </a:defRPr>
-            </a:lvl1pPr>
-            <a:extLst/>
           </a:lstStyle>
           <a:p>
             <a:fld id="{225972F6-3437-45F7-9AF0-D730FCD10A9C}" type="slidenum">
@@ -3506,54 +5068,116 @@
         </p:txBody>
       </p:sp>
     </p:spTree>
+    <p:extLst>
+      <p:ext uri="{BB962C8B-B14F-4D97-AF65-F5344CB8AC3E}">
+        <p14:creationId xmlns:p14="http://schemas.microsoft.com/office/powerpoint/2010/main" val="1124344524"/>
+      </p:ext>
+    </p:extLst>
   </p:cSld>
-  <p:clrMap bg1="lt1" tx1="dk1" bg2="lt2" tx2="dk2" accent1="accent1" accent2="accent2" accent3="accent3" accent4="accent4" accent5="accent5" accent6="accent6" hlink="hlink" folHlink="folHlink"/>
+  <p:clrMap bg1="dk1" tx1="lt1" bg2="dk2" tx2="lt2" accent1="accent1" accent2="accent2" accent3="accent3" accent4="accent4" accent5="accent5" accent6="accent6" hlink="hlink" folHlink="folHlink"/>
   <p:sldLayoutIdLst>
-    <p:sldLayoutId id="2147483733" r:id="rId1"/>
-    <p:sldLayoutId id="2147483734" r:id="rId2"/>
-    <p:sldLayoutId id="2147483735" r:id="rId3"/>
-    <p:sldLayoutId id="2147483736" r:id="rId4"/>
-    <p:sldLayoutId id="2147483737" r:id="rId5"/>
-    <p:sldLayoutId id="2147483738" r:id="rId6"/>
-    <p:sldLayoutId id="2147483739" r:id="rId7"/>
-    <p:sldLayoutId id="2147483740" r:id="rId8"/>
-    <p:sldLayoutId id="2147483741" r:id="rId9"/>
-    <p:sldLayoutId id="2147483742" r:id="rId10"/>
-    <p:sldLayoutId id="2147483743" r:id="rId11"/>
+    <p:sldLayoutId id="2147483745" r:id="rId1"/>
+    <p:sldLayoutId id="2147483746" r:id="rId2"/>
+    <p:sldLayoutId id="2147483747" r:id="rId3"/>
+    <p:sldLayoutId id="2147483748" r:id="rId4"/>
+    <p:sldLayoutId id="2147483749" r:id="rId5"/>
+    <p:sldLayoutId id="2147483750" r:id="rId6"/>
+    <p:sldLayoutId id="2147483751" r:id="rId7"/>
+    <p:sldLayoutId id="2147483752" r:id="rId8"/>
+    <p:sldLayoutId id="2147483753" r:id="rId9"/>
+    <p:sldLayoutId id="2147483754" r:id="rId10"/>
+    <p:sldLayoutId id="2147483755" r:id="rId11"/>
+    <p:sldLayoutId id="2147483756" r:id="rId12"/>
+    <p:sldLayoutId id="2147483757" r:id="rId13"/>
+    <p:sldLayoutId id="2147483758" r:id="rId14"/>
   </p:sldLayoutIdLst>
   <p:txStyles>
     <p:titleStyle>
-      <a:lvl1pPr algn="l" rtl="0" eaLnBrk="1" latinLnBrk="0" hangingPunct="1">
+      <a:lvl1pPr algn="l" defTabSz="457200" rtl="0" eaLnBrk="1" latinLnBrk="0" hangingPunct="1">
         <a:spcBef>
           <a:spcPct val="0"/>
         </a:spcBef>
         <a:buNone/>
-        <a:defRPr kumimoji="0" sz="4500" b="1" kern="1200">
+        <a:defRPr sz="4000" b="1" kern="1200">
           <a:solidFill>
-            <a:schemeClr val="accent1">
-              <a:satMod val="150000"/>
-            </a:schemeClr>
+            <a:srgbClr val="FEFEFE"/>
           </a:solidFill>
-          <a:effectLst/>
           <a:latin typeface="+mj-lt"/>
           <a:ea typeface="+mj-ea"/>
-          <a:cs typeface="+mj-cs"/>
+          <a:cs typeface="Trebuchet MS"/>
         </a:defRPr>
       </a:lvl1pPr>
-      <a:extLst/>
+      <a:lvl2pPr eaLnBrk="1" hangingPunct="1">
+        <a:defRPr>
+          <a:solidFill>
+            <a:schemeClr val="tx2"/>
+          </a:solidFill>
+        </a:defRPr>
+      </a:lvl2pPr>
+      <a:lvl3pPr eaLnBrk="1" hangingPunct="1">
+        <a:defRPr>
+          <a:solidFill>
+            <a:schemeClr val="tx2"/>
+          </a:solidFill>
+        </a:defRPr>
+      </a:lvl3pPr>
+      <a:lvl4pPr eaLnBrk="1" hangingPunct="1">
+        <a:defRPr>
+          <a:solidFill>
+            <a:schemeClr val="tx2"/>
+          </a:solidFill>
+        </a:defRPr>
+      </a:lvl4pPr>
+      <a:lvl5pPr eaLnBrk="1" hangingPunct="1">
+        <a:defRPr>
+          <a:solidFill>
+            <a:schemeClr val="tx2"/>
+          </a:solidFill>
+        </a:defRPr>
+      </a:lvl5pPr>
+      <a:lvl6pPr eaLnBrk="1" hangingPunct="1">
+        <a:defRPr>
+          <a:solidFill>
+            <a:schemeClr val="tx2"/>
+          </a:solidFill>
+        </a:defRPr>
+      </a:lvl6pPr>
+      <a:lvl7pPr eaLnBrk="1" hangingPunct="1">
+        <a:defRPr>
+          <a:solidFill>
+            <a:schemeClr val="tx2"/>
+          </a:solidFill>
+        </a:defRPr>
+      </a:lvl7pPr>
+      <a:lvl8pPr eaLnBrk="1" hangingPunct="1">
+        <a:defRPr>
+          <a:solidFill>
+            <a:schemeClr val="tx2"/>
+          </a:solidFill>
+        </a:defRPr>
+      </a:lvl8pPr>
+      <a:lvl9pPr eaLnBrk="1" hangingPunct="1">
+        <a:defRPr>
+          <a:solidFill>
+            <a:schemeClr val="tx2"/>
+          </a:solidFill>
+        </a:defRPr>
+      </a:lvl9pPr>
     </p:titleStyle>
     <p:bodyStyle>
-      <a:lvl1pPr marL="438912" indent="-320040" algn="l" rtl="0" eaLnBrk="1" latinLnBrk="0" hangingPunct="1">
+      <a:lvl1pPr marL="342900" indent="-342900" algn="l" defTabSz="457200" rtl="0" eaLnBrk="1" latinLnBrk="0" hangingPunct="1">
         <a:spcBef>
-          <a:spcPts val="0"/>
+          <a:spcPct val="20000"/>
         </a:spcBef>
+        <a:spcAft>
+          <a:spcPts val="600"/>
+        </a:spcAft>
         <a:buClr>
           <a:schemeClr val="accent1"/>
         </a:buClr>
-        <a:buSzPct val="80000"/>
-        <a:buFont typeface="Wingdings 2"/>
-        <a:buChar char=""/>
-        <a:defRPr kumimoji="0" sz="3200" kern="1200">
+        <a:buFont typeface="Wingdings 2" charset="2"/>
+        <a:buChar char=""/>
+        <a:defRPr sz="1800" kern="1200">
           <a:solidFill>
             <a:schemeClr val="tx1"/>
           </a:solidFill>
@@ -3562,17 +5186,19 @@
           <a:cs typeface="+mn-cs"/>
         </a:defRPr>
       </a:lvl1pPr>
-      <a:lvl2pPr marL="731520" indent="-274320" algn="l" rtl="0" eaLnBrk="1" latinLnBrk="0" hangingPunct="1">
+      <a:lvl2pPr marL="742950" indent="-285750" algn="l" defTabSz="457200" rtl="0" eaLnBrk="1" latinLnBrk="0" hangingPunct="1">
         <a:spcBef>
           <a:spcPct val="20000"/>
         </a:spcBef>
+        <a:spcAft>
+          <a:spcPts val="600"/>
+        </a:spcAft>
         <a:buClr>
-          <a:schemeClr val="accent2"/>
+          <a:schemeClr val="accent1"/>
         </a:buClr>
-        <a:buSzPct val="90000"/>
-        <a:buFont typeface="Wingdings"/>
-        <a:buChar char=""/>
-        <a:defRPr kumimoji="0" sz="2800" kern="1200">
+        <a:buFont typeface="Wingdings 2" charset="2"/>
+        <a:buChar char=""/>
+        <a:defRPr sz="1600" kern="1200">
           <a:solidFill>
             <a:schemeClr val="tx1"/>
           </a:solidFill>
@@ -3581,16 +5207,19 @@
           <a:cs typeface="+mn-cs"/>
         </a:defRPr>
       </a:lvl2pPr>
-      <a:lvl3pPr marL="996696" indent="-228600" algn="l" rtl="0" eaLnBrk="1" latinLnBrk="0" hangingPunct="1">
+      <a:lvl3pPr marL="1143000" indent="-228600" algn="l" defTabSz="457200" rtl="0" eaLnBrk="1" latinLnBrk="0" hangingPunct="1">
         <a:spcBef>
           <a:spcPct val="20000"/>
         </a:spcBef>
+        <a:spcAft>
+          <a:spcPts val="600"/>
+        </a:spcAft>
         <a:buClr>
-          <a:schemeClr val="accent3"/>
+          <a:schemeClr val="accent1"/>
         </a:buClr>
-        <a:buFont typeface="Arial"/>
-        <a:buChar char="▪"/>
-        <a:defRPr kumimoji="0" sz="2400" kern="1200">
+        <a:buFont typeface="Wingdings 2" charset="2"/>
+        <a:buChar char=""/>
+        <a:defRPr sz="1400" kern="1200">
           <a:solidFill>
             <a:schemeClr val="tx1"/>
           </a:solidFill>
@@ -3599,16 +5228,19 @@
           <a:cs typeface="+mn-cs"/>
         </a:defRPr>
       </a:lvl3pPr>
-      <a:lvl4pPr marL="1216152" indent="-182880" algn="l" rtl="0" eaLnBrk="1" latinLnBrk="0" hangingPunct="1">
+      <a:lvl4pPr marL="1600200" indent="-228600" algn="l" defTabSz="457200" rtl="0" eaLnBrk="1" latinLnBrk="0" hangingPunct="1">
         <a:spcBef>
           <a:spcPct val="20000"/>
         </a:spcBef>
+        <a:spcAft>
+          <a:spcPts val="600"/>
+        </a:spcAft>
         <a:buClr>
-          <a:schemeClr val="accent4"/>
+          <a:schemeClr val="accent1"/>
         </a:buClr>
-        <a:buFont typeface="Arial"/>
-        <a:buChar char="▪"/>
-        <a:defRPr kumimoji="0" sz="2000" kern="1200">
+        <a:buFont typeface="Wingdings 2" charset="2"/>
+        <a:buChar char=""/>
+        <a:defRPr sz="1200" kern="1200">
           <a:solidFill>
             <a:schemeClr val="tx1"/>
           </a:solidFill>
@@ -3617,16 +5249,19 @@
           <a:cs typeface="+mn-cs"/>
         </a:defRPr>
       </a:lvl4pPr>
-      <a:lvl5pPr marL="1426464" indent="-182880" algn="l" rtl="0" eaLnBrk="1" latinLnBrk="0" hangingPunct="1">
+      <a:lvl5pPr marL="2057400" indent="-228600" algn="l" defTabSz="457200" rtl="0" eaLnBrk="1" latinLnBrk="0" hangingPunct="1">
         <a:spcBef>
           <a:spcPct val="20000"/>
         </a:spcBef>
+        <a:spcAft>
+          <a:spcPts val="600"/>
+        </a:spcAft>
         <a:buClr>
-          <a:schemeClr val="accent5"/>
+          <a:schemeClr val="accent1"/>
         </a:buClr>
-        <a:buFont typeface="Wingdings 3"/>
-        <a:buChar char=""/>
-        <a:defRPr kumimoji="0" lang="en-US" sz="2000" kern="1200" smtClean="0">
+        <a:buFont typeface="Wingdings 2" charset="2"/>
+        <a:buChar char=""/>
+        <a:defRPr sz="1200" kern="1200">
           <a:solidFill>
             <a:schemeClr val="tx1"/>
           </a:solidFill>
@@ -3635,17 +5270,19 @@
           <a:cs typeface="+mn-cs"/>
         </a:defRPr>
       </a:lvl5pPr>
-      <a:lvl6pPr marL="1627632" indent="-182880" algn="l" rtl="0" eaLnBrk="1" latinLnBrk="0" hangingPunct="1">
+      <a:lvl6pPr marL="2400000" indent="-228600" algn="l" defTabSz="457200" rtl="0" eaLnBrk="1" latinLnBrk="0" hangingPunct="1">
         <a:spcBef>
           <a:spcPct val="20000"/>
         </a:spcBef>
+        <a:spcAft>
+          <a:spcPts val="600"/>
+        </a:spcAft>
         <a:buClr>
-          <a:schemeClr val="accent6"/>
+          <a:schemeClr val="accent1"/>
         </a:buClr>
-        <a:buSzPct val="100000"/>
-        <a:buFont typeface="Wingdings 2"/>
-        <a:buChar char=""/>
-        <a:defRPr kumimoji="0" sz="2000" kern="1200">
+        <a:buFont typeface="Wingdings 2" charset="2"/>
+        <a:buChar char=""/>
+        <a:defRPr sz="1200" kern="1200">
           <a:solidFill>
             <a:schemeClr val="tx1"/>
           </a:solidFill>
@@ -3654,17 +5291,19 @@
           <a:cs typeface="+mn-cs"/>
         </a:defRPr>
       </a:lvl6pPr>
-      <a:lvl7pPr marL="1828800" indent="-182880" algn="l" rtl="0" eaLnBrk="1" latinLnBrk="0" hangingPunct="1">
+      <a:lvl7pPr marL="2800000" indent="-228600" algn="l" defTabSz="457200" rtl="0" eaLnBrk="1" latinLnBrk="0" hangingPunct="1">
         <a:spcBef>
           <a:spcPct val="20000"/>
         </a:spcBef>
+        <a:spcAft>
+          <a:spcPts val="600"/>
+        </a:spcAft>
         <a:buClr>
           <a:schemeClr val="accent1"/>
         </a:buClr>
-        <a:buSzPct val="100000"/>
-        <a:buFont typeface="Wingdings 2"/>
-        <a:buChar char=""/>
-        <a:defRPr kumimoji="0" sz="1800" kern="1200">
+        <a:buFont typeface="Wingdings 2" charset="2"/>
+        <a:buChar char=""/>
+        <a:defRPr sz="1200" kern="1200">
           <a:solidFill>
             <a:schemeClr val="tx1"/>
           </a:solidFill>
@@ -3673,16 +5312,19 @@
           <a:cs typeface="+mn-cs"/>
         </a:defRPr>
       </a:lvl7pPr>
-      <a:lvl8pPr marL="2029968" indent="-182880" algn="l" rtl="0" eaLnBrk="1" latinLnBrk="0" hangingPunct="1">
+      <a:lvl8pPr marL="3200000" indent="-228600" algn="l" defTabSz="457200" rtl="0" eaLnBrk="1" latinLnBrk="0" hangingPunct="1">
         <a:spcBef>
           <a:spcPct val="20000"/>
         </a:spcBef>
+        <a:spcAft>
+          <a:spcPts val="600"/>
+        </a:spcAft>
         <a:buClr>
-          <a:schemeClr val="accent2"/>
+          <a:schemeClr val="accent1"/>
         </a:buClr>
-        <a:buFont typeface="Wingdings 2" pitchFamily="18" charset="2"/>
-        <a:buChar char=""/>
-        <a:defRPr kumimoji="0" sz="1800" kern="1200">
+        <a:buFont typeface="Wingdings 2" charset="2"/>
+        <a:buChar char=""/>
+        <a:defRPr sz="1200" kern="1200">
           <a:solidFill>
             <a:schemeClr val="tx1"/>
           </a:solidFill>
@@ -3691,16 +5333,19 @@
           <a:cs typeface="+mn-cs"/>
         </a:defRPr>
       </a:lvl8pPr>
-      <a:lvl9pPr marL="2231136" indent="-182880" algn="l" rtl="0" eaLnBrk="1" latinLnBrk="0" hangingPunct="1">
+      <a:lvl9pPr marL="3600000" indent="-228600" algn="l" defTabSz="457200" rtl="0" eaLnBrk="1" latinLnBrk="0" hangingPunct="1">
         <a:spcBef>
           <a:spcPct val="20000"/>
         </a:spcBef>
+        <a:spcAft>
+          <a:spcPts val="600"/>
+        </a:spcAft>
         <a:buClr>
-          <a:schemeClr val="accent3"/>
+          <a:schemeClr val="accent1"/>
         </a:buClr>
-        <a:buFont typeface="Wingdings 2" pitchFamily="18" charset="2"/>
-        <a:buChar char=""/>
-        <a:defRPr kumimoji="0" sz="1800" kern="1200" baseline="0">
+        <a:buFont typeface="Wingdings 2" charset="2"/>
+        <a:buChar char=""/>
+        <a:defRPr sz="1200" kern="1200">
           <a:solidFill>
             <a:schemeClr val="tx1"/>
           </a:solidFill>
@@ -3709,11 +5354,13 @@
           <a:cs typeface="+mn-cs"/>
         </a:defRPr>
       </a:lvl9pPr>
-      <a:extLst/>
     </p:bodyStyle>
     <p:otherStyle>
-      <a:lvl1pPr marL="0" algn="l" rtl="0" eaLnBrk="1" latinLnBrk="0" hangingPunct="1">
-        <a:defRPr kumimoji="0" kern="1200">
+      <a:defPPr>
+        <a:defRPr lang="en-US"/>
+      </a:defPPr>
+      <a:lvl1pPr marL="0" algn="l" defTabSz="457200" rtl="0" eaLnBrk="1" latinLnBrk="0" hangingPunct="1">
+        <a:defRPr sz="1800" kern="1200">
           <a:solidFill>
             <a:schemeClr val="tx1"/>
           </a:solidFill>
@@ -3722,8 +5369,8 @@
           <a:cs typeface="+mn-cs"/>
         </a:defRPr>
       </a:lvl1pPr>
-      <a:lvl2pPr marL="457200" algn="l" rtl="0" eaLnBrk="1" latinLnBrk="0" hangingPunct="1">
-        <a:defRPr kumimoji="0" kern="1200">
+      <a:lvl2pPr marL="457200" algn="l" defTabSz="457200" rtl="0" eaLnBrk="1" latinLnBrk="0" hangingPunct="1">
+        <a:defRPr sz="1800" kern="1200">
           <a:solidFill>
             <a:schemeClr val="tx1"/>
           </a:solidFill>
@@ -3732,8 +5379,8 @@
           <a:cs typeface="+mn-cs"/>
         </a:defRPr>
       </a:lvl2pPr>
-      <a:lvl3pPr marL="914400" algn="l" rtl="0" eaLnBrk="1" latinLnBrk="0" hangingPunct="1">
-        <a:defRPr kumimoji="0" kern="1200">
+      <a:lvl3pPr marL="914400" algn="l" defTabSz="457200" rtl="0" eaLnBrk="1" latinLnBrk="0" hangingPunct="1">
+        <a:defRPr sz="1800" kern="1200">
           <a:solidFill>
             <a:schemeClr val="tx1"/>
           </a:solidFill>
@@ -3742,8 +5389,8 @@
           <a:cs typeface="+mn-cs"/>
         </a:defRPr>
       </a:lvl3pPr>
-      <a:lvl4pPr marL="1371600" algn="l" rtl="0" eaLnBrk="1" latinLnBrk="0" hangingPunct="1">
-        <a:defRPr kumimoji="0" kern="1200">
+      <a:lvl4pPr marL="1371600" algn="l" defTabSz="457200" rtl="0" eaLnBrk="1" latinLnBrk="0" hangingPunct="1">
+        <a:defRPr sz="1800" kern="1200">
           <a:solidFill>
             <a:schemeClr val="tx1"/>
           </a:solidFill>
@@ -3752,8 +5399,8 @@
           <a:cs typeface="+mn-cs"/>
         </a:defRPr>
       </a:lvl4pPr>
-      <a:lvl5pPr marL="1828800" algn="l" rtl="0" eaLnBrk="1" latinLnBrk="0" hangingPunct="1">
-        <a:defRPr kumimoji="0" kern="1200">
+      <a:lvl5pPr marL="1828800" algn="l" defTabSz="457200" rtl="0" eaLnBrk="1" latinLnBrk="0" hangingPunct="1">
+        <a:defRPr sz="1800" kern="1200">
           <a:solidFill>
             <a:schemeClr val="tx1"/>
           </a:solidFill>
@@ -3762,8 +5409,8 @@
           <a:cs typeface="+mn-cs"/>
         </a:defRPr>
       </a:lvl5pPr>
-      <a:lvl6pPr marL="2286000" algn="l" rtl="0" eaLnBrk="1" latinLnBrk="0" hangingPunct="1">
-        <a:defRPr kumimoji="0" kern="1200">
+      <a:lvl6pPr marL="2286000" algn="l" defTabSz="457200" rtl="0" eaLnBrk="1" latinLnBrk="0" hangingPunct="1">
+        <a:defRPr sz="1800" kern="1200">
           <a:solidFill>
             <a:schemeClr val="tx1"/>
           </a:solidFill>
@@ -3772,8 +5419,8 @@
           <a:cs typeface="+mn-cs"/>
         </a:defRPr>
       </a:lvl6pPr>
-      <a:lvl7pPr marL="2743200" algn="l" rtl="0" eaLnBrk="1" latinLnBrk="0" hangingPunct="1">
-        <a:defRPr kumimoji="0" kern="1200">
+      <a:lvl7pPr marL="2743200" algn="l" defTabSz="457200" rtl="0" eaLnBrk="1" latinLnBrk="0" hangingPunct="1">
+        <a:defRPr sz="1800" kern="1200">
           <a:solidFill>
             <a:schemeClr val="tx1"/>
           </a:solidFill>
@@ -3782,8 +5429,8 @@
           <a:cs typeface="+mn-cs"/>
         </a:defRPr>
       </a:lvl7pPr>
-      <a:lvl8pPr marL="3200400" algn="l" rtl="0" eaLnBrk="1" latinLnBrk="0" hangingPunct="1">
-        <a:defRPr kumimoji="0" kern="1200">
+      <a:lvl8pPr marL="3200400" algn="l" defTabSz="457200" rtl="0" eaLnBrk="1" latinLnBrk="0" hangingPunct="1">
+        <a:defRPr sz="1800" kern="1200">
           <a:solidFill>
             <a:schemeClr val="tx1"/>
           </a:solidFill>
@@ -3792,8 +5439,8 @@
           <a:cs typeface="+mn-cs"/>
         </a:defRPr>
       </a:lvl8pPr>
-      <a:lvl9pPr marL="3657600" algn="l" rtl="0" eaLnBrk="1" latinLnBrk="0" hangingPunct="1">
-        <a:defRPr kumimoji="0" kern="1200">
+      <a:lvl9pPr marL="3657600" algn="l" defTabSz="457200" rtl="0" eaLnBrk="1" latinLnBrk="0" hangingPunct="1">
+        <a:defRPr sz="1800" kern="1200">
           <a:solidFill>
             <a:schemeClr val="tx1"/>
           </a:solidFill>
@@ -3802,7 +5449,6 @@
           <a:cs typeface="+mn-cs"/>
         </a:defRPr>
       </a:lvl9pPr>
-      <a:extLst/>
     </p:otherStyle>
   </p:txStyles>
 </p:sldMaster>
@@ -3866,7 +5512,11 @@
             </a:r>
             <a:r>
               <a:rPr lang="es-ES" sz="2800" dirty="0" smtClean="0"/>
-              <a:t> mes neta</a:t>
+              <a:t> mes </a:t>
+            </a:r>
+            <a:r>
+              <a:rPr lang="es-ES" sz="2800" dirty="0" smtClean="0"/>
+              <a:t>neta.</a:t>
             </a:r>
             <a:endParaRPr lang="es-ES" dirty="0"/>
           </a:p>
@@ -3884,13 +5534,13 @@
         </p:nvSpPr>
         <p:spPr>
           <a:xfrm>
-            <a:off x="714348" y="3214686"/>
+            <a:off x="1066800" y="5322661"/>
             <a:ext cx="8077200" cy="1499616"/>
           </a:xfrm>
         </p:spPr>
         <p:txBody>
           <a:bodyPr>
-            <a:normAutofit/>
+            <a:normAutofit fontScale="92500" lnSpcReduction="10000"/>
           </a:bodyPr>
           <a:lstStyle/>
           <a:p>
@@ -3982,7 +5632,7 @@
       </p:grpSpPr>
       <p:sp>
         <p:nvSpPr>
-          <p:cNvPr id="2" name="1 Título"/>
+          <p:cNvPr id="2" name="Título 1"/>
           <p:cNvSpPr>
             <a:spLocks noGrp="1"/>
           </p:cNvSpPr>
@@ -3995,136 +5645,39 @@
           <a:bodyPr/>
           <a:lstStyle/>
           <a:p>
-            <a:endParaRPr lang="es-ES"/>
-          </a:p>
-        </p:txBody>
-      </p:sp>
-      <p:pic>
-        <p:nvPicPr>
-          <p:cNvPr id="5" name="NetejatCampaña.mp4">
-            <a:hlinkClick r:id="" action="ppaction://media"/>
-          </p:cNvPr>
-          <p:cNvPicPr>
-            <a:picLocks noGrp="1" noRot="1" noChangeAspect="1"/>
-          </p:cNvPicPr>
+            <a:endParaRPr lang="ca-ES" dirty="0"/>
+          </a:p>
+        </p:txBody>
+      </p:sp>
+      <p:sp>
+        <p:nvSpPr>
+          <p:cNvPr id="3" name="Marcador de contenido 2"/>
+          <p:cNvSpPr>
+            <a:spLocks noGrp="1"/>
+          </p:cNvSpPr>
           <p:nvPr>
             <p:ph idx="1"/>
-            <a:videoFile r:link="rId1"/>
-          </p:nvPr>
-        </p:nvPicPr>
-        <p:blipFill>
-          <a:blip r:embed="rId3"/>
-          <a:stretch>
-            <a:fillRect/>
-          </a:stretch>
-        </p:blipFill>
-        <p:spPr>
-          <a:xfrm>
-            <a:off x="0" y="-1"/>
-            <a:ext cx="9144000" cy="6858001"/>
-          </a:xfrm>
-          <a:prstGeom prst="rect">
-            <a:avLst/>
-          </a:prstGeom>
-        </p:spPr>
-      </p:pic>
+          </p:nvPr>
+        </p:nvSpPr>
+        <p:spPr/>
+        <p:txBody>
+          <a:bodyPr/>
+          <a:lstStyle/>
+          <a:p>
+            <a:endParaRPr lang="ca-ES"/>
+          </a:p>
+        </p:txBody>
+      </p:sp>
     </p:spTree>
+    <p:extLst>
+      <p:ext uri="{BB962C8B-B14F-4D97-AF65-F5344CB8AC3E}">
+        <p14:creationId xmlns:p14="http://schemas.microsoft.com/office/powerpoint/2010/main" val="3279897976"/>
+      </p:ext>
+    </p:extLst>
   </p:cSld>
   <p:clrMapOvr>
     <a:masterClrMapping/>
   </p:clrMapOvr>
-  <p:timing>
-    <p:tnLst>
-      <p:par>
-        <p:cTn id="1" dur="indefinite" restart="never" nodeType="tmRoot">
-          <p:childTnLst>
-            <p:seq concurrent="1" nextAc="seek">
-              <p:cTn id="2" restart="whenNotActive" fill="hold" evtFilter="cancelBubble" nodeType="interactiveSeq">
-                <p:stCondLst>
-                  <p:cond evt="onClick" delay="0">
-                    <p:tgtEl>
-                      <p:spTgt spid="5"/>
-                    </p:tgtEl>
-                  </p:cond>
-                </p:stCondLst>
-                <p:endSync evt="end" delay="0">
-                  <p:rtn val="all"/>
-                </p:endSync>
-                <p:childTnLst>
-                  <p:par>
-                    <p:cTn id="3" fill="hold">
-                      <p:stCondLst>
-                        <p:cond delay="0"/>
-                      </p:stCondLst>
-                      <p:childTnLst>
-                        <p:par>
-                          <p:cTn id="4" fill="hold">
-                            <p:stCondLst>
-                              <p:cond delay="0"/>
-                            </p:stCondLst>
-                            <p:childTnLst>
-                              <p:par>
-                                <p:cTn id="5" presetID="2" presetClass="mediacall" presetSubtype="0" fill="hold" nodeType="clickEffect">
-                                  <p:stCondLst>
-                                    <p:cond delay="0"/>
-                                  </p:stCondLst>
-                                  <p:childTnLst>
-                                    <p:cmd type="call" cmd="togglePause">
-                                      <p:cBhvr>
-                                        <p:cTn id="6" dur="1" fill="hold"/>
-                                        <p:tgtEl>
-                                          <p:spTgt spid="5"/>
-                                        </p:tgtEl>
-                                      </p:cBhvr>
-                                    </p:cmd>
-                                  </p:childTnLst>
-                                </p:cTn>
-                              </p:par>
-                            </p:childTnLst>
-                          </p:cTn>
-                        </p:par>
-                      </p:childTnLst>
-                    </p:cTn>
-                  </p:par>
-                </p:childTnLst>
-              </p:cTn>
-              <p:nextCondLst>
-                <p:cond evt="onClick" delay="0">
-                  <p:tgtEl>
-                    <p:spTgt spid="5"/>
-                  </p:tgtEl>
-                </p:cond>
-              </p:nextCondLst>
-            </p:seq>
-            <p:video>
-              <p:cMediaNode>
-                <p:cTn id="7" fill="hold" display="0">
-                  <p:stCondLst>
-                    <p:cond delay="indefinite"/>
-                  </p:stCondLst>
-                  <p:endCondLst>
-                    <p:cond evt="onNext" delay="0">
-                      <p:tgtEl>
-                        <p:sldTgt/>
-                      </p:tgtEl>
-                    </p:cond>
-                    <p:cond evt="onPrev" delay="0">
-                      <p:tgtEl>
-                        <p:sldTgt/>
-                      </p:tgtEl>
-                    </p:cond>
-                  </p:endCondLst>
-                </p:cTn>
-                <p:tgtEl>
-                  <p:spTgt spid="5"/>
-                </p:tgtEl>
-              </p:cMediaNode>
-            </p:video>
-          </p:childTnLst>
-        </p:cTn>
-      </p:par>
-    </p:tnLst>
-  </p:timing>
 </p:sld>
 </file>
 
@@ -4162,11 +5715,15 @@
           <a:p>
             <a:r>
               <a:rPr lang="es-ES" dirty="0" err="1" smtClean="0"/>
-              <a:t>Necesitats</a:t>
+              <a:t>Necessitats</a:t>
             </a:r>
             <a:r>
               <a:rPr lang="es-ES" dirty="0" smtClean="0"/>
-              <a:t> o </a:t>
+              <a:t> </a:t>
+            </a:r>
+            <a:r>
+              <a:rPr lang="es-ES" dirty="0" smtClean="0"/>
+              <a:t>o </a:t>
             </a:r>
             <a:r>
               <a:rPr lang="es-ES" dirty="0" err="1" smtClean="0"/>
@@ -4377,13 +5934,8 @@
             </a:r>
             <a:r>
               <a:rPr lang="es-ES" dirty="0" smtClean="0"/>
-              <a:t>? Web</a:t>
-            </a:r>
-            <a:r>
-              <a:rPr lang="es-ES" dirty="0" smtClean="0"/>
-              <a:t>?...</a:t>
-            </a:r>
-            <a:endParaRPr lang="es-ES" dirty="0" smtClean="0"/>
+              <a:t>? Web?...</a:t>
+            </a:r>
           </a:p>
           <a:p>
             <a:endParaRPr lang="es-ES" dirty="0" smtClean="0"/>
@@ -4413,7 +5965,6 @@
               <a:rPr lang="es-ES" dirty="0" smtClean="0"/>
               <a:t>…</a:t>
             </a:r>
-            <a:endParaRPr lang="es-ES" dirty="0" smtClean="0"/>
           </a:p>
           <a:p>
             <a:endParaRPr lang="es-ES" dirty="0" smtClean="0"/>
@@ -4752,9 +6303,9 @@
 </file>
 
 <file path=ppt/theme/theme1.xml><?xml version="1.0" encoding="utf-8"?>
-<a:theme xmlns:a="http://schemas.openxmlformats.org/drawingml/2006/main" name="Módulo">
+<a:theme xmlns:a="http://schemas.openxmlformats.org/drawingml/2006/main" name="Citable">
   <a:themeElements>
-    <a:clrScheme name="Metro">
+    <a:clrScheme name="Citable">
       <a:dk1>
         <a:sysClr val="windowText" lastClr="000000"/>
       </a:dk1>
@@ -4762,47 +6313,47 @@
         <a:sysClr val="window" lastClr="FFFFFF"/>
       </a:lt1>
       <a:dk2>
-        <a:srgbClr val="4E5B6F"/>
+        <a:srgbClr val="212121"/>
       </a:dk2>
       <a:lt2>
-        <a:srgbClr val="D6ECFF"/>
+        <a:srgbClr val="636363"/>
       </a:lt2>
       <a:accent1>
-        <a:srgbClr val="7FD13B"/>
+        <a:srgbClr val="00C6BB"/>
       </a:accent1>
       <a:accent2>
-        <a:srgbClr val="EA157A"/>
+        <a:srgbClr val="6FEBA0"/>
       </a:accent2>
       <a:accent3>
-        <a:srgbClr val="FEB80A"/>
+        <a:srgbClr val="B6DF5E"/>
       </a:accent3>
       <a:accent4>
-        <a:srgbClr val="00ADDC"/>
+        <a:srgbClr val="EFB251"/>
       </a:accent4>
       <a:accent5>
-        <a:srgbClr val="738AC8"/>
+        <a:srgbClr val="EF755F"/>
       </a:accent5>
       <a:accent6>
-        <a:srgbClr val="1AB39F"/>
+        <a:srgbClr val="ED515C"/>
       </a:accent6>
       <a:hlink>
-        <a:srgbClr val="EB8803"/>
+        <a:srgbClr val="8F8F8F"/>
       </a:hlink>
       <a:folHlink>
-        <a:srgbClr val="5F7791"/>
+        <a:srgbClr val="A5A5A5"/>
       </a:folHlink>
     </a:clrScheme>
-    <a:fontScheme name="Módulo">
+    <a:fontScheme name="Citable">
       <a:majorFont>
-        <a:latin typeface="Corbel"/>
+        <a:latin typeface="Century Gothic" panose="020B0502020202020204"/>
         <a:ea typeface=""/>
         <a:cs typeface=""/>
-        <a:font script="Jpan" typeface="HGｺﾞｼｯｸM"/>
-        <a:font script="Hang" typeface="HY엽서L"/>
-        <a:font script="Hans" typeface="华文楷体"/>
+        <a:font script="Jpan" typeface="ＭＳ ゴシック"/>
+        <a:font script="Hang" typeface="맑은 고딕"/>
+        <a:font script="Hans" typeface="宋体"/>
         <a:font script="Hant" typeface="新細明體"/>
         <a:font script="Arab" typeface="Tahoma"/>
-        <a:font script="Hebr" typeface="Miriam"/>
+        <a:font script="Hebr" typeface="Gisha"/>
         <a:font script="Thai" typeface="DilleniaUPC"/>
         <a:font script="Ethi" typeface="Nyala"/>
         <a:font script="Beng" typeface="Vrinda"/>
@@ -4824,19 +6375,20 @@
         <a:font script="Laoo" typeface="DokChampa"/>
         <a:font script="Sinh" typeface="Iskoola Pota"/>
         <a:font script="Mong" typeface="Mongolian Baiti"/>
-        <a:font script="Viet" typeface="Arial"/>
+        <a:font script="Viet" typeface="Tahoma"/>
         <a:font script="Uigh" typeface="Microsoft Uighur"/>
+        <a:font script="Geor" typeface="Sylfaen"/>
       </a:majorFont>
       <a:minorFont>
-        <a:latin typeface="Corbel"/>
+        <a:latin typeface="Century Gothic" panose="020B0502020202020204"/>
         <a:ea typeface=""/>
         <a:cs typeface=""/>
-        <a:font script="Jpan" typeface="HGｺﾞｼｯｸM"/>
-        <a:font script="Hang" typeface="HY엽서L"/>
-        <a:font script="Hans" typeface="华文楷体"/>
+        <a:font script="Jpan" typeface="ＭＳ ゴシック"/>
+        <a:font script="Hang" typeface="맑은 고딕"/>
+        <a:font script="Hans" typeface="宋体"/>
         <a:font script="Hant" typeface="新細明體"/>
         <a:font script="Arab" typeface="Tahoma"/>
-        <a:font script="Hebr" typeface="Miriam"/>
+        <a:font script="Hebr" typeface="Gisha"/>
         <a:font script="Thai" typeface="DilleniaUPC"/>
         <a:font script="Ethi" typeface="Nyala"/>
         <a:font script="Beng" typeface="Vrinda"/>
@@ -4858,11 +6410,12 @@
         <a:font script="Laoo" typeface="DokChampa"/>
         <a:font script="Sinh" typeface="Iskoola Pota"/>
         <a:font script="Mong" typeface="Mongolian Baiti"/>
-        <a:font script="Viet" typeface="Arial"/>
+        <a:font script="Viet" typeface="Verdana"/>
         <a:font script="Uigh" typeface="Microsoft Uighur"/>
+        <a:font script="Geor" typeface="Sylfaen"/>
       </a:minorFont>
     </a:fontScheme>
-    <a:fmtScheme name="Módulo">
+    <a:fmtScheme name="Citable">
       <a:fillStyleLst>
         <a:solidFill>
           <a:schemeClr val="phClr"/>
@@ -4871,66 +6424,48 @@
           <a:gsLst>
             <a:gs pos="0">
               <a:schemeClr val="phClr">
-                <a:tint val="50000"/>
-                <a:satMod val="300000"/>
-              </a:schemeClr>
-            </a:gs>
-            <a:gs pos="35000">
-              <a:schemeClr val="phClr">
-                <a:tint val="37000"/>
-                <a:satMod val="300000"/>
+                <a:tint val="80000"/>
+                <a:lumMod val="105000"/>
               </a:schemeClr>
             </a:gs>
             <a:gs pos="100000">
               <a:schemeClr val="phClr">
-                <a:tint val="15000"/>
-                <a:satMod val="350000"/>
+                <a:tint val="90000"/>
               </a:schemeClr>
             </a:gs>
           </a:gsLst>
-          <a:lin ang="16200000" scaled="1"/>
+          <a:lin ang="5400000" scaled="0"/>
         </a:gradFill>
-        <a:gradFill rotWithShape="1">
-          <a:gsLst>
-            <a:gs pos="0">
+        <a:blipFill rotWithShape="1">
+          <a:blip xmlns:r="http://schemas.openxmlformats.org/officeDocument/2006/relationships" r:embed="rId1">
+            <a:duotone>
               <a:schemeClr val="phClr">
-                <a:shade val="47500"/>
-                <a:satMod val="137000"/>
+                <a:tint val="98000"/>
+                <a:lumMod val="102000"/>
               </a:schemeClr>
-            </a:gs>
-            <a:gs pos="55000">
-              <a:schemeClr val="phClr">
-                <a:shade val="69000"/>
-                <a:satMod val="137000"/>
-              </a:schemeClr>
-            </a:gs>
-            <a:gs pos="100000">
               <a:schemeClr val="phClr">
                 <a:shade val="98000"/>
-                <a:satMod val="137000"/>
+                <a:lumMod val="98000"/>
               </a:schemeClr>
-            </a:gs>
-          </a:gsLst>
-          <a:lin ang="16200000" scaled="0"/>
-        </a:gradFill>
+            </a:duotone>
+          </a:blip>
+          <a:tile tx="0" ty="0" sx="100000" sy="100000" flip="none" algn="tl"/>
+        </a:blipFill>
       </a:fillStyleLst>
       <a:lnStyleLst>
-        <a:ln w="6350" cap="rnd" cmpd="sng" algn="ctr">
-          <a:solidFill>
-            <a:schemeClr val="phClr">
-              <a:shade val="95000"/>
-              <a:satMod val="105000"/>
-            </a:schemeClr>
-          </a:solidFill>
-          <a:prstDash val="solid"/>
-        </a:ln>
-        <a:ln w="48000" cap="flat" cmpd="thickThin" algn="ctr">
+        <a:ln w="9525" cap="rnd" cmpd="sng" algn="ctr">
           <a:solidFill>
             <a:schemeClr val="phClr"/>
           </a:solidFill>
           <a:prstDash val="solid"/>
         </a:ln>
-        <a:ln w="48500" cap="flat" cmpd="thickThin" algn="ctr">
+        <a:ln w="15875" cap="rnd" cmpd="sng" algn="ctr">
+          <a:solidFill>
+            <a:schemeClr val="phClr"/>
+          </a:solidFill>
+          <a:prstDash val="solid"/>
+        </a:ln>
+        <a:ln w="25400" cap="rnd" cmpd="sng" algn="ctr">
           <a:solidFill>
             <a:schemeClr val="phClr"/>
           </a:solidFill>
@@ -4939,42 +6474,19 @@
       </a:lnStyleLst>
       <a:effectStyleLst>
         <a:effectStyle>
-          <a:effectLst>
-            <a:outerShdw blurRad="45000" dist="25000" dir="5400000" rotWithShape="0">
-              <a:srgbClr val="000000">
-                <a:alpha val="38000"/>
-              </a:srgbClr>
-            </a:outerShdw>
-          </a:effectLst>
+          <a:effectLst/>
+        </a:effectStyle>
+        <a:effectStyle>
+          <a:effectLst/>
         </a:effectStyle>
         <a:effectStyle>
           <a:effectLst>
-            <a:outerShdw blurRad="39000" dist="25400" dir="5400000" rotWithShape="0">
+            <a:innerShdw blurRad="63500" dist="25400" dir="13500000">
               <a:srgbClr val="000000">
-                <a:alpha val="38000"/>
+                <a:alpha val="75000"/>
               </a:srgbClr>
-            </a:outerShdw>
+            </a:innerShdw>
           </a:effectLst>
-        </a:effectStyle>
-        <a:effectStyle>
-          <a:effectLst>
-            <a:outerShdw blurRad="39000" dist="25400" dir="5400000" rotWithShape="0">
-              <a:srgbClr val="000000">
-                <a:alpha val="38000"/>
-              </a:srgbClr>
-            </a:outerShdw>
-          </a:effectLst>
-          <a:scene3d>
-            <a:camera prst="orthographicFront" fov="0">
-              <a:rot lat="0" lon="0" rev="0"/>
-            </a:camera>
-            <a:lightRig rig="threePt" dir="t">
-              <a:rot lat="0" lon="0" rev="1800000"/>
-            </a:lightRig>
-          </a:scene3d>
-          <a:sp3d prstMaterial="matte">
-            <a:bevelT h="20000"/>
-          </a:sp3d>
         </a:effectStyle>
       </a:effectStyleLst>
       <a:bgFillStyleLst>
@@ -4985,51 +6497,44 @@
           <a:gsLst>
             <a:gs pos="0">
               <a:schemeClr val="phClr">
-                <a:tint val="48000"/>
-                <a:satMod val="300000"/>
-              </a:schemeClr>
-            </a:gs>
-            <a:gs pos="12000">
-              <a:schemeClr val="phClr">
-                <a:tint val="48000"/>
-                <a:satMod val="300000"/>
-              </a:schemeClr>
-            </a:gs>
-            <a:gs pos="20000">
-              <a:schemeClr val="phClr">
-                <a:tint val="49000"/>
-                <a:satMod val="300000"/>
+                <a:tint val="100000"/>
               </a:schemeClr>
             </a:gs>
             <a:gs pos="100000">
               <a:schemeClr val="phClr">
-                <a:shade val="30000"/>
+                <a:tint val="84000"/>
+                <a:shade val="84000"/>
+                <a:lumMod val="90000"/>
               </a:schemeClr>
             </a:gs>
           </a:gsLst>
-          <a:path path="circle">
-            <a:fillToRect l="10000" t="-25000" r="10000" b="125000"/>
-          </a:path>
+          <a:lin ang="5400000" scaled="0"/>
         </a:gradFill>
-        <a:blipFill>
-          <a:blip xmlns:r="http://schemas.openxmlformats.org/officeDocument/2006/relationships" r:embed="rId1">
-            <a:duotone>
+        <a:gradFill rotWithShape="1">
+          <a:gsLst>
+            <a:gs pos="0">
               <a:schemeClr val="phClr">
-                <a:shade val="75000"/>
-                <a:satMod val="105000"/>
+                <a:tint val="84000"/>
+                <a:shade val="90000"/>
+                <a:satMod val="120000"/>
+                <a:lumMod val="90000"/>
               </a:schemeClr>
-              <a:schemeClr val="phClr">
-                <a:tint val="95000"/>
-                <a:satMod val="105000"/>
-              </a:schemeClr>
-            </a:duotone>
-          </a:blip>
-          <a:tile tx="0" ty="0" sx="38000" sy="38000" flip="none" algn="tl"/>
-        </a:blipFill>
+            </a:gs>
+            <a:gs pos="100000">
+              <a:schemeClr val="phClr"/>
+            </a:gs>
+          </a:gsLst>
+          <a:lin ang="5400000" scaled="0"/>
+        </a:gradFill>
       </a:bgFillStyleLst>
     </a:fmtScheme>
   </a:themeElements>
   <a:objectDefaults/>
   <a:extraClrSchemeLst/>
+  <a:extLst>
+    <a:ext uri="{05A4C25C-085E-4340-85A3-A5531E510DB2}">
+      <thm15:themeFamily xmlns:thm15="http://schemas.microsoft.com/office/thememl/2012/main" name="Quotable" id="{39EC5628-30ED-4578-ACD8-9820EDB8E15A}" vid="{6F3559E9-1A4C-49D8-94D4-F41003531C49}"/>
+    </a:ext>
+  </a:extLst>
 </a:theme>
 </file>